--- a/activities/multilayer_perceptron_key.pptx
+++ b/activities/multilayer_perceptron_key.pptx
@@ -3789,7 +3789,7 @@
         <p:spPr/>
         <p:txBody>
           <a:bodyPr>
-            <a:normAutofit fontScale="92500" lnSpcReduction="10000"/>
+            <a:normAutofit/>
           </a:bodyPr>
           <a:lstStyle/>
           <a:p>
@@ -3841,27 +3841,8 @@
               <a:buAutoNum type="alphaLcParenR"/>
             </a:pPr>
             <a:r>
-              <a:rPr lang="en-US" sz="2000" u="sng" dirty="0"/>
-              <a:t>If we follow the convention of including 1 as an input feature</a:t>
-            </a:r>
-            <a:r>
               <a:rPr lang="en-US" sz="2000" dirty="0"/>
-              <a:t>, then there are 3 parameters – one for each input feature</a:t>
-            </a:r>
-            <a:endParaRPr lang="en-US" sz="2000" u="sng" dirty="0"/>
-          </a:p>
-          <a:p>
-            <a:pPr marL="971550" lvl="1" indent="-514350">
-              <a:buFont typeface="+mj-lt"/>
-              <a:buAutoNum type="alphaLcParenR"/>
-            </a:pPr>
-            <a:r>
-              <a:rPr lang="en-US" sz="2000" u="sng" dirty="0"/>
-              <a:t>If we do not follow this convention</a:t>
-            </a:r>
-            <a:r>
-              <a:rPr lang="en-US" sz="2000" dirty="0"/>
-              <a:t>, then there are 4 parameters – one for each input feature, and one additional bias term</a:t>
+              <a:t>4 parameters – one for each input feature, and one additional bias term</a:t>
             </a:r>
           </a:p>
           <a:p>
@@ -3958,7 +3939,7 @@
         <p:spPr/>
         <p:txBody>
           <a:bodyPr>
-            <a:normAutofit fontScale="77500" lnSpcReduction="20000"/>
+            <a:normAutofit fontScale="85000" lnSpcReduction="20000"/>
           </a:bodyPr>
           <a:lstStyle/>
           <a:p>
@@ -4027,7 +4008,7 @@
             </a:pPr>
             <a:r>
               <a:rPr lang="en-US" sz="2000" dirty="0"/>
-              <a:t>6 possible additional bias terms (one per hidden unit) depending on our convention (see Part I.1)</a:t>
+              <a:t>6 additional bias terms (one per hidden unit)</a:t>
             </a:r>
           </a:p>
           <a:p>
@@ -4057,7 +4038,7 @@
             </a:pPr>
             <a:r>
               <a:rPr lang="en-US" sz="2500" dirty="0"/>
-              <a:t>This gives us up to 31 parameters in total depending on handling of bias terms.</a:t>
+              <a:t>This gives us 31 parameters in total.</a:t>
             </a:r>
           </a:p>
           <a:p>
@@ -4073,7 +4054,7 @@
             </a:pPr>
             <a:r>
               <a:rPr lang="en-US" sz="2400" dirty="0"/>
-              <a:t>It may be helpful to draw or create graphs for these models. For this activity, bias/intercept parameters may be ignored.</a:t>
+              <a:t>It may be helpful to draw or create graphs for these models.</a:t>
             </a:r>
           </a:p>
         </p:txBody>
@@ -4155,7 +4136,7 @@
         <p:spPr/>
         <p:txBody>
           <a:bodyPr>
-            <a:normAutofit fontScale="62500" lnSpcReduction="20000"/>
+            <a:normAutofit fontScale="70000" lnSpcReduction="20000"/>
           </a:bodyPr>
           <a:lstStyle/>
           <a:p>
@@ -4224,7 +4205,7 @@
             </a:pPr>
             <a:r>
               <a:rPr lang="en-US" sz="2000" dirty="0"/>
-              <a:t>6 possible additional bias terms (one per hidden unit) depending on our convention (see Part I.1)</a:t>
+              <a:t>6 additional bias terms (one per hidden unit)</a:t>
             </a:r>
           </a:p>
           <a:p>
@@ -4274,7 +4255,7 @@
             </a:pPr>
             <a:r>
               <a:rPr lang="en-US" sz="2400" dirty="0"/>
-              <a:t>This gives us up to 73 parameters in total depending on handling of bias terms.</a:t>
+              <a:t>This gives us 73 parameters in total.</a:t>
             </a:r>
           </a:p>
           <a:p>
@@ -4290,7 +4271,7 @@
             </a:pPr>
             <a:r>
               <a:rPr lang="en-US" sz="2400" dirty="0"/>
-              <a:t>It may be helpful to draw or create graphs for these models. For this activity, bias/intercept parameters may be ignored.</a:t>
+              <a:t>It may be helpful to draw or create graphs for these models.</a:t>
             </a:r>
           </a:p>
         </p:txBody>
@@ -4369,10 +4350,15 @@
             <p:ph idx="1"/>
           </p:nvPr>
         </p:nvSpPr>
-        <p:spPr/>
+        <p:spPr>
+          <a:xfrm>
+            <a:off x="838200" y="1825624"/>
+            <a:ext cx="10515600" cy="4584904"/>
+          </a:xfrm>
+        </p:spPr>
         <p:txBody>
           <a:bodyPr>
-            <a:normAutofit fontScale="55000" lnSpcReduction="20000"/>
+            <a:normAutofit fontScale="62500" lnSpcReduction="20000"/>
           </a:bodyPr>
           <a:lstStyle/>
           <a:p>
@@ -4441,7 +4427,7 @@
             </a:pPr>
             <a:r>
               <a:rPr lang="en-US" sz="2000" dirty="0"/>
-              <a:t>6 possible additional bias terms (one per hidden unit) depending on our convention (see Part I.1)</a:t>
+              <a:t>6 additional bias terms (one per hidden unit)</a:t>
             </a:r>
           </a:p>
           <a:p>
@@ -4511,7 +4497,7 @@
             </a:pPr>
             <a:r>
               <a:rPr lang="en-US" sz="2400" dirty="0"/>
-              <a:t>This gives us up to 63 parameters in total depending on handling of bias terms. This is fewer than the previous exercise even though this MLP has more hidden layers and more total hidden units!</a:t>
+              <a:t>This gives us 63 parameters in total – fewer than the previous exercise even though this MLP has more hidden layers and more total hidden units!</a:t>
             </a:r>
           </a:p>
           <a:p>
@@ -4527,7 +4513,7 @@
             </a:pPr>
             <a:r>
               <a:rPr lang="en-US" sz="2400" dirty="0"/>
-              <a:t>It may be helpful to draw or create graphs for these models. For this activity, bias/intercept parameters may be ignored.</a:t>
+              <a:t>It may be helpful to draw or create graphs for these models.</a:t>
             </a:r>
           </a:p>
         </p:txBody>
@@ -4562,159 +4548,6 @@
           <a:chExt cx="0" cy="0"/>
         </a:xfrm>
       </p:grpSpPr>
-      <p:graphicFrame>
-        <p:nvGraphicFramePr>
-          <p:cNvPr id="15" name="Table 14">
-            <a:extLst>
-              <a:ext uri="{FF2B5EF4-FFF2-40B4-BE49-F238E27FC236}">
-                <a16:creationId xmlns:a16="http://schemas.microsoft.com/office/drawing/2014/main" id="{2954A169-8493-658B-7F52-EEBF6E1922D7}"/>
-              </a:ext>
-            </a:extLst>
-          </p:cNvPr>
-          <p:cNvGraphicFramePr>
-            <a:graphicFrameLocks noGrp="1"/>
-          </p:cNvGraphicFramePr>
-          <p:nvPr>
-            <p:extLst>
-              <p:ext uri="{D42A27DB-BD31-4B8C-83A1-F6EECF244321}">
-                <p14:modId xmlns:p14="http://schemas.microsoft.com/office/powerpoint/2010/main" val="2686942534"/>
-              </p:ext>
-            </p:extLst>
-          </p:nvPr>
-        </p:nvGraphicFramePr>
-        <p:xfrm>
-          <a:off x="8457317" y="4133963"/>
-          <a:ext cx="1372864" cy="623232"/>
-        </p:xfrm>
-        <a:graphic>
-          <a:graphicData uri="http://schemas.openxmlformats.org/drawingml/2006/table">
-            <a:tbl>
-              <a:tblPr firstRow="1" bandRow="1">
-                <a:tableStyleId>{5C22544A-7EE6-4342-B048-85BDC9FD1C3A}</a:tableStyleId>
-              </a:tblPr>
-              <a:tblGrid>
-                <a:gridCol w="686432">
-                  <a:extLst>
-                    <a:ext uri="{9D8B030D-6E8A-4147-A177-3AD203B41FA5}">
-                      <a16:colId xmlns:a16="http://schemas.microsoft.com/office/drawing/2014/main" val="4002730172"/>
-                    </a:ext>
-                  </a:extLst>
-                </a:gridCol>
-                <a:gridCol w="686432">
-                  <a:extLst>
-                    <a:ext uri="{9D8B030D-6E8A-4147-A177-3AD203B41FA5}">
-                      <a16:colId xmlns:a16="http://schemas.microsoft.com/office/drawing/2014/main" val="2833431289"/>
-                    </a:ext>
-                  </a:extLst>
-                </a:gridCol>
-              </a:tblGrid>
-              <a:tr h="623232">
-                <a:tc>
-                  <a:txBody>
-                    <a:bodyPr/>
-                    <a:lstStyle/>
-                    <a:p>
-                      <a:endParaRPr lang="en-US" dirty="0"/>
-                    </a:p>
-                  </a:txBody>
-                  <a:tcPr>
-                    <a:lnL w="38100" cap="flat" cmpd="sng" algn="ctr">
-                      <a:solidFill>
-                        <a:schemeClr val="tx1"/>
-                      </a:solidFill>
-                      <a:prstDash val="solid"/>
-                      <a:round/>
-                      <a:headEnd type="none" w="med" len="med"/>
-                      <a:tailEnd type="none" w="med" len="med"/>
-                    </a:lnL>
-                    <a:lnR w="38100" cap="flat" cmpd="sng" algn="ctr">
-                      <a:solidFill>
-                        <a:schemeClr val="tx1"/>
-                      </a:solidFill>
-                      <a:prstDash val="solid"/>
-                      <a:round/>
-                      <a:headEnd type="none" w="med" len="med"/>
-                      <a:tailEnd type="none" w="med" len="med"/>
-                    </a:lnR>
-                    <a:lnT w="38100" cap="flat" cmpd="sng" algn="ctr">
-                      <a:solidFill>
-                        <a:schemeClr val="tx1"/>
-                      </a:solidFill>
-                      <a:prstDash val="solid"/>
-                      <a:round/>
-                      <a:headEnd type="none" w="med" len="med"/>
-                      <a:tailEnd type="none" w="med" len="med"/>
-                    </a:lnT>
-                    <a:lnB w="38100" cap="flat" cmpd="sng" algn="ctr">
-                      <a:solidFill>
-                        <a:schemeClr val="tx1"/>
-                      </a:solidFill>
-                      <a:prstDash val="solid"/>
-                      <a:round/>
-                      <a:headEnd type="none" w="med" len="med"/>
-                      <a:tailEnd type="none" w="med" len="med"/>
-                    </a:lnB>
-                    <a:noFill/>
-                  </a:tcPr>
-                </a:tc>
-                <a:tc>
-                  <a:txBody>
-                    <a:bodyPr/>
-                    <a:lstStyle/>
-                    <a:p>
-                      <a:endParaRPr lang="en-US" dirty="0"/>
-                    </a:p>
-                  </a:txBody>
-                  <a:tcPr>
-                    <a:lnL w="38100" cap="flat" cmpd="sng" algn="ctr">
-                      <a:solidFill>
-                        <a:schemeClr val="tx1"/>
-                      </a:solidFill>
-                      <a:prstDash val="solid"/>
-                      <a:round/>
-                      <a:headEnd type="none" w="med" len="med"/>
-                      <a:tailEnd type="none" w="med" len="med"/>
-                    </a:lnL>
-                    <a:lnR w="38100" cap="flat" cmpd="sng" algn="ctr">
-                      <a:solidFill>
-                        <a:schemeClr val="tx1"/>
-                      </a:solidFill>
-                      <a:prstDash val="solid"/>
-                      <a:round/>
-                      <a:headEnd type="none" w="med" len="med"/>
-                      <a:tailEnd type="none" w="med" len="med"/>
-                    </a:lnR>
-                    <a:lnT w="38100" cap="flat" cmpd="sng" algn="ctr">
-                      <a:solidFill>
-                        <a:schemeClr val="tx1"/>
-                      </a:solidFill>
-                      <a:prstDash val="solid"/>
-                      <a:round/>
-                      <a:headEnd type="none" w="med" len="med"/>
-                      <a:tailEnd type="none" w="med" len="med"/>
-                    </a:lnT>
-                    <a:lnB w="38100" cap="flat" cmpd="sng" algn="ctr">
-                      <a:solidFill>
-                        <a:schemeClr val="tx1"/>
-                      </a:solidFill>
-                      <a:prstDash val="solid"/>
-                      <a:round/>
-                      <a:headEnd type="none" w="med" len="med"/>
-                      <a:tailEnd type="none" w="med" len="med"/>
-                    </a:lnB>
-                    <a:noFill/>
-                  </a:tcPr>
-                </a:tc>
-                <a:extLst>
-                  <a:ext uri="{0D108BD9-81ED-4DB2-BD59-A6C34878D82A}">
-                    <a16:rowId xmlns:a16="http://schemas.microsoft.com/office/drawing/2014/main" val="3775152605"/>
-                  </a:ext>
-                </a:extLst>
-              </a:tr>
-            </a:tbl>
-          </a:graphicData>
-        </a:graphic>
-      </p:graphicFrame>
       <p:sp>
         <p:nvSpPr>
           <p:cNvPr id="2" name="Title 1">
@@ -4750,2277 +4583,6 @@
           </a:p>
         </p:txBody>
       </p:sp>
-      <p:cxnSp>
-        <p:nvCxnSpPr>
-          <p:cNvPr id="4" name="Straight Arrow Connector 3">
-            <a:extLst>
-              <a:ext uri="{FF2B5EF4-FFF2-40B4-BE49-F238E27FC236}">
-                <a16:creationId xmlns:a16="http://schemas.microsoft.com/office/drawing/2014/main" id="{BD5F68B1-46AF-CC03-F986-0B3B137C59D1}"/>
-              </a:ext>
-            </a:extLst>
-          </p:cNvPr>
-          <p:cNvCxnSpPr>
-            <a:cxnSpLocks/>
-          </p:cNvCxnSpPr>
-          <p:nvPr/>
-        </p:nvCxnSpPr>
-        <p:spPr>
-          <a:xfrm flipV="1">
-            <a:off x="8638528" y="4750150"/>
-            <a:ext cx="0" cy="577652"/>
-          </a:xfrm>
-          <a:prstGeom prst="straightConnector1">
-            <a:avLst/>
-          </a:prstGeom>
-          <a:ln>
-            <a:tailEnd type="triangle"/>
-          </a:ln>
-        </p:spPr>
-        <p:style>
-          <a:lnRef idx="2">
-            <a:schemeClr val="dk1"/>
-          </a:lnRef>
-          <a:fillRef idx="0">
-            <a:schemeClr val="dk1"/>
-          </a:fillRef>
-          <a:effectRef idx="1">
-            <a:schemeClr val="dk1"/>
-          </a:effectRef>
-          <a:fontRef idx="minor">
-            <a:schemeClr val="tx1"/>
-          </a:fontRef>
-        </p:style>
-      </p:cxnSp>
-      <p:cxnSp>
-        <p:nvCxnSpPr>
-          <p:cNvPr id="5" name="Straight Arrow Connector 4">
-            <a:extLst>
-              <a:ext uri="{FF2B5EF4-FFF2-40B4-BE49-F238E27FC236}">
-                <a16:creationId xmlns:a16="http://schemas.microsoft.com/office/drawing/2014/main" id="{3D26FE52-E803-8498-3780-4B240B9625BE}"/>
-              </a:ext>
-            </a:extLst>
-          </p:cNvPr>
-          <p:cNvCxnSpPr>
-            <a:cxnSpLocks/>
-          </p:cNvCxnSpPr>
-          <p:nvPr/>
-        </p:nvCxnSpPr>
-        <p:spPr>
-          <a:xfrm flipV="1">
-            <a:off x="9700334" y="4783478"/>
-            <a:ext cx="0" cy="563050"/>
-          </a:xfrm>
-          <a:prstGeom prst="straightConnector1">
-            <a:avLst/>
-          </a:prstGeom>
-          <a:ln>
-            <a:solidFill>
-              <a:srgbClr val="FF0000"/>
-            </a:solidFill>
-            <a:tailEnd type="triangle"/>
-          </a:ln>
-        </p:spPr>
-        <p:style>
-          <a:lnRef idx="2">
-            <a:schemeClr val="dk1"/>
-          </a:lnRef>
-          <a:fillRef idx="0">
-            <a:schemeClr val="dk1"/>
-          </a:fillRef>
-          <a:effectRef idx="1">
-            <a:schemeClr val="dk1"/>
-          </a:effectRef>
-          <a:fontRef idx="minor">
-            <a:schemeClr val="tx1"/>
-          </a:fontRef>
-        </p:style>
-      </p:cxnSp>
-      <p:cxnSp>
-        <p:nvCxnSpPr>
-          <p:cNvPr id="6" name="Straight Arrow Connector 5">
-            <a:extLst>
-              <a:ext uri="{FF2B5EF4-FFF2-40B4-BE49-F238E27FC236}">
-                <a16:creationId xmlns:a16="http://schemas.microsoft.com/office/drawing/2014/main" id="{58CBA2AE-0D3C-9A49-4AD3-769EDD186BC2}"/>
-              </a:ext>
-            </a:extLst>
-          </p:cNvPr>
-          <p:cNvCxnSpPr>
-            <a:cxnSpLocks/>
-          </p:cNvCxnSpPr>
-          <p:nvPr/>
-        </p:nvCxnSpPr>
-        <p:spPr>
-          <a:xfrm flipH="1" flipV="1">
-            <a:off x="8971953" y="4750150"/>
-            <a:ext cx="342805" cy="565913"/>
-          </a:xfrm>
-          <a:prstGeom prst="straightConnector1">
-            <a:avLst/>
-          </a:prstGeom>
-          <a:ln>
-            <a:solidFill>
-              <a:srgbClr val="FF0000"/>
-            </a:solidFill>
-            <a:tailEnd type="triangle"/>
-          </a:ln>
-        </p:spPr>
-        <p:style>
-          <a:lnRef idx="2">
-            <a:schemeClr val="dk1"/>
-          </a:lnRef>
-          <a:fillRef idx="0">
-            <a:schemeClr val="dk1"/>
-          </a:fillRef>
-          <a:effectRef idx="1">
-            <a:schemeClr val="dk1"/>
-          </a:effectRef>
-          <a:fontRef idx="minor">
-            <a:schemeClr val="tx1"/>
-          </a:fontRef>
-        </p:style>
-      </p:cxnSp>
-      <mc:AlternateContent xmlns:mc="http://schemas.openxmlformats.org/markup-compatibility/2006" xmlns:a14="http://schemas.microsoft.com/office/drawing/2010/main">
-        <mc:Choice Requires="a14">
-          <p:sp>
-            <p:nvSpPr>
-              <p:cNvPr id="7" name="Oval 6">
-                <a:extLst>
-                  <a:ext uri="{FF2B5EF4-FFF2-40B4-BE49-F238E27FC236}">
-                    <a16:creationId xmlns:a16="http://schemas.microsoft.com/office/drawing/2014/main" id="{DB1629A7-BAE6-FC1B-FA7F-16439BC5CBF4}"/>
-                  </a:ext>
-                </a:extLst>
-              </p:cNvPr>
-              <p:cNvSpPr/>
-              <p:nvPr/>
-            </p:nvSpPr>
-            <p:spPr>
-              <a:xfrm>
-                <a:off x="8582566" y="3475350"/>
-                <a:ext cx="470357" cy="459473"/>
-              </a:xfrm>
-              <a:prstGeom prst="ellipse">
-                <a:avLst/>
-              </a:prstGeom>
-            </p:spPr>
-            <p:style>
-              <a:lnRef idx="2">
-                <a:schemeClr val="dk1"/>
-              </a:lnRef>
-              <a:fillRef idx="1">
-                <a:schemeClr val="lt1"/>
-              </a:fillRef>
-              <a:effectRef idx="0">
-                <a:schemeClr val="dk1"/>
-              </a:effectRef>
-              <a:fontRef idx="minor">
-                <a:schemeClr val="dk1"/>
-              </a:fontRef>
-            </p:style>
-            <p:txBody>
-              <a:bodyPr rtlCol="0" anchor="ctr"/>
-              <a:lstStyle/>
-              <a:p>
-                <a:pPr algn="ctr"/>
-                <a14:m>
-                  <m:oMathPara xmlns:m="http://schemas.openxmlformats.org/officeDocument/2006/math">
-                    <m:oMathParaPr>
-                      <m:jc m:val="center"/>
-                    </m:oMathParaPr>
-                    <m:oMath xmlns:m="http://schemas.openxmlformats.org/officeDocument/2006/math">
-                      <m:r>
-                        <a:rPr lang="en-US" sz="3200" b="0" i="1" dirty="0" smtClean="0">
-                          <a:latin typeface="Cambria Math" panose="02040503050406030204" pitchFamily="18" charset="0"/>
-                        </a:rPr>
-                        <m:t> </m:t>
-                      </m:r>
-                      <m:r>
-                        <a:rPr lang="el-GR" sz="3200" i="1" dirty="0" smtClean="0">
-                          <a:latin typeface="Cambria Math" panose="02040503050406030204" pitchFamily="18" charset="0"/>
-                        </a:rPr>
-                        <m:t>𝜎</m:t>
-                      </m:r>
-                    </m:oMath>
-                  </m:oMathPara>
-                </a14:m>
-                <a:endParaRPr lang="en-US" dirty="0"/>
-              </a:p>
-            </p:txBody>
-          </p:sp>
-        </mc:Choice>
-        <mc:Fallback xmlns="">
-          <p:sp>
-            <p:nvSpPr>
-              <p:cNvPr id="7" name="Oval 6">
-                <a:extLst>
-                  <a:ext uri="{FF2B5EF4-FFF2-40B4-BE49-F238E27FC236}">
-                    <a16:creationId xmlns:a16="http://schemas.microsoft.com/office/drawing/2014/main" id="{DB1629A7-BAE6-FC1B-FA7F-16439BC5CBF4}"/>
-                  </a:ext>
-                </a:extLst>
-              </p:cNvPr>
-              <p:cNvSpPr>
-                <a:spLocks noRot="1" noChangeAspect="1" noMove="1" noResize="1" noEditPoints="1" noAdjustHandles="1" noChangeArrowheads="1" noChangeShapeType="1" noTextEdit="1"/>
-              </p:cNvSpPr>
-              <p:nvPr/>
-            </p:nvSpPr>
-            <p:spPr>
-              <a:xfrm>
-                <a:off x="8582566" y="3475350"/>
-                <a:ext cx="470357" cy="459473"/>
-              </a:xfrm>
-              <a:prstGeom prst="ellipse">
-                <a:avLst/>
-              </a:prstGeom>
-              <a:blipFill>
-                <a:blip r:embed="rId2"/>
-                <a:stretch>
-                  <a:fillRect l="-38462" t="-10526" b="-39474"/>
-                </a:stretch>
-              </a:blipFill>
-            </p:spPr>
-            <p:txBody>
-              <a:bodyPr/>
-              <a:lstStyle/>
-              <a:p>
-                <a:r>
-                  <a:rPr lang="en-US">
-                    <a:noFill/>
-                  </a:rPr>
-                  <a:t> </a:t>
-                </a:r>
-              </a:p>
-            </p:txBody>
-          </p:sp>
-        </mc:Fallback>
-      </mc:AlternateContent>
-      <p:cxnSp>
-        <p:nvCxnSpPr>
-          <p:cNvPr id="8" name="Straight Arrow Connector 7">
-            <a:extLst>
-              <a:ext uri="{FF2B5EF4-FFF2-40B4-BE49-F238E27FC236}">
-                <a16:creationId xmlns:a16="http://schemas.microsoft.com/office/drawing/2014/main" id="{50227BCE-51D1-082C-984B-58729E294817}"/>
-              </a:ext>
-            </a:extLst>
-          </p:cNvPr>
-          <p:cNvCxnSpPr>
-            <a:cxnSpLocks/>
-            <a:endCxn id="7" idx="4"/>
-          </p:cNvCxnSpPr>
-          <p:nvPr/>
-        </p:nvCxnSpPr>
-        <p:spPr>
-          <a:xfrm flipV="1">
-            <a:off x="8817745" y="3934823"/>
-            <a:ext cx="0" cy="207440"/>
-          </a:xfrm>
-          <a:prstGeom prst="straightConnector1">
-            <a:avLst/>
-          </a:prstGeom>
-          <a:ln>
-            <a:tailEnd type="triangle"/>
-          </a:ln>
-        </p:spPr>
-        <p:style>
-          <a:lnRef idx="2">
-            <a:schemeClr val="dk1"/>
-          </a:lnRef>
-          <a:fillRef idx="0">
-            <a:schemeClr val="dk1"/>
-          </a:fillRef>
-          <a:effectRef idx="1">
-            <a:schemeClr val="dk1"/>
-          </a:effectRef>
-          <a:fontRef idx="minor">
-            <a:schemeClr val="tx1"/>
-          </a:fontRef>
-        </p:style>
-      </p:cxnSp>
-      <p:cxnSp>
-        <p:nvCxnSpPr>
-          <p:cNvPr id="9" name="Straight Arrow Connector 8">
-            <a:extLst>
-              <a:ext uri="{FF2B5EF4-FFF2-40B4-BE49-F238E27FC236}">
-                <a16:creationId xmlns:a16="http://schemas.microsoft.com/office/drawing/2014/main" id="{B2C6E89E-7E21-E9BB-D8E3-4E966FC2D618}"/>
-              </a:ext>
-            </a:extLst>
-          </p:cNvPr>
-          <p:cNvCxnSpPr>
-            <a:cxnSpLocks/>
-            <a:stCxn id="7" idx="0"/>
-          </p:cNvCxnSpPr>
-          <p:nvPr/>
-        </p:nvCxnSpPr>
-        <p:spPr>
-          <a:xfrm flipV="1">
-            <a:off x="8817745" y="3299385"/>
-            <a:ext cx="0" cy="175965"/>
-          </a:xfrm>
-          <a:prstGeom prst="straightConnector1">
-            <a:avLst/>
-          </a:prstGeom>
-          <a:ln>
-            <a:tailEnd type="triangle"/>
-          </a:ln>
-        </p:spPr>
-        <p:style>
-          <a:lnRef idx="2">
-            <a:schemeClr val="dk1"/>
-          </a:lnRef>
-          <a:fillRef idx="0">
-            <a:schemeClr val="dk1"/>
-          </a:fillRef>
-          <a:effectRef idx="1">
-            <a:schemeClr val="dk1"/>
-          </a:effectRef>
-          <a:fontRef idx="minor">
-            <a:schemeClr val="tx1"/>
-          </a:fontRef>
-        </p:style>
-      </p:cxnSp>
-      <mc:AlternateContent xmlns:mc="http://schemas.openxmlformats.org/markup-compatibility/2006" xmlns:a14="http://schemas.microsoft.com/office/drawing/2010/main">
-        <mc:Choice Requires="a14">
-          <p:sp>
-            <p:nvSpPr>
-              <p:cNvPr id="10" name="TextBox 9">
-                <a:extLst>
-                  <a:ext uri="{FF2B5EF4-FFF2-40B4-BE49-F238E27FC236}">
-                    <a16:creationId xmlns:a16="http://schemas.microsoft.com/office/drawing/2014/main" id="{58A60381-4814-61D4-22DE-9E5E64F4A37C}"/>
-                  </a:ext>
-                </a:extLst>
-              </p:cNvPr>
-              <p:cNvSpPr txBox="1"/>
-              <p:nvPr/>
-            </p:nvSpPr>
-            <p:spPr>
-              <a:xfrm>
-                <a:off x="9267439" y="4152500"/>
-                <a:ext cx="482826" cy="512576"/>
-              </a:xfrm>
-              <a:prstGeom prst="rect">
-                <a:avLst/>
-              </a:prstGeom>
-              <a:noFill/>
-            </p:spPr>
-            <p:txBody>
-              <a:bodyPr wrap="square" rtlCol="0">
-                <a:spAutoFit/>
-              </a:bodyPr>
-              <a:lstStyle/>
-              <a:p>
-                <a:pPr/>
-                <a14:m>
-                  <m:oMathPara xmlns:m="http://schemas.openxmlformats.org/officeDocument/2006/math">
-                    <m:oMathParaPr>
-                      <m:jc m:val="centerGroup"/>
-                    </m:oMathParaPr>
-                    <m:oMath xmlns:m="http://schemas.openxmlformats.org/officeDocument/2006/math">
-                      <m:sSub>
-                        <m:sSubPr>
-                          <m:ctrlPr>
-                            <a:rPr lang="en-US" sz="2797" b="0" i="1" dirty="0" smtClean="0">
-                              <a:solidFill>
-                                <a:schemeClr val="tx1"/>
-                              </a:solidFill>
-                              <a:latin typeface="Cambria Math" panose="02040503050406030204" pitchFamily="18" charset="0"/>
-                              <a:cs typeface="Times New Roman" panose="02020603050405020304" pitchFamily="18" charset="0"/>
-                            </a:rPr>
-                          </m:ctrlPr>
-                        </m:sSubPr>
-                        <m:e>
-                          <m:r>
-                            <a:rPr lang="en-US" sz="2797" b="0" i="1" dirty="0" smtClean="0">
-                              <a:solidFill>
-                                <a:schemeClr val="tx1"/>
-                              </a:solidFill>
-                              <a:latin typeface="Cambria Math" panose="02040503050406030204" pitchFamily="18" charset="0"/>
-                              <a:cs typeface="Times New Roman" panose="02020603050405020304" pitchFamily="18" charset="0"/>
-                            </a:rPr>
-                            <m:t>h</m:t>
-                          </m:r>
-                        </m:e>
-                        <m:sub>
-                          <m:r>
-                            <a:rPr lang="en-US" sz="2797" b="0" i="1" dirty="0" smtClean="0">
-                              <a:solidFill>
-                                <a:schemeClr val="tx1"/>
-                              </a:solidFill>
-                              <a:latin typeface="Cambria Math" panose="02040503050406030204" pitchFamily="18" charset="0"/>
-                              <a:cs typeface="Times New Roman" panose="02020603050405020304" pitchFamily="18" charset="0"/>
-                            </a:rPr>
-                            <m:t>2</m:t>
-                          </m:r>
-                        </m:sub>
-                      </m:sSub>
-                    </m:oMath>
-                  </m:oMathPara>
-                </a14:m>
-                <a:endParaRPr lang="en-US" sz="2797" baseline="-25000" dirty="0">
-                  <a:latin typeface="Times New Roman" panose="02020603050405020304" pitchFamily="18" charset="0"/>
-                  <a:cs typeface="Times New Roman" panose="02020603050405020304" pitchFamily="18" charset="0"/>
-                </a:endParaRPr>
-              </a:p>
-            </p:txBody>
-          </p:sp>
-        </mc:Choice>
-        <mc:Fallback xmlns="">
-          <p:sp>
-            <p:nvSpPr>
-              <p:cNvPr id="10" name="TextBox 9">
-                <a:extLst>
-                  <a:ext uri="{FF2B5EF4-FFF2-40B4-BE49-F238E27FC236}">
-                    <a16:creationId xmlns:a16="http://schemas.microsoft.com/office/drawing/2014/main" id="{58A60381-4814-61D4-22DE-9E5E64F4A37C}"/>
-                  </a:ext>
-                </a:extLst>
-              </p:cNvPr>
-              <p:cNvSpPr txBox="1">
-                <a:spLocks noRot="1" noChangeAspect="1" noMove="1" noResize="1" noEditPoints="1" noAdjustHandles="1" noChangeArrowheads="1" noChangeShapeType="1" noTextEdit="1"/>
-              </p:cNvSpPr>
-              <p:nvPr/>
-            </p:nvSpPr>
-            <p:spPr>
-              <a:xfrm>
-                <a:off x="9267439" y="4152500"/>
-                <a:ext cx="482826" cy="512576"/>
-              </a:xfrm>
-              <a:prstGeom prst="rect">
-                <a:avLst/>
-              </a:prstGeom>
-              <a:blipFill>
-                <a:blip r:embed="rId3"/>
-                <a:stretch>
-                  <a:fillRect l="-7692" r="-7692" b="-7143"/>
-                </a:stretch>
-              </a:blipFill>
-            </p:spPr>
-            <p:txBody>
-              <a:bodyPr/>
-              <a:lstStyle/>
-              <a:p>
-                <a:r>
-                  <a:rPr lang="en-US">
-                    <a:noFill/>
-                  </a:rPr>
-                  <a:t> </a:t>
-                </a:r>
-              </a:p>
-            </p:txBody>
-          </p:sp>
-        </mc:Fallback>
-      </mc:AlternateContent>
-      <mc:AlternateContent xmlns:mc="http://schemas.openxmlformats.org/markup-compatibility/2006" xmlns:a14="http://schemas.microsoft.com/office/drawing/2010/main">
-        <mc:Choice Requires="a14">
-          <p:graphicFrame>
-            <p:nvGraphicFramePr>
-              <p:cNvPr id="11" name="Table 10">
-                <a:extLst>
-                  <a:ext uri="{FF2B5EF4-FFF2-40B4-BE49-F238E27FC236}">
-                    <a16:creationId xmlns:a16="http://schemas.microsoft.com/office/drawing/2014/main" id="{E7A6D92F-944C-A5C8-BD61-180973F2CFD0}"/>
-                  </a:ext>
-                </a:extLst>
-              </p:cNvPr>
-              <p:cNvGraphicFramePr>
-                <a:graphicFrameLocks noGrp="1"/>
-              </p:cNvGraphicFramePr>
-              <p:nvPr>
-                <p:extLst>
-                  <p:ext uri="{D42A27DB-BD31-4B8C-83A1-F6EECF244321}">
-                    <p14:modId xmlns:p14="http://schemas.microsoft.com/office/powerpoint/2010/main" val="1389189262"/>
-                  </p:ext>
-                </p:extLst>
-              </p:nvPr>
-            </p:nvGraphicFramePr>
-            <p:xfrm>
-              <a:off x="8420718" y="5380038"/>
-              <a:ext cx="1446062" cy="707853"/>
-            </p:xfrm>
-            <a:graphic>
-              <a:graphicData uri="http://schemas.openxmlformats.org/drawingml/2006/table">
-                <a:tbl>
-                  <a:tblPr firstRow="1" bandRow="1">
-                    <a:tableStyleId>{5C22544A-7EE6-4342-B048-85BDC9FD1C3A}</a:tableStyleId>
-                  </a:tblPr>
-                  <a:tblGrid>
-                    <a:gridCol w="723031">
-                      <a:extLst>
-                        <a:ext uri="{9D8B030D-6E8A-4147-A177-3AD203B41FA5}">
-                          <a16:colId xmlns:a16="http://schemas.microsoft.com/office/drawing/2014/main" val="4002730172"/>
-                        </a:ext>
-                      </a:extLst>
-                    </a:gridCol>
-                    <a:gridCol w="723031">
-                      <a:extLst>
-                        <a:ext uri="{9D8B030D-6E8A-4147-A177-3AD203B41FA5}">
-                          <a16:colId xmlns:a16="http://schemas.microsoft.com/office/drawing/2014/main" val="440623976"/>
-                        </a:ext>
-                      </a:extLst>
-                    </a:gridCol>
-                  </a:tblGrid>
-                  <a:tr h="707853">
-                    <a:tc>
-                      <a:txBody>
-                        <a:bodyPr/>
-                        <a:lstStyle/>
-                        <a:p>
-                          <a:pPr algn="ctr"/>
-                          <a14:m>
-                            <m:oMathPara xmlns:m="http://schemas.openxmlformats.org/officeDocument/2006/math">
-                              <m:oMathParaPr>
-                                <m:jc m:val="centerGroup"/>
-                              </m:oMathParaPr>
-                              <m:oMath xmlns:m="http://schemas.openxmlformats.org/officeDocument/2006/math">
-                                <m:r>
-                                  <a:rPr lang="en-US" sz="2400" b="0" i="0" dirty="0" smtClean="0">
-                                    <a:solidFill>
-                                      <a:schemeClr val="tx1"/>
-                                    </a:solidFill>
-                                    <a:latin typeface="Cambria Math" panose="02040503050406030204" pitchFamily="18" charset="0"/>
-                                  </a:rPr>
-                                  <m:t>1</m:t>
-                                </m:r>
-                              </m:oMath>
-                            </m:oMathPara>
-                          </a14:m>
-                          <a:endParaRPr lang="en-US" sz="2400" b="0" i="0" dirty="0">
-                            <a:solidFill>
-                              <a:schemeClr val="tx1"/>
-                            </a:solidFill>
-                          </a:endParaRPr>
-                        </a:p>
-                      </a:txBody>
-                      <a:tcPr anchor="ctr">
-                        <a:lnL w="38100" cap="flat" cmpd="sng" algn="ctr">
-                          <a:solidFill>
-                            <a:schemeClr val="tx1"/>
-                          </a:solidFill>
-                          <a:prstDash val="solid"/>
-                          <a:round/>
-                          <a:headEnd type="none" w="med" len="med"/>
-                          <a:tailEnd type="none" w="med" len="med"/>
-                        </a:lnL>
-                        <a:lnR w="38100" cap="flat" cmpd="sng" algn="ctr">
-                          <a:solidFill>
-                            <a:schemeClr val="tx1"/>
-                          </a:solidFill>
-                          <a:prstDash val="solid"/>
-                          <a:round/>
-                          <a:headEnd type="none" w="med" len="med"/>
-                          <a:tailEnd type="none" w="med" len="med"/>
-                        </a:lnR>
-                        <a:lnT w="38100" cap="flat" cmpd="sng" algn="ctr">
-                          <a:solidFill>
-                            <a:schemeClr val="tx1"/>
-                          </a:solidFill>
-                          <a:prstDash val="solid"/>
-                          <a:round/>
-                          <a:headEnd type="none" w="med" len="med"/>
-                          <a:tailEnd type="none" w="med" len="med"/>
-                        </a:lnT>
-                        <a:lnB w="38100" cap="flat" cmpd="sng" algn="ctr">
-                          <a:solidFill>
-                            <a:schemeClr val="tx1"/>
-                          </a:solidFill>
-                          <a:prstDash val="solid"/>
-                          <a:round/>
-                          <a:headEnd type="none" w="med" len="med"/>
-                          <a:tailEnd type="none" w="med" len="med"/>
-                        </a:lnB>
-                        <a:noFill/>
-                      </a:tcPr>
-                    </a:tc>
-                    <a:tc>
-                      <a:txBody>
-                        <a:bodyPr/>
-                        <a:lstStyle/>
-                        <a:p>
-                          <a:pPr algn="ctr"/>
-                          <a14:m>
-                            <m:oMathPara xmlns:m="http://schemas.openxmlformats.org/officeDocument/2006/math">
-                              <m:oMathParaPr>
-                                <m:jc m:val="centerGroup"/>
-                              </m:oMathParaPr>
-                              <m:oMath xmlns:m="http://schemas.openxmlformats.org/officeDocument/2006/math">
-                                <m:sSub>
-                                  <m:sSubPr>
-                                    <m:ctrlPr>
-                                      <a:rPr lang="en-US" sz="2400" b="0" i="1" dirty="0" smtClean="0">
-                                        <a:solidFill>
-                                          <a:schemeClr val="tx1"/>
-                                        </a:solidFill>
-                                        <a:latin typeface="Cambria Math" panose="02040503050406030204" pitchFamily="18" charset="0"/>
-                                      </a:rPr>
-                                    </m:ctrlPr>
-                                  </m:sSubPr>
-                                  <m:e>
-                                    <m:r>
-                                      <a:rPr lang="en-US" sz="2400" b="0" i="1" dirty="0" smtClean="0">
-                                        <a:solidFill>
-                                          <a:schemeClr val="tx1"/>
-                                        </a:solidFill>
-                                        <a:latin typeface="Cambria Math" panose="02040503050406030204" pitchFamily="18" charset="0"/>
-                                      </a:rPr>
-                                      <m:t>𝑥</m:t>
-                                    </m:r>
-                                  </m:e>
-                                  <m:sub>
-                                    <m:r>
-                                      <a:rPr lang="en-US" sz="2400" b="0" i="1" dirty="0" smtClean="0">
-                                        <a:solidFill>
-                                          <a:schemeClr val="tx1"/>
-                                        </a:solidFill>
-                                        <a:latin typeface="Cambria Math" panose="02040503050406030204" pitchFamily="18" charset="0"/>
-                                      </a:rPr>
-                                      <m:t>1</m:t>
-                                    </m:r>
-                                  </m:sub>
-                                </m:sSub>
-                              </m:oMath>
-                            </m:oMathPara>
-                          </a14:m>
-                          <a:endParaRPr lang="en-US" sz="2400" b="0" i="0" dirty="0">
-                            <a:solidFill>
-                              <a:schemeClr val="tx1"/>
-                            </a:solidFill>
-                          </a:endParaRPr>
-                        </a:p>
-                      </a:txBody>
-                      <a:tcPr anchor="ctr">
-                        <a:lnL w="38100" cap="flat" cmpd="sng" algn="ctr">
-                          <a:solidFill>
-                            <a:schemeClr val="tx1"/>
-                          </a:solidFill>
-                          <a:prstDash val="solid"/>
-                          <a:round/>
-                          <a:headEnd type="none" w="med" len="med"/>
-                          <a:tailEnd type="none" w="med" len="med"/>
-                        </a:lnL>
-                        <a:lnR w="38100" cap="flat" cmpd="sng" algn="ctr">
-                          <a:solidFill>
-                            <a:schemeClr val="tx1"/>
-                          </a:solidFill>
-                          <a:prstDash val="solid"/>
-                          <a:round/>
-                          <a:headEnd type="none" w="med" len="med"/>
-                          <a:tailEnd type="none" w="med" len="med"/>
-                        </a:lnR>
-                        <a:lnT w="38100" cap="flat" cmpd="sng" algn="ctr">
-                          <a:solidFill>
-                            <a:schemeClr val="tx1"/>
-                          </a:solidFill>
-                          <a:prstDash val="solid"/>
-                          <a:round/>
-                          <a:headEnd type="none" w="med" len="med"/>
-                          <a:tailEnd type="none" w="med" len="med"/>
-                        </a:lnT>
-                        <a:lnB w="38100" cap="flat" cmpd="sng" algn="ctr">
-                          <a:solidFill>
-                            <a:schemeClr val="tx1"/>
-                          </a:solidFill>
-                          <a:prstDash val="solid"/>
-                          <a:round/>
-                          <a:headEnd type="none" w="med" len="med"/>
-                          <a:tailEnd type="none" w="med" len="med"/>
-                        </a:lnB>
-                        <a:noFill/>
-                      </a:tcPr>
-                    </a:tc>
-                    <a:extLst>
-                      <a:ext uri="{0D108BD9-81ED-4DB2-BD59-A6C34878D82A}">
-                        <a16:rowId xmlns:a16="http://schemas.microsoft.com/office/drawing/2014/main" val="3775152605"/>
-                      </a:ext>
-                    </a:extLst>
-                  </a:tr>
-                </a:tbl>
-              </a:graphicData>
-            </a:graphic>
-          </p:graphicFrame>
-        </mc:Choice>
-        <mc:Fallback xmlns="">
-          <p:graphicFrame>
-            <p:nvGraphicFramePr>
-              <p:cNvPr id="11" name="Table 10">
-                <a:extLst>
-                  <a:ext uri="{FF2B5EF4-FFF2-40B4-BE49-F238E27FC236}">
-                    <a16:creationId xmlns:a16="http://schemas.microsoft.com/office/drawing/2014/main" id="{E7A6D92F-944C-A5C8-BD61-180973F2CFD0}"/>
-                  </a:ext>
-                </a:extLst>
-              </p:cNvPr>
-              <p:cNvGraphicFramePr>
-                <a:graphicFrameLocks noGrp="1"/>
-              </p:cNvGraphicFramePr>
-              <p:nvPr>
-                <p:extLst>
-                  <p:ext uri="{D42A27DB-BD31-4B8C-83A1-F6EECF244321}">
-                    <p14:modId xmlns:p14="http://schemas.microsoft.com/office/powerpoint/2010/main" val="1389189262"/>
-                  </p:ext>
-                </p:extLst>
-              </p:nvPr>
-            </p:nvGraphicFramePr>
-            <p:xfrm>
-              <a:off x="8420718" y="5380038"/>
-              <a:ext cx="1446062" cy="707853"/>
-            </p:xfrm>
-            <a:graphic>
-              <a:graphicData uri="http://schemas.openxmlformats.org/drawingml/2006/table">
-                <a:tbl>
-                  <a:tblPr firstRow="1" bandRow="1">
-                    <a:tableStyleId>{5C22544A-7EE6-4342-B048-85BDC9FD1C3A}</a:tableStyleId>
-                  </a:tblPr>
-                  <a:tblGrid>
-                    <a:gridCol w="723031">
-                      <a:extLst>
-                        <a:ext uri="{9D8B030D-6E8A-4147-A177-3AD203B41FA5}">
-                          <a16:colId xmlns:a16="http://schemas.microsoft.com/office/drawing/2014/main" val="4002730172"/>
-                        </a:ext>
-                      </a:extLst>
-                    </a:gridCol>
-                    <a:gridCol w="723031">
-                      <a:extLst>
-                        <a:ext uri="{9D8B030D-6E8A-4147-A177-3AD203B41FA5}">
-                          <a16:colId xmlns:a16="http://schemas.microsoft.com/office/drawing/2014/main" val="440623976"/>
-                        </a:ext>
-                      </a:extLst>
-                    </a:gridCol>
-                  </a:tblGrid>
-                  <a:tr h="707853">
-                    <a:tc>
-                      <a:txBody>
-                        <a:bodyPr/>
-                        <a:lstStyle/>
-                        <a:p>
-                          <a:endParaRPr lang="en-US"/>
-                        </a:p>
-                      </a:txBody>
-                      <a:tcPr anchor="ctr">
-                        <a:lnL w="38100" cap="flat" cmpd="sng" algn="ctr">
-                          <a:solidFill>
-                            <a:schemeClr val="tx1"/>
-                          </a:solidFill>
-                          <a:prstDash val="solid"/>
-                          <a:round/>
-                          <a:headEnd type="none" w="med" len="med"/>
-                          <a:tailEnd type="none" w="med" len="med"/>
-                        </a:lnL>
-                        <a:lnR w="38100" cap="flat" cmpd="sng" algn="ctr">
-                          <a:solidFill>
-                            <a:schemeClr val="tx1"/>
-                          </a:solidFill>
-                          <a:prstDash val="solid"/>
-                          <a:round/>
-                          <a:headEnd type="none" w="med" len="med"/>
-                          <a:tailEnd type="none" w="med" len="med"/>
-                        </a:lnR>
-                        <a:lnT w="38100" cap="flat" cmpd="sng" algn="ctr">
-                          <a:solidFill>
-                            <a:schemeClr val="tx1"/>
-                          </a:solidFill>
-                          <a:prstDash val="solid"/>
-                          <a:round/>
-                          <a:headEnd type="none" w="med" len="med"/>
-                          <a:tailEnd type="none" w="med" len="med"/>
-                        </a:lnT>
-                        <a:lnB w="38100" cap="flat" cmpd="sng" algn="ctr">
-                          <a:solidFill>
-                            <a:schemeClr val="tx1"/>
-                          </a:solidFill>
-                          <a:prstDash val="solid"/>
-                          <a:round/>
-                          <a:headEnd type="none" w="med" len="med"/>
-                          <a:tailEnd type="none" w="med" len="med"/>
-                        </a:lnB>
-                        <a:blipFill>
-                          <a:blip r:embed="rId4"/>
-                          <a:stretch>
-                            <a:fillRect l="-3509" t="-3509" r="-105263" b="-5263"/>
-                          </a:stretch>
-                        </a:blipFill>
-                      </a:tcPr>
-                    </a:tc>
-                    <a:tc>
-                      <a:txBody>
-                        <a:bodyPr/>
-                        <a:lstStyle/>
-                        <a:p>
-                          <a:endParaRPr lang="en-US"/>
-                        </a:p>
-                      </a:txBody>
-                      <a:tcPr anchor="ctr">
-                        <a:lnL w="38100" cap="flat" cmpd="sng" algn="ctr">
-                          <a:solidFill>
-                            <a:schemeClr val="tx1"/>
-                          </a:solidFill>
-                          <a:prstDash val="solid"/>
-                          <a:round/>
-                          <a:headEnd type="none" w="med" len="med"/>
-                          <a:tailEnd type="none" w="med" len="med"/>
-                        </a:lnL>
-                        <a:lnR w="38100" cap="flat" cmpd="sng" algn="ctr">
-                          <a:solidFill>
-                            <a:schemeClr val="tx1"/>
-                          </a:solidFill>
-                          <a:prstDash val="solid"/>
-                          <a:round/>
-                          <a:headEnd type="none" w="med" len="med"/>
-                          <a:tailEnd type="none" w="med" len="med"/>
-                        </a:lnR>
-                        <a:lnT w="38100" cap="flat" cmpd="sng" algn="ctr">
-                          <a:solidFill>
-                            <a:schemeClr val="tx1"/>
-                          </a:solidFill>
-                          <a:prstDash val="solid"/>
-                          <a:round/>
-                          <a:headEnd type="none" w="med" len="med"/>
-                          <a:tailEnd type="none" w="med" len="med"/>
-                        </a:lnT>
-                        <a:lnB w="38100" cap="flat" cmpd="sng" algn="ctr">
-                          <a:solidFill>
-                            <a:schemeClr val="tx1"/>
-                          </a:solidFill>
-                          <a:prstDash val="solid"/>
-                          <a:round/>
-                          <a:headEnd type="none" w="med" len="med"/>
-                          <a:tailEnd type="none" w="med" len="med"/>
-                        </a:lnB>
-                        <a:blipFill>
-                          <a:blip r:embed="rId4"/>
-                          <a:stretch>
-                            <a:fillRect l="-103509" t="-3509" r="-5263" b="-5263"/>
-                          </a:stretch>
-                        </a:blipFill>
-                      </a:tcPr>
-                    </a:tc>
-                    <a:extLst>
-                      <a:ext uri="{0D108BD9-81ED-4DB2-BD59-A6C34878D82A}">
-                        <a16:rowId xmlns:a16="http://schemas.microsoft.com/office/drawing/2014/main" val="3775152605"/>
-                      </a:ext>
-                    </a:extLst>
-                  </a:tr>
-                </a:tbl>
-              </a:graphicData>
-            </a:graphic>
-          </p:graphicFrame>
-        </mc:Fallback>
-      </mc:AlternateContent>
-      <p:sp>
-        <p:nvSpPr>
-          <p:cNvPr id="13" name="TextBox 12">
-            <a:extLst>
-              <a:ext uri="{FF2B5EF4-FFF2-40B4-BE49-F238E27FC236}">
-                <a16:creationId xmlns:a16="http://schemas.microsoft.com/office/drawing/2014/main" id="{93454A4A-3CAD-BD70-E7BC-3126CBF14164}"/>
-              </a:ext>
-            </a:extLst>
-          </p:cNvPr>
-          <p:cNvSpPr txBox="1"/>
-          <p:nvPr/>
-        </p:nvSpPr>
-        <p:spPr>
-          <a:xfrm rot="18054908">
-            <a:off x="8827432" y="6459484"/>
-            <a:ext cx="1090081" cy="307777"/>
-          </a:xfrm>
-          <a:prstGeom prst="rect">
-            <a:avLst/>
-          </a:prstGeom>
-          <a:noFill/>
-        </p:spPr>
-        <p:txBody>
-          <a:bodyPr wrap="square" rtlCol="0">
-            <a:spAutoFit/>
-          </a:bodyPr>
-          <a:lstStyle/>
-          <a:p>
-            <a:pPr algn="r"/>
-            <a:r>
-              <a:rPr lang="en-US" sz="1400" dirty="0"/>
-              <a:t>SBP</a:t>
-            </a:r>
-          </a:p>
-        </p:txBody>
-      </p:sp>
-      <p:sp>
-        <p:nvSpPr>
-          <p:cNvPr id="14" name="TextBox 13">
-            <a:extLst>
-              <a:ext uri="{FF2B5EF4-FFF2-40B4-BE49-F238E27FC236}">
-                <a16:creationId xmlns:a16="http://schemas.microsoft.com/office/drawing/2014/main" id="{CBF4A3F7-1B83-B7D3-D88C-FF9965F38B5C}"/>
-              </a:ext>
-            </a:extLst>
-          </p:cNvPr>
-          <p:cNvSpPr txBox="1"/>
-          <p:nvPr/>
-        </p:nvSpPr>
-        <p:spPr>
-          <a:xfrm rot="18054908">
-            <a:off x="7980173" y="6470077"/>
-            <a:ext cx="1204786" cy="307777"/>
-          </a:xfrm>
-          <a:prstGeom prst="rect">
-            <a:avLst/>
-          </a:prstGeom>
-          <a:noFill/>
-        </p:spPr>
-        <p:txBody>
-          <a:bodyPr wrap="square" rtlCol="0">
-            <a:spAutoFit/>
-          </a:bodyPr>
-          <a:lstStyle/>
-          <a:p>
-            <a:pPr algn="r"/>
-            <a:r>
-              <a:rPr lang="en-US" sz="1400" dirty="0"/>
-              <a:t>Intercept</a:t>
-            </a:r>
-          </a:p>
-        </p:txBody>
-      </p:sp>
-      <mc:AlternateContent xmlns:mc="http://schemas.openxmlformats.org/markup-compatibility/2006" xmlns:a14="http://schemas.microsoft.com/office/drawing/2010/main">
-        <mc:Choice Requires="a14">
-          <p:sp>
-            <p:nvSpPr>
-              <p:cNvPr id="16" name="TextBox 15">
-                <a:extLst>
-                  <a:ext uri="{FF2B5EF4-FFF2-40B4-BE49-F238E27FC236}">
-                    <a16:creationId xmlns:a16="http://schemas.microsoft.com/office/drawing/2014/main" id="{A52181D1-0D72-583B-D320-70DFB677252B}"/>
-                  </a:ext>
-                </a:extLst>
-              </p:cNvPr>
-              <p:cNvSpPr txBox="1"/>
-              <p:nvPr/>
-            </p:nvSpPr>
-            <p:spPr>
-              <a:xfrm>
-                <a:off x="8410193" y="2790635"/>
-                <a:ext cx="1000972" cy="392993"/>
-              </a:xfrm>
-              <a:prstGeom prst="rect">
-                <a:avLst/>
-              </a:prstGeom>
-              <a:noFill/>
-            </p:spPr>
-            <p:txBody>
-              <a:bodyPr wrap="square" rtlCol="0">
-                <a:spAutoFit/>
-              </a:bodyPr>
-              <a:lstStyle/>
-              <a:p>
-                <a:pPr/>
-                <a14:m>
-                  <m:oMathPara xmlns:m="http://schemas.openxmlformats.org/officeDocument/2006/math">
-                    <m:oMathParaPr>
-                      <m:jc m:val="left"/>
-                    </m:oMathParaPr>
-                    <m:oMath xmlns:m="http://schemas.openxmlformats.org/officeDocument/2006/math">
-                      <m:r>
-                        <a:rPr lang="en-US" sz="2000" b="0" i="1" dirty="0" smtClean="0">
-                          <a:latin typeface="Cambria Math" panose="02040503050406030204" pitchFamily="18" charset="0"/>
-                          <a:cs typeface="Times New Roman" panose="02020603050405020304" pitchFamily="18" charset="0"/>
-                        </a:rPr>
-                        <m:t>𝜎</m:t>
-                      </m:r>
-                      <m:r>
-                        <a:rPr lang="en-US" sz="2000" b="0" i="1" dirty="0" smtClean="0">
-                          <a:latin typeface="Cambria Math" panose="02040503050406030204" pitchFamily="18" charset="0"/>
-                          <a:cs typeface="Times New Roman" panose="02020603050405020304" pitchFamily="18" charset="0"/>
-                        </a:rPr>
-                        <m:t>(</m:t>
-                      </m:r>
-                      <m:sSub>
-                        <m:sSubPr>
-                          <m:ctrlPr>
-                            <a:rPr lang="en-US" sz="2000" b="0" i="1" dirty="0" smtClean="0">
-                              <a:latin typeface="Cambria Math" panose="02040503050406030204" pitchFamily="18" charset="0"/>
-                              <a:cs typeface="Times New Roman" panose="02020603050405020304" pitchFamily="18" charset="0"/>
-                            </a:rPr>
-                          </m:ctrlPr>
-                        </m:sSubPr>
-                        <m:e>
-                          <m:r>
-                            <a:rPr lang="en-US" sz="2000" b="0" i="1" dirty="0" smtClean="0">
-                              <a:latin typeface="Cambria Math" panose="02040503050406030204" pitchFamily="18" charset="0"/>
-                              <a:cs typeface="Times New Roman" panose="02020603050405020304" pitchFamily="18" charset="0"/>
-                            </a:rPr>
-                            <m:t>h</m:t>
-                          </m:r>
-                        </m:e>
-                        <m:sub>
-                          <m:r>
-                            <a:rPr lang="en-US" sz="2000" b="0" i="1" dirty="0" smtClean="0">
-                              <a:latin typeface="Cambria Math" panose="02040503050406030204" pitchFamily="18" charset="0"/>
-                              <a:cs typeface="Times New Roman" panose="02020603050405020304" pitchFamily="18" charset="0"/>
-                            </a:rPr>
-                            <m:t>1</m:t>
-                          </m:r>
-                        </m:sub>
-                      </m:sSub>
-                      <m:r>
-                        <a:rPr lang="en-US" sz="2000" b="0" i="1" dirty="0" smtClean="0">
-                          <a:latin typeface="Cambria Math" panose="02040503050406030204" pitchFamily="18" charset="0"/>
-                          <a:cs typeface="Times New Roman" panose="02020603050405020304" pitchFamily="18" charset="0"/>
-                        </a:rPr>
-                        <m:t>)</m:t>
-                      </m:r>
-                    </m:oMath>
-                  </m:oMathPara>
-                </a14:m>
-                <a:endParaRPr lang="en-US" sz="2000" baseline="-25000" dirty="0">
-                  <a:latin typeface="Times New Roman" panose="02020603050405020304" pitchFamily="18" charset="0"/>
-                  <a:cs typeface="Times New Roman" panose="02020603050405020304" pitchFamily="18" charset="0"/>
-                </a:endParaRPr>
-              </a:p>
-            </p:txBody>
-          </p:sp>
-        </mc:Choice>
-        <mc:Fallback xmlns="">
-          <p:sp>
-            <p:nvSpPr>
-              <p:cNvPr id="16" name="TextBox 15">
-                <a:extLst>
-                  <a:ext uri="{FF2B5EF4-FFF2-40B4-BE49-F238E27FC236}">
-                    <a16:creationId xmlns:a16="http://schemas.microsoft.com/office/drawing/2014/main" id="{A52181D1-0D72-583B-D320-70DFB677252B}"/>
-                  </a:ext>
-                </a:extLst>
-              </p:cNvPr>
-              <p:cNvSpPr txBox="1">
-                <a:spLocks noRot="1" noChangeAspect="1" noMove="1" noResize="1" noEditPoints="1" noAdjustHandles="1" noChangeArrowheads="1" noChangeShapeType="1" noTextEdit="1"/>
-              </p:cNvSpPr>
-              <p:nvPr/>
-            </p:nvSpPr>
-            <p:spPr>
-              <a:xfrm>
-                <a:off x="8410193" y="2790635"/>
-                <a:ext cx="1000972" cy="392993"/>
-              </a:xfrm>
-              <a:prstGeom prst="rect">
-                <a:avLst/>
-              </a:prstGeom>
-              <a:blipFill>
-                <a:blip r:embed="rId5"/>
-                <a:stretch>
-                  <a:fillRect b="-15625"/>
-                </a:stretch>
-              </a:blipFill>
-            </p:spPr>
-            <p:txBody>
-              <a:bodyPr/>
-              <a:lstStyle/>
-              <a:p>
-                <a:r>
-                  <a:rPr lang="en-US">
-                    <a:noFill/>
-                  </a:rPr>
-                  <a:t> </a:t>
-                </a:r>
-              </a:p>
-            </p:txBody>
-          </p:sp>
-        </mc:Fallback>
-      </mc:AlternateContent>
-      <mc:AlternateContent xmlns:mc="http://schemas.openxmlformats.org/markup-compatibility/2006" xmlns:a14="http://schemas.microsoft.com/office/drawing/2010/main">
-        <mc:Choice Requires="a14">
-          <p:sp>
-            <p:nvSpPr>
-              <p:cNvPr id="17" name="TextBox 16">
-                <a:extLst>
-                  <a:ext uri="{FF2B5EF4-FFF2-40B4-BE49-F238E27FC236}">
-                    <a16:creationId xmlns:a16="http://schemas.microsoft.com/office/drawing/2014/main" id="{CCA6CBCF-A601-FBCC-8EFC-363CF54A70DB}"/>
-                  </a:ext>
-                </a:extLst>
-              </p:cNvPr>
-              <p:cNvSpPr txBox="1"/>
-              <p:nvPr/>
-            </p:nvSpPr>
-            <p:spPr>
-              <a:xfrm>
-                <a:off x="8582566" y="4152500"/>
-                <a:ext cx="482826" cy="512576"/>
-              </a:xfrm>
-              <a:prstGeom prst="rect">
-                <a:avLst/>
-              </a:prstGeom>
-              <a:noFill/>
-            </p:spPr>
-            <p:txBody>
-              <a:bodyPr wrap="square" rtlCol="0">
-                <a:spAutoFit/>
-              </a:bodyPr>
-              <a:lstStyle/>
-              <a:p>
-                <a:pPr/>
-                <a14:m>
-                  <m:oMathPara xmlns:m="http://schemas.openxmlformats.org/officeDocument/2006/math">
-                    <m:oMathParaPr>
-                      <m:jc m:val="centerGroup"/>
-                    </m:oMathParaPr>
-                    <m:oMath xmlns:m="http://schemas.openxmlformats.org/officeDocument/2006/math">
-                      <m:sSub>
-                        <m:sSubPr>
-                          <m:ctrlPr>
-                            <a:rPr lang="en-US" sz="2797" b="0" i="1" dirty="0" smtClean="0">
-                              <a:solidFill>
-                                <a:schemeClr val="tx1"/>
-                              </a:solidFill>
-                              <a:latin typeface="Cambria Math" panose="02040503050406030204" pitchFamily="18" charset="0"/>
-                              <a:cs typeface="Times New Roman" panose="02020603050405020304" pitchFamily="18" charset="0"/>
-                            </a:rPr>
-                          </m:ctrlPr>
-                        </m:sSubPr>
-                        <m:e>
-                          <m:r>
-                            <a:rPr lang="en-US" sz="2797" b="0" i="1" dirty="0" smtClean="0">
-                              <a:solidFill>
-                                <a:schemeClr val="tx1"/>
-                              </a:solidFill>
-                              <a:latin typeface="Cambria Math" panose="02040503050406030204" pitchFamily="18" charset="0"/>
-                              <a:cs typeface="Times New Roman" panose="02020603050405020304" pitchFamily="18" charset="0"/>
-                            </a:rPr>
-                            <m:t>h</m:t>
-                          </m:r>
-                        </m:e>
-                        <m:sub>
-                          <m:r>
-                            <a:rPr lang="en-US" sz="2797" b="0" i="1" dirty="0" smtClean="0">
-                              <a:solidFill>
-                                <a:schemeClr val="tx1"/>
-                              </a:solidFill>
-                              <a:latin typeface="Cambria Math" panose="02040503050406030204" pitchFamily="18" charset="0"/>
-                              <a:cs typeface="Times New Roman" panose="02020603050405020304" pitchFamily="18" charset="0"/>
-                            </a:rPr>
-                            <m:t>1</m:t>
-                          </m:r>
-                        </m:sub>
-                      </m:sSub>
-                    </m:oMath>
-                  </m:oMathPara>
-                </a14:m>
-                <a:endParaRPr lang="en-US" sz="2797" baseline="-25000" dirty="0">
-                  <a:latin typeface="Times New Roman" panose="02020603050405020304" pitchFamily="18" charset="0"/>
-                  <a:cs typeface="Times New Roman" panose="02020603050405020304" pitchFamily="18" charset="0"/>
-                </a:endParaRPr>
-              </a:p>
-            </p:txBody>
-          </p:sp>
-        </mc:Choice>
-        <mc:Fallback xmlns="">
-          <p:sp>
-            <p:nvSpPr>
-              <p:cNvPr id="17" name="TextBox 16">
-                <a:extLst>
-                  <a:ext uri="{FF2B5EF4-FFF2-40B4-BE49-F238E27FC236}">
-                    <a16:creationId xmlns:a16="http://schemas.microsoft.com/office/drawing/2014/main" id="{CCA6CBCF-A601-FBCC-8EFC-363CF54A70DB}"/>
-                  </a:ext>
-                </a:extLst>
-              </p:cNvPr>
-              <p:cNvSpPr txBox="1">
-                <a:spLocks noRot="1" noChangeAspect="1" noMove="1" noResize="1" noEditPoints="1" noAdjustHandles="1" noChangeArrowheads="1" noChangeShapeType="1" noTextEdit="1"/>
-              </p:cNvSpPr>
-              <p:nvPr/>
-            </p:nvSpPr>
-            <p:spPr>
-              <a:xfrm>
-                <a:off x="8582566" y="4152500"/>
-                <a:ext cx="482826" cy="512576"/>
-              </a:xfrm>
-              <a:prstGeom prst="rect">
-                <a:avLst/>
-              </a:prstGeom>
-              <a:blipFill>
-                <a:blip r:embed="rId6"/>
-                <a:stretch>
-                  <a:fillRect l="-7692" r="-7692" b="-7143"/>
-                </a:stretch>
-              </a:blipFill>
-            </p:spPr>
-            <p:txBody>
-              <a:bodyPr/>
-              <a:lstStyle/>
-              <a:p>
-                <a:r>
-                  <a:rPr lang="en-US">
-                    <a:noFill/>
-                  </a:rPr>
-                  <a:t> </a:t>
-                </a:r>
-              </a:p>
-            </p:txBody>
-          </p:sp>
-        </mc:Fallback>
-      </mc:AlternateContent>
-      <mc:AlternateContent xmlns:mc="http://schemas.openxmlformats.org/markup-compatibility/2006" xmlns:a14="http://schemas.microsoft.com/office/drawing/2010/main">
-        <mc:Choice Requires="a14">
-          <p:sp>
-            <p:nvSpPr>
-              <p:cNvPr id="18" name="Oval 17">
-                <a:extLst>
-                  <a:ext uri="{FF2B5EF4-FFF2-40B4-BE49-F238E27FC236}">
-                    <a16:creationId xmlns:a16="http://schemas.microsoft.com/office/drawing/2014/main" id="{77EFB7EE-ABAB-4194-43A6-F8EC26FCA607}"/>
-                  </a:ext>
-                </a:extLst>
-              </p:cNvPr>
-              <p:cNvSpPr/>
-              <p:nvPr/>
-            </p:nvSpPr>
-            <p:spPr>
-              <a:xfrm>
-                <a:off x="9267188" y="3476786"/>
-                <a:ext cx="470357" cy="459473"/>
-              </a:xfrm>
-              <a:prstGeom prst="ellipse">
-                <a:avLst/>
-              </a:prstGeom>
-            </p:spPr>
-            <p:style>
-              <a:lnRef idx="2">
-                <a:schemeClr val="dk1"/>
-              </a:lnRef>
-              <a:fillRef idx="1">
-                <a:schemeClr val="lt1"/>
-              </a:fillRef>
-              <a:effectRef idx="0">
-                <a:schemeClr val="dk1"/>
-              </a:effectRef>
-              <a:fontRef idx="minor">
-                <a:schemeClr val="dk1"/>
-              </a:fontRef>
-            </p:style>
-            <p:txBody>
-              <a:bodyPr rtlCol="0" anchor="ctr"/>
-              <a:lstStyle/>
-              <a:p>
-                <a:pPr algn="ctr"/>
-                <a14:m>
-                  <m:oMathPara xmlns:m="http://schemas.openxmlformats.org/officeDocument/2006/math">
-                    <m:oMathParaPr>
-                      <m:jc m:val="center"/>
-                    </m:oMathParaPr>
-                    <m:oMath xmlns:m="http://schemas.openxmlformats.org/officeDocument/2006/math">
-                      <m:r>
-                        <a:rPr lang="en-US" sz="3200" b="0" i="1" dirty="0" smtClean="0">
-                          <a:latin typeface="Cambria Math" panose="02040503050406030204" pitchFamily="18" charset="0"/>
-                        </a:rPr>
-                        <m:t> </m:t>
-                      </m:r>
-                      <m:r>
-                        <a:rPr lang="el-GR" sz="3200" i="1" dirty="0" smtClean="0">
-                          <a:latin typeface="Cambria Math" panose="02040503050406030204" pitchFamily="18" charset="0"/>
-                        </a:rPr>
-                        <m:t>𝜎</m:t>
-                      </m:r>
-                    </m:oMath>
-                  </m:oMathPara>
-                </a14:m>
-                <a:endParaRPr lang="en-US" dirty="0"/>
-              </a:p>
-            </p:txBody>
-          </p:sp>
-        </mc:Choice>
-        <mc:Fallback xmlns="">
-          <p:sp>
-            <p:nvSpPr>
-              <p:cNvPr id="18" name="Oval 17">
-                <a:extLst>
-                  <a:ext uri="{FF2B5EF4-FFF2-40B4-BE49-F238E27FC236}">
-                    <a16:creationId xmlns:a16="http://schemas.microsoft.com/office/drawing/2014/main" id="{77EFB7EE-ABAB-4194-43A6-F8EC26FCA607}"/>
-                  </a:ext>
-                </a:extLst>
-              </p:cNvPr>
-              <p:cNvSpPr>
-                <a:spLocks noRot="1" noChangeAspect="1" noMove="1" noResize="1" noEditPoints="1" noAdjustHandles="1" noChangeArrowheads="1" noChangeShapeType="1" noTextEdit="1"/>
-              </p:cNvSpPr>
-              <p:nvPr/>
-            </p:nvSpPr>
-            <p:spPr>
-              <a:xfrm>
-                <a:off x="9267188" y="3476786"/>
-                <a:ext cx="470357" cy="459473"/>
-              </a:xfrm>
-              <a:prstGeom prst="ellipse">
-                <a:avLst/>
-              </a:prstGeom>
-              <a:blipFill>
-                <a:blip r:embed="rId7"/>
-                <a:stretch>
-                  <a:fillRect l="-35897" t="-10526" b="-39474"/>
-                </a:stretch>
-              </a:blipFill>
-            </p:spPr>
-            <p:txBody>
-              <a:bodyPr/>
-              <a:lstStyle/>
-              <a:p>
-                <a:r>
-                  <a:rPr lang="en-US">
-                    <a:noFill/>
-                  </a:rPr>
-                  <a:t> </a:t>
-                </a:r>
-              </a:p>
-            </p:txBody>
-          </p:sp>
-        </mc:Fallback>
-      </mc:AlternateContent>
-      <p:cxnSp>
-        <p:nvCxnSpPr>
-          <p:cNvPr id="19" name="Straight Arrow Connector 18">
-            <a:extLst>
-              <a:ext uri="{FF2B5EF4-FFF2-40B4-BE49-F238E27FC236}">
-                <a16:creationId xmlns:a16="http://schemas.microsoft.com/office/drawing/2014/main" id="{E254828A-A067-C152-E0D9-040338702579}"/>
-              </a:ext>
-            </a:extLst>
-          </p:cNvPr>
-          <p:cNvCxnSpPr>
-            <a:cxnSpLocks/>
-            <a:endCxn id="18" idx="4"/>
-          </p:cNvCxnSpPr>
-          <p:nvPr/>
-        </p:nvCxnSpPr>
-        <p:spPr>
-          <a:xfrm flipV="1">
-            <a:off x="9502367" y="3936259"/>
-            <a:ext cx="0" cy="207440"/>
-          </a:xfrm>
-          <a:prstGeom prst="straightConnector1">
-            <a:avLst/>
-          </a:prstGeom>
-          <a:ln>
-            <a:tailEnd type="triangle"/>
-          </a:ln>
-        </p:spPr>
-        <p:style>
-          <a:lnRef idx="2">
-            <a:schemeClr val="dk1"/>
-          </a:lnRef>
-          <a:fillRef idx="0">
-            <a:schemeClr val="dk1"/>
-          </a:fillRef>
-          <a:effectRef idx="1">
-            <a:schemeClr val="dk1"/>
-          </a:effectRef>
-          <a:fontRef idx="minor">
-            <a:schemeClr val="tx1"/>
-          </a:fontRef>
-        </p:style>
-      </p:cxnSp>
-      <p:cxnSp>
-        <p:nvCxnSpPr>
-          <p:cNvPr id="20" name="Straight Arrow Connector 19">
-            <a:extLst>
-              <a:ext uri="{FF2B5EF4-FFF2-40B4-BE49-F238E27FC236}">
-                <a16:creationId xmlns:a16="http://schemas.microsoft.com/office/drawing/2014/main" id="{3A0F0DDD-461D-B97B-F83D-05E714629D53}"/>
-              </a:ext>
-            </a:extLst>
-          </p:cNvPr>
-          <p:cNvCxnSpPr>
-            <a:cxnSpLocks/>
-            <a:stCxn id="18" idx="0"/>
-          </p:cNvCxnSpPr>
-          <p:nvPr/>
-        </p:nvCxnSpPr>
-        <p:spPr>
-          <a:xfrm flipV="1">
-            <a:off x="9502367" y="3299385"/>
-            <a:ext cx="0" cy="177401"/>
-          </a:xfrm>
-          <a:prstGeom prst="straightConnector1">
-            <a:avLst/>
-          </a:prstGeom>
-          <a:ln>
-            <a:tailEnd type="triangle"/>
-          </a:ln>
-        </p:spPr>
-        <p:style>
-          <a:lnRef idx="2">
-            <a:schemeClr val="dk1"/>
-          </a:lnRef>
-          <a:fillRef idx="0">
-            <a:schemeClr val="dk1"/>
-          </a:fillRef>
-          <a:effectRef idx="1">
-            <a:schemeClr val="dk1"/>
-          </a:effectRef>
-          <a:fontRef idx="minor">
-            <a:schemeClr val="tx1"/>
-          </a:fontRef>
-        </p:style>
-      </p:cxnSp>
-      <p:cxnSp>
-        <p:nvCxnSpPr>
-          <p:cNvPr id="23" name="Straight Arrow Connector 22">
-            <a:extLst>
-              <a:ext uri="{FF2B5EF4-FFF2-40B4-BE49-F238E27FC236}">
-                <a16:creationId xmlns:a16="http://schemas.microsoft.com/office/drawing/2014/main" id="{A76397B2-1C3B-09C2-B0D2-58544F8697C0}"/>
-              </a:ext>
-            </a:extLst>
-          </p:cNvPr>
-          <p:cNvCxnSpPr>
-            <a:cxnSpLocks/>
-          </p:cNvCxnSpPr>
-          <p:nvPr/>
-        </p:nvCxnSpPr>
-        <p:spPr>
-          <a:xfrm flipV="1">
-            <a:off x="8886243" y="4740414"/>
-            <a:ext cx="478336" cy="587388"/>
-          </a:xfrm>
-          <a:prstGeom prst="straightConnector1">
-            <a:avLst/>
-          </a:prstGeom>
-          <a:ln>
-            <a:tailEnd type="triangle"/>
-          </a:ln>
-        </p:spPr>
-        <p:style>
-          <a:lnRef idx="2">
-            <a:schemeClr val="dk1"/>
-          </a:lnRef>
-          <a:fillRef idx="0">
-            <a:schemeClr val="dk1"/>
-          </a:fillRef>
-          <a:effectRef idx="1">
-            <a:schemeClr val="dk1"/>
-          </a:effectRef>
-          <a:fontRef idx="minor">
-            <a:schemeClr val="tx1"/>
-          </a:fontRef>
-        </p:style>
-      </p:cxnSp>
-      <p:graphicFrame>
-        <p:nvGraphicFramePr>
-          <p:cNvPr id="24" name="Table 23">
-            <a:extLst>
-              <a:ext uri="{FF2B5EF4-FFF2-40B4-BE49-F238E27FC236}">
-                <a16:creationId xmlns:a16="http://schemas.microsoft.com/office/drawing/2014/main" id="{AF961BA3-267D-79E1-BADB-487F68F10008}"/>
-              </a:ext>
-            </a:extLst>
-          </p:cNvPr>
-          <p:cNvGraphicFramePr>
-            <a:graphicFrameLocks noGrp="1"/>
-          </p:cNvGraphicFramePr>
-          <p:nvPr>
-            <p:extLst>
-              <p:ext uri="{D42A27DB-BD31-4B8C-83A1-F6EECF244321}">
-                <p14:modId xmlns:p14="http://schemas.microsoft.com/office/powerpoint/2010/main" val="1030487321"/>
-              </p:ext>
-            </p:extLst>
-          </p:nvPr>
-        </p:nvGraphicFramePr>
-        <p:xfrm>
-          <a:off x="8457317" y="2673703"/>
-          <a:ext cx="1372864" cy="622932"/>
-        </p:xfrm>
-        <a:graphic>
-          <a:graphicData uri="http://schemas.openxmlformats.org/drawingml/2006/table">
-            <a:tbl>
-              <a:tblPr firstRow="1" bandRow="1">
-                <a:tableStyleId>{5C22544A-7EE6-4342-B048-85BDC9FD1C3A}</a:tableStyleId>
-              </a:tblPr>
-              <a:tblGrid>
-                <a:gridCol w="686432">
-                  <a:extLst>
-                    <a:ext uri="{9D8B030D-6E8A-4147-A177-3AD203B41FA5}">
-                      <a16:colId xmlns:a16="http://schemas.microsoft.com/office/drawing/2014/main" val="4002730172"/>
-                    </a:ext>
-                  </a:extLst>
-                </a:gridCol>
-                <a:gridCol w="686432">
-                  <a:extLst>
-                    <a:ext uri="{9D8B030D-6E8A-4147-A177-3AD203B41FA5}">
-                      <a16:colId xmlns:a16="http://schemas.microsoft.com/office/drawing/2014/main" val="2833431289"/>
-                    </a:ext>
-                  </a:extLst>
-                </a:gridCol>
-              </a:tblGrid>
-              <a:tr h="622932">
-                <a:tc>
-                  <a:txBody>
-                    <a:bodyPr/>
-                    <a:lstStyle/>
-                    <a:p>
-                      <a:endParaRPr lang="en-US" dirty="0"/>
-                    </a:p>
-                  </a:txBody>
-                  <a:tcPr>
-                    <a:lnL w="38100" cap="flat" cmpd="sng" algn="ctr">
-                      <a:solidFill>
-                        <a:schemeClr val="tx1"/>
-                      </a:solidFill>
-                      <a:prstDash val="solid"/>
-                      <a:round/>
-                      <a:headEnd type="none" w="med" len="med"/>
-                      <a:tailEnd type="none" w="med" len="med"/>
-                    </a:lnL>
-                    <a:lnR w="38100" cap="flat" cmpd="sng" algn="ctr">
-                      <a:solidFill>
-                        <a:schemeClr val="tx1"/>
-                      </a:solidFill>
-                      <a:prstDash val="solid"/>
-                      <a:round/>
-                      <a:headEnd type="none" w="med" len="med"/>
-                      <a:tailEnd type="none" w="med" len="med"/>
-                    </a:lnR>
-                    <a:lnT w="38100" cap="flat" cmpd="sng" algn="ctr">
-                      <a:solidFill>
-                        <a:schemeClr val="tx1"/>
-                      </a:solidFill>
-                      <a:prstDash val="solid"/>
-                      <a:round/>
-                      <a:headEnd type="none" w="med" len="med"/>
-                      <a:tailEnd type="none" w="med" len="med"/>
-                    </a:lnT>
-                    <a:lnB w="38100" cap="flat" cmpd="sng" algn="ctr">
-                      <a:solidFill>
-                        <a:schemeClr val="tx1"/>
-                      </a:solidFill>
-                      <a:prstDash val="solid"/>
-                      <a:round/>
-                      <a:headEnd type="none" w="med" len="med"/>
-                      <a:tailEnd type="none" w="med" len="med"/>
-                    </a:lnB>
-                    <a:noFill/>
-                  </a:tcPr>
-                </a:tc>
-                <a:tc>
-                  <a:txBody>
-                    <a:bodyPr/>
-                    <a:lstStyle/>
-                    <a:p>
-                      <a:endParaRPr lang="en-US" dirty="0"/>
-                    </a:p>
-                  </a:txBody>
-                  <a:tcPr>
-                    <a:lnL w="38100" cap="flat" cmpd="sng" algn="ctr">
-                      <a:solidFill>
-                        <a:schemeClr val="tx1"/>
-                      </a:solidFill>
-                      <a:prstDash val="solid"/>
-                      <a:round/>
-                      <a:headEnd type="none" w="med" len="med"/>
-                      <a:tailEnd type="none" w="med" len="med"/>
-                    </a:lnL>
-                    <a:lnR w="38100" cap="flat" cmpd="sng" algn="ctr">
-                      <a:solidFill>
-                        <a:schemeClr val="tx1"/>
-                      </a:solidFill>
-                      <a:prstDash val="solid"/>
-                      <a:round/>
-                      <a:headEnd type="none" w="med" len="med"/>
-                      <a:tailEnd type="none" w="med" len="med"/>
-                    </a:lnR>
-                    <a:lnT w="38100" cap="flat" cmpd="sng" algn="ctr">
-                      <a:solidFill>
-                        <a:schemeClr val="tx1"/>
-                      </a:solidFill>
-                      <a:prstDash val="solid"/>
-                      <a:round/>
-                      <a:headEnd type="none" w="med" len="med"/>
-                      <a:tailEnd type="none" w="med" len="med"/>
-                    </a:lnT>
-                    <a:lnB w="38100" cap="flat" cmpd="sng" algn="ctr">
-                      <a:solidFill>
-                        <a:schemeClr val="tx1"/>
-                      </a:solidFill>
-                      <a:prstDash val="solid"/>
-                      <a:round/>
-                      <a:headEnd type="none" w="med" len="med"/>
-                      <a:tailEnd type="none" w="med" len="med"/>
-                    </a:lnB>
-                    <a:noFill/>
-                  </a:tcPr>
-                </a:tc>
-                <a:extLst>
-                  <a:ext uri="{0D108BD9-81ED-4DB2-BD59-A6C34878D82A}">
-                    <a16:rowId xmlns:a16="http://schemas.microsoft.com/office/drawing/2014/main" val="3775152605"/>
-                  </a:ext>
-                </a:extLst>
-              </a:tr>
-            </a:tbl>
-          </a:graphicData>
-        </a:graphic>
-      </p:graphicFrame>
-      <p:cxnSp>
-        <p:nvCxnSpPr>
-          <p:cNvPr id="26" name="Straight Arrow Connector 25">
-            <a:extLst>
-              <a:ext uri="{FF2B5EF4-FFF2-40B4-BE49-F238E27FC236}">
-                <a16:creationId xmlns:a16="http://schemas.microsoft.com/office/drawing/2014/main" id="{7613A022-AE9A-FB05-A842-C6360739FCF5}"/>
-              </a:ext>
-            </a:extLst>
-          </p:cNvPr>
-          <p:cNvCxnSpPr>
-            <a:cxnSpLocks/>
-          </p:cNvCxnSpPr>
-          <p:nvPr/>
-        </p:nvCxnSpPr>
-        <p:spPr>
-          <a:xfrm flipH="1" flipV="1">
-            <a:off x="9349611" y="2360917"/>
-            <a:ext cx="152755" cy="331689"/>
-          </a:xfrm>
-          <a:prstGeom prst="straightConnector1">
-            <a:avLst/>
-          </a:prstGeom>
-          <a:ln>
-            <a:solidFill>
-              <a:srgbClr val="FF0000"/>
-            </a:solidFill>
-            <a:tailEnd type="triangle"/>
-          </a:ln>
-        </p:spPr>
-        <p:style>
-          <a:lnRef idx="2">
-            <a:schemeClr val="dk1"/>
-          </a:lnRef>
-          <a:fillRef idx="0">
-            <a:schemeClr val="dk1"/>
-          </a:fillRef>
-          <a:effectRef idx="1">
-            <a:schemeClr val="dk1"/>
-          </a:effectRef>
-          <a:fontRef idx="minor">
-            <a:schemeClr val="tx1"/>
-          </a:fontRef>
-        </p:style>
-      </p:cxnSp>
-      <p:graphicFrame>
-        <p:nvGraphicFramePr>
-          <p:cNvPr id="27" name="Table 26">
-            <a:extLst>
-              <a:ext uri="{FF2B5EF4-FFF2-40B4-BE49-F238E27FC236}">
-                <a16:creationId xmlns:a16="http://schemas.microsoft.com/office/drawing/2014/main" id="{95164B9D-299A-97C3-EAE4-35FA7CF9451D}"/>
-              </a:ext>
-            </a:extLst>
-          </p:cNvPr>
-          <p:cNvGraphicFramePr>
-            <a:graphicFrameLocks noGrp="1"/>
-          </p:cNvGraphicFramePr>
-          <p:nvPr>
-            <p:extLst>
-              <p:ext uri="{D42A27DB-BD31-4B8C-83A1-F6EECF244321}">
-                <p14:modId xmlns:p14="http://schemas.microsoft.com/office/powerpoint/2010/main" val="123657118"/>
-              </p:ext>
-            </p:extLst>
-          </p:nvPr>
-        </p:nvGraphicFramePr>
-        <p:xfrm>
-          <a:off x="8806247" y="1749912"/>
-          <a:ext cx="686432" cy="622932"/>
-        </p:xfrm>
-        <a:graphic>
-          <a:graphicData uri="http://schemas.openxmlformats.org/drawingml/2006/table">
-            <a:tbl>
-              <a:tblPr firstRow="1" bandRow="1">
-                <a:tableStyleId>{5C22544A-7EE6-4342-B048-85BDC9FD1C3A}</a:tableStyleId>
-              </a:tblPr>
-              <a:tblGrid>
-                <a:gridCol w="686432">
-                  <a:extLst>
-                    <a:ext uri="{9D8B030D-6E8A-4147-A177-3AD203B41FA5}">
-                      <a16:colId xmlns:a16="http://schemas.microsoft.com/office/drawing/2014/main" val="4002730172"/>
-                    </a:ext>
-                  </a:extLst>
-                </a:gridCol>
-              </a:tblGrid>
-              <a:tr h="622932">
-                <a:tc>
-                  <a:txBody>
-                    <a:bodyPr/>
-                    <a:lstStyle/>
-                    <a:p>
-                      <a:endParaRPr lang="en-US" dirty="0"/>
-                    </a:p>
-                  </a:txBody>
-                  <a:tcPr>
-                    <a:lnL w="38100" cap="flat" cmpd="sng" algn="ctr">
-                      <a:solidFill>
-                        <a:schemeClr val="tx1"/>
-                      </a:solidFill>
-                      <a:prstDash val="solid"/>
-                      <a:round/>
-                      <a:headEnd type="none" w="med" len="med"/>
-                      <a:tailEnd type="none" w="med" len="med"/>
-                    </a:lnL>
-                    <a:lnR w="38100" cap="flat" cmpd="sng" algn="ctr">
-                      <a:solidFill>
-                        <a:schemeClr val="tx1"/>
-                      </a:solidFill>
-                      <a:prstDash val="solid"/>
-                      <a:round/>
-                      <a:headEnd type="none" w="med" len="med"/>
-                      <a:tailEnd type="none" w="med" len="med"/>
-                    </a:lnR>
-                    <a:lnT w="38100" cap="flat" cmpd="sng" algn="ctr">
-                      <a:solidFill>
-                        <a:schemeClr val="tx1"/>
-                      </a:solidFill>
-                      <a:prstDash val="solid"/>
-                      <a:round/>
-                      <a:headEnd type="none" w="med" len="med"/>
-                      <a:tailEnd type="none" w="med" len="med"/>
-                    </a:lnT>
-                    <a:lnB w="38100" cap="flat" cmpd="sng" algn="ctr">
-                      <a:solidFill>
-                        <a:schemeClr val="tx1"/>
-                      </a:solidFill>
-                      <a:prstDash val="solid"/>
-                      <a:round/>
-                      <a:headEnd type="none" w="med" len="med"/>
-                      <a:tailEnd type="none" w="med" len="med"/>
-                    </a:lnB>
-                    <a:noFill/>
-                  </a:tcPr>
-                </a:tc>
-                <a:extLst>
-                  <a:ext uri="{0D108BD9-81ED-4DB2-BD59-A6C34878D82A}">
-                    <a16:rowId xmlns:a16="http://schemas.microsoft.com/office/drawing/2014/main" val="3775152605"/>
-                  </a:ext>
-                </a:extLst>
-              </a:tr>
-            </a:tbl>
-          </a:graphicData>
-        </a:graphic>
-      </p:graphicFrame>
-      <mc:AlternateContent xmlns:mc="http://schemas.openxmlformats.org/markup-compatibility/2006" xmlns:a14="http://schemas.microsoft.com/office/drawing/2010/main">
-        <mc:Choice Requires="a14">
-          <p:sp>
-            <p:nvSpPr>
-              <p:cNvPr id="28" name="TextBox 27">
-                <a:extLst>
-                  <a:ext uri="{FF2B5EF4-FFF2-40B4-BE49-F238E27FC236}">
-                    <a16:creationId xmlns:a16="http://schemas.microsoft.com/office/drawing/2014/main" id="{2DFA40E5-A991-A70F-FBA3-283FDA339CE6}"/>
-                  </a:ext>
-                </a:extLst>
-              </p:cNvPr>
-              <p:cNvSpPr txBox="1"/>
-              <p:nvPr/>
-            </p:nvSpPr>
-            <p:spPr>
-              <a:xfrm>
-                <a:off x="8924525" y="1759834"/>
-                <a:ext cx="482826" cy="512576"/>
-              </a:xfrm>
-              <a:prstGeom prst="rect">
-                <a:avLst/>
-              </a:prstGeom>
-              <a:noFill/>
-            </p:spPr>
-            <p:txBody>
-              <a:bodyPr wrap="square" rtlCol="0">
-                <a:spAutoFit/>
-              </a:bodyPr>
-              <a:lstStyle/>
-              <a:p>
-                <a:pPr/>
-                <a14:m>
-                  <m:oMathPara xmlns:m="http://schemas.openxmlformats.org/officeDocument/2006/math">
-                    <m:oMathParaPr>
-                      <m:jc m:val="centerGroup"/>
-                    </m:oMathParaPr>
-                    <m:oMath xmlns:m="http://schemas.openxmlformats.org/officeDocument/2006/math">
-                      <m:r>
-                        <a:rPr lang="en-US" sz="2797" b="0" i="1" dirty="0" smtClean="0">
-                          <a:solidFill>
-                            <a:schemeClr val="tx1"/>
-                          </a:solidFill>
-                          <a:latin typeface="Cambria Math" panose="02040503050406030204" pitchFamily="18" charset="0"/>
-                          <a:cs typeface="Times New Roman" panose="02020603050405020304" pitchFamily="18" charset="0"/>
-                        </a:rPr>
-                        <m:t>𝑧</m:t>
-                      </m:r>
-                    </m:oMath>
-                  </m:oMathPara>
-                </a14:m>
-                <a:endParaRPr lang="en-US" sz="2797" baseline="-25000" dirty="0">
-                  <a:solidFill>
-                    <a:schemeClr val="tx1"/>
-                  </a:solidFill>
-                  <a:latin typeface="Times New Roman" panose="02020603050405020304" pitchFamily="18" charset="0"/>
-                  <a:cs typeface="Times New Roman" panose="02020603050405020304" pitchFamily="18" charset="0"/>
-                </a:endParaRPr>
-              </a:p>
-            </p:txBody>
-          </p:sp>
-        </mc:Choice>
-        <mc:Fallback xmlns="">
-          <p:sp>
-            <p:nvSpPr>
-              <p:cNvPr id="28" name="TextBox 27">
-                <a:extLst>
-                  <a:ext uri="{FF2B5EF4-FFF2-40B4-BE49-F238E27FC236}">
-                    <a16:creationId xmlns:a16="http://schemas.microsoft.com/office/drawing/2014/main" id="{2DFA40E5-A991-A70F-FBA3-283FDA339CE6}"/>
-                  </a:ext>
-                </a:extLst>
-              </p:cNvPr>
-              <p:cNvSpPr txBox="1">
-                <a:spLocks noRot="1" noChangeAspect="1" noMove="1" noResize="1" noEditPoints="1" noAdjustHandles="1" noChangeArrowheads="1" noChangeShapeType="1" noTextEdit="1"/>
-              </p:cNvSpPr>
-              <p:nvPr/>
-            </p:nvSpPr>
-            <p:spPr>
-              <a:xfrm>
-                <a:off x="8924525" y="1759834"/>
-                <a:ext cx="482826" cy="512576"/>
-              </a:xfrm>
-              <a:prstGeom prst="rect">
-                <a:avLst/>
-              </a:prstGeom>
-              <a:blipFill>
-                <a:blip r:embed="rId8"/>
-                <a:stretch>
-                  <a:fillRect/>
-                </a:stretch>
-              </a:blipFill>
-            </p:spPr>
-            <p:txBody>
-              <a:bodyPr/>
-              <a:lstStyle/>
-              <a:p>
-                <a:r>
-                  <a:rPr lang="en-US">
-                    <a:noFill/>
-                  </a:rPr>
-                  <a:t> </a:t>
-                </a:r>
-              </a:p>
-            </p:txBody>
-          </p:sp>
-        </mc:Fallback>
-      </mc:AlternateContent>
-      <p:cxnSp>
-        <p:nvCxnSpPr>
-          <p:cNvPr id="29" name="Straight Arrow Connector 28">
-            <a:extLst>
-              <a:ext uri="{FF2B5EF4-FFF2-40B4-BE49-F238E27FC236}">
-                <a16:creationId xmlns:a16="http://schemas.microsoft.com/office/drawing/2014/main" id="{AF132B7B-C966-792E-78B8-CBDEC714FF04}"/>
-              </a:ext>
-            </a:extLst>
-          </p:cNvPr>
-          <p:cNvCxnSpPr>
-            <a:cxnSpLocks/>
-          </p:cNvCxnSpPr>
-          <p:nvPr/>
-        </p:nvCxnSpPr>
-        <p:spPr>
-          <a:xfrm flipV="1">
-            <a:off x="8800533" y="2371175"/>
-            <a:ext cx="171420" cy="285786"/>
-          </a:xfrm>
-          <a:prstGeom prst="straightConnector1">
-            <a:avLst/>
-          </a:prstGeom>
-          <a:ln>
-            <a:solidFill>
-              <a:srgbClr val="FF0000"/>
-            </a:solidFill>
-            <a:tailEnd type="triangle"/>
-          </a:ln>
-        </p:spPr>
-        <p:style>
-          <a:lnRef idx="2">
-            <a:schemeClr val="dk1"/>
-          </a:lnRef>
-          <a:fillRef idx="0">
-            <a:schemeClr val="dk1"/>
-          </a:fillRef>
-          <a:effectRef idx="1">
-            <a:schemeClr val="dk1"/>
-          </a:effectRef>
-          <a:fontRef idx="minor">
-            <a:schemeClr val="tx1"/>
-          </a:fontRef>
-        </p:style>
-      </p:cxnSp>
-      <mc:AlternateContent xmlns:mc="http://schemas.openxmlformats.org/markup-compatibility/2006" xmlns:a14="http://schemas.microsoft.com/office/drawing/2010/main">
-        <mc:Choice Requires="a14">
-          <p:sp>
-            <p:nvSpPr>
-              <p:cNvPr id="30" name="Oval 29">
-                <a:extLst>
-                  <a:ext uri="{FF2B5EF4-FFF2-40B4-BE49-F238E27FC236}">
-                    <a16:creationId xmlns:a16="http://schemas.microsoft.com/office/drawing/2014/main" id="{DAA9B86F-331C-6521-6783-ACD03BCFA49C}"/>
-                  </a:ext>
-                </a:extLst>
-              </p:cNvPr>
-              <p:cNvSpPr/>
-              <p:nvPr/>
-            </p:nvSpPr>
-            <p:spPr>
-              <a:xfrm>
-                <a:off x="8899936" y="1061573"/>
-                <a:ext cx="470357" cy="459473"/>
-              </a:xfrm>
-              <a:prstGeom prst="ellipse">
-                <a:avLst/>
-              </a:prstGeom>
-            </p:spPr>
-            <p:style>
-              <a:lnRef idx="2">
-                <a:schemeClr val="dk1"/>
-              </a:lnRef>
-              <a:fillRef idx="1">
-                <a:schemeClr val="lt1"/>
-              </a:fillRef>
-              <a:effectRef idx="0">
-                <a:schemeClr val="dk1"/>
-              </a:effectRef>
-              <a:fontRef idx="minor">
-                <a:schemeClr val="dk1"/>
-              </a:fontRef>
-            </p:style>
-            <p:txBody>
-              <a:bodyPr rtlCol="0" anchor="ctr"/>
-              <a:lstStyle/>
-              <a:p>
-                <a:pPr algn="ctr"/>
-                <a14:m>
-                  <m:oMathPara xmlns:m="http://schemas.openxmlformats.org/officeDocument/2006/math">
-                    <m:oMathParaPr>
-                      <m:jc m:val="center"/>
-                    </m:oMathParaPr>
-                    <m:oMath xmlns:m="http://schemas.openxmlformats.org/officeDocument/2006/math">
-                      <m:r>
-                        <a:rPr lang="en-US" sz="3200" b="0" i="1" dirty="0" smtClean="0">
-                          <a:latin typeface="Cambria Math" panose="02040503050406030204" pitchFamily="18" charset="0"/>
-                        </a:rPr>
-                        <m:t> </m:t>
-                      </m:r>
-                      <m:r>
-                        <a:rPr lang="el-GR" sz="3200" i="1" dirty="0" smtClean="0">
-                          <a:latin typeface="Cambria Math" panose="02040503050406030204" pitchFamily="18" charset="0"/>
-                        </a:rPr>
-                        <m:t>𝜎</m:t>
-                      </m:r>
-                    </m:oMath>
-                  </m:oMathPara>
-                </a14:m>
-                <a:endParaRPr lang="en-US" dirty="0"/>
-              </a:p>
-            </p:txBody>
-          </p:sp>
-        </mc:Choice>
-        <mc:Fallback xmlns="">
-          <p:sp>
-            <p:nvSpPr>
-              <p:cNvPr id="30" name="Oval 29">
-                <a:extLst>
-                  <a:ext uri="{FF2B5EF4-FFF2-40B4-BE49-F238E27FC236}">
-                    <a16:creationId xmlns:a16="http://schemas.microsoft.com/office/drawing/2014/main" id="{DAA9B86F-331C-6521-6783-ACD03BCFA49C}"/>
-                  </a:ext>
-                </a:extLst>
-              </p:cNvPr>
-              <p:cNvSpPr>
-                <a:spLocks noRot="1" noChangeAspect="1" noMove="1" noResize="1" noEditPoints="1" noAdjustHandles="1" noChangeArrowheads="1" noChangeShapeType="1" noTextEdit="1"/>
-              </p:cNvSpPr>
-              <p:nvPr/>
-            </p:nvSpPr>
-            <p:spPr>
-              <a:xfrm>
-                <a:off x="8899936" y="1061573"/>
-                <a:ext cx="470357" cy="459473"/>
-              </a:xfrm>
-              <a:prstGeom prst="ellipse">
-                <a:avLst/>
-              </a:prstGeom>
-              <a:blipFill>
-                <a:blip r:embed="rId9"/>
-                <a:stretch>
-                  <a:fillRect l="-35897" t="-10526" b="-39474"/>
-                </a:stretch>
-              </a:blipFill>
-            </p:spPr>
-            <p:txBody>
-              <a:bodyPr/>
-              <a:lstStyle/>
-              <a:p>
-                <a:r>
-                  <a:rPr lang="en-US">
-                    <a:noFill/>
-                  </a:rPr>
-                  <a:t> </a:t>
-                </a:r>
-              </a:p>
-            </p:txBody>
-          </p:sp>
-        </mc:Fallback>
-      </mc:AlternateContent>
-      <p:cxnSp>
-        <p:nvCxnSpPr>
-          <p:cNvPr id="31" name="Straight Arrow Connector 30">
-            <a:extLst>
-              <a:ext uri="{FF2B5EF4-FFF2-40B4-BE49-F238E27FC236}">
-                <a16:creationId xmlns:a16="http://schemas.microsoft.com/office/drawing/2014/main" id="{78F5222D-9453-288A-5CF9-FE143F4BD3BC}"/>
-              </a:ext>
-            </a:extLst>
-          </p:cNvPr>
-          <p:cNvCxnSpPr>
-            <a:cxnSpLocks/>
-            <a:endCxn id="30" idx="4"/>
-          </p:cNvCxnSpPr>
-          <p:nvPr/>
-        </p:nvCxnSpPr>
-        <p:spPr>
-          <a:xfrm flipV="1">
-            <a:off x="9135115" y="1521046"/>
-            <a:ext cx="0" cy="207440"/>
-          </a:xfrm>
-          <a:prstGeom prst="straightConnector1">
-            <a:avLst/>
-          </a:prstGeom>
-          <a:ln>
-            <a:tailEnd type="triangle"/>
-          </a:ln>
-        </p:spPr>
-        <p:style>
-          <a:lnRef idx="2">
-            <a:schemeClr val="dk1"/>
-          </a:lnRef>
-          <a:fillRef idx="0">
-            <a:schemeClr val="dk1"/>
-          </a:fillRef>
-          <a:effectRef idx="1">
-            <a:schemeClr val="dk1"/>
-          </a:effectRef>
-          <a:fontRef idx="minor">
-            <a:schemeClr val="tx1"/>
-          </a:fontRef>
-        </p:style>
-      </p:cxnSp>
-      <p:cxnSp>
-        <p:nvCxnSpPr>
-          <p:cNvPr id="32" name="Straight Arrow Connector 31">
-            <a:extLst>
-              <a:ext uri="{FF2B5EF4-FFF2-40B4-BE49-F238E27FC236}">
-                <a16:creationId xmlns:a16="http://schemas.microsoft.com/office/drawing/2014/main" id="{024DA8D5-96EA-9CF9-4266-05FC8828F795}"/>
-              </a:ext>
-            </a:extLst>
-          </p:cNvPr>
-          <p:cNvCxnSpPr>
-            <a:cxnSpLocks/>
-            <a:stCxn id="30" idx="0"/>
-          </p:cNvCxnSpPr>
-          <p:nvPr/>
-        </p:nvCxnSpPr>
-        <p:spPr>
-          <a:xfrm flipV="1">
-            <a:off x="9135115" y="885608"/>
-            <a:ext cx="0" cy="175965"/>
-          </a:xfrm>
-          <a:prstGeom prst="straightConnector1">
-            <a:avLst/>
-          </a:prstGeom>
-          <a:ln>
-            <a:tailEnd type="triangle"/>
-          </a:ln>
-        </p:spPr>
-        <p:style>
-          <a:lnRef idx="2">
-            <a:schemeClr val="dk1"/>
-          </a:lnRef>
-          <a:fillRef idx="0">
-            <a:schemeClr val="dk1"/>
-          </a:fillRef>
-          <a:effectRef idx="1">
-            <a:schemeClr val="dk1"/>
-          </a:effectRef>
-          <a:fontRef idx="minor">
-            <a:schemeClr val="tx1"/>
-          </a:fontRef>
-        </p:style>
-      </p:cxnSp>
-      <p:graphicFrame>
-        <p:nvGraphicFramePr>
-          <p:cNvPr id="33" name="Table 32">
-            <a:extLst>
-              <a:ext uri="{FF2B5EF4-FFF2-40B4-BE49-F238E27FC236}">
-                <a16:creationId xmlns:a16="http://schemas.microsoft.com/office/drawing/2014/main" id="{B7DBDA80-DB04-2A8E-2766-60999DF3D378}"/>
-              </a:ext>
-            </a:extLst>
-          </p:cNvPr>
-          <p:cNvGraphicFramePr>
-            <a:graphicFrameLocks noGrp="1"/>
-          </p:cNvGraphicFramePr>
-          <p:nvPr>
-            <p:extLst>
-              <p:ext uri="{D42A27DB-BD31-4B8C-83A1-F6EECF244321}">
-                <p14:modId xmlns:p14="http://schemas.microsoft.com/office/powerpoint/2010/main" val="3382896353"/>
-              </p:ext>
-            </p:extLst>
-          </p:nvPr>
-        </p:nvGraphicFramePr>
-        <p:xfrm>
-          <a:off x="8791898" y="281579"/>
-          <a:ext cx="686432" cy="622932"/>
-        </p:xfrm>
-        <a:graphic>
-          <a:graphicData uri="http://schemas.openxmlformats.org/drawingml/2006/table">
-            <a:tbl>
-              <a:tblPr firstRow="1" bandRow="1">
-                <a:tableStyleId>{5C22544A-7EE6-4342-B048-85BDC9FD1C3A}</a:tableStyleId>
-              </a:tblPr>
-              <a:tblGrid>
-                <a:gridCol w="686432">
-                  <a:extLst>
-                    <a:ext uri="{9D8B030D-6E8A-4147-A177-3AD203B41FA5}">
-                      <a16:colId xmlns:a16="http://schemas.microsoft.com/office/drawing/2014/main" val="4002730172"/>
-                    </a:ext>
-                  </a:extLst>
-                </a:gridCol>
-              </a:tblGrid>
-              <a:tr h="622932">
-                <a:tc>
-                  <a:txBody>
-                    <a:bodyPr/>
-                    <a:lstStyle/>
-                    <a:p>
-                      <a:endParaRPr lang="en-US" dirty="0"/>
-                    </a:p>
-                  </a:txBody>
-                  <a:tcPr>
-                    <a:lnL w="38100" cap="flat" cmpd="sng" algn="ctr">
-                      <a:solidFill>
-                        <a:schemeClr val="tx1"/>
-                      </a:solidFill>
-                      <a:prstDash val="solid"/>
-                      <a:round/>
-                      <a:headEnd type="none" w="med" len="med"/>
-                      <a:tailEnd type="none" w="med" len="med"/>
-                    </a:lnL>
-                    <a:lnR w="38100" cap="flat" cmpd="sng" algn="ctr">
-                      <a:solidFill>
-                        <a:schemeClr val="tx1"/>
-                      </a:solidFill>
-                      <a:prstDash val="solid"/>
-                      <a:round/>
-                      <a:headEnd type="none" w="med" len="med"/>
-                      <a:tailEnd type="none" w="med" len="med"/>
-                    </a:lnR>
-                    <a:lnT w="38100" cap="flat" cmpd="sng" algn="ctr">
-                      <a:solidFill>
-                        <a:schemeClr val="tx1"/>
-                      </a:solidFill>
-                      <a:prstDash val="solid"/>
-                      <a:round/>
-                      <a:headEnd type="none" w="med" len="med"/>
-                      <a:tailEnd type="none" w="med" len="med"/>
-                    </a:lnT>
-                    <a:lnB w="38100" cap="flat" cmpd="sng" algn="ctr">
-                      <a:solidFill>
-                        <a:schemeClr val="tx1"/>
-                      </a:solidFill>
-                      <a:prstDash val="solid"/>
-                      <a:round/>
-                      <a:headEnd type="none" w="med" len="med"/>
-                      <a:tailEnd type="none" w="med" len="med"/>
-                    </a:lnB>
-                    <a:noFill/>
-                  </a:tcPr>
-                </a:tc>
-                <a:extLst>
-                  <a:ext uri="{0D108BD9-81ED-4DB2-BD59-A6C34878D82A}">
-                    <a16:rowId xmlns:a16="http://schemas.microsoft.com/office/drawing/2014/main" val="3775152605"/>
-                  </a:ext>
-                </a:extLst>
-              </a:tr>
-            </a:tbl>
-          </a:graphicData>
-        </a:graphic>
-      </p:graphicFrame>
-      <mc:AlternateContent xmlns:mc="http://schemas.openxmlformats.org/markup-compatibility/2006" xmlns:a14="http://schemas.microsoft.com/office/drawing/2010/main">
-        <mc:Choice Requires="a14">
-          <p:sp>
-            <p:nvSpPr>
-              <p:cNvPr id="34" name="TextBox 33">
-                <a:extLst>
-                  <a:ext uri="{FF2B5EF4-FFF2-40B4-BE49-F238E27FC236}">
-                    <a16:creationId xmlns:a16="http://schemas.microsoft.com/office/drawing/2014/main" id="{5D143121-9F4D-20DA-9288-213764A58765}"/>
-                  </a:ext>
-                </a:extLst>
-              </p:cNvPr>
-              <p:cNvSpPr txBox="1"/>
-              <p:nvPr/>
-            </p:nvSpPr>
-            <p:spPr>
-              <a:xfrm>
-                <a:off x="8968936" y="297871"/>
-                <a:ext cx="388450" cy="512576"/>
-              </a:xfrm>
-              <a:prstGeom prst="rect">
-                <a:avLst/>
-              </a:prstGeom>
-              <a:noFill/>
-            </p:spPr>
-            <p:txBody>
-              <a:bodyPr wrap="square" rtlCol="0">
-                <a:spAutoFit/>
-              </a:bodyPr>
-              <a:lstStyle/>
-              <a:p>
-                <a:pPr/>
-                <a14:m>
-                  <m:oMathPara xmlns:m="http://schemas.openxmlformats.org/officeDocument/2006/math">
-                    <m:oMathParaPr>
-                      <m:jc m:val="left"/>
-                    </m:oMathParaPr>
-                    <m:oMath xmlns:m="http://schemas.openxmlformats.org/officeDocument/2006/math">
-                      <m:r>
-                        <a:rPr lang="en-US" sz="2797" b="0" i="1" dirty="0" smtClean="0">
-                          <a:latin typeface="Cambria Math" panose="02040503050406030204" pitchFamily="18" charset="0"/>
-                          <a:cs typeface="Times New Roman" panose="02020603050405020304" pitchFamily="18" charset="0"/>
-                        </a:rPr>
-                        <m:t>𝑝</m:t>
-                      </m:r>
-                    </m:oMath>
-                  </m:oMathPara>
-                </a14:m>
-                <a:endParaRPr lang="en-US" sz="2797" baseline="-25000" dirty="0">
-                  <a:latin typeface="Times New Roman" panose="02020603050405020304" pitchFamily="18" charset="0"/>
-                  <a:cs typeface="Times New Roman" panose="02020603050405020304" pitchFamily="18" charset="0"/>
-                </a:endParaRPr>
-              </a:p>
-            </p:txBody>
-          </p:sp>
-        </mc:Choice>
-        <mc:Fallback xmlns="">
-          <p:sp>
-            <p:nvSpPr>
-              <p:cNvPr id="34" name="TextBox 33">
-                <a:extLst>
-                  <a:ext uri="{FF2B5EF4-FFF2-40B4-BE49-F238E27FC236}">
-                    <a16:creationId xmlns:a16="http://schemas.microsoft.com/office/drawing/2014/main" id="{5D143121-9F4D-20DA-9288-213764A58765}"/>
-                  </a:ext>
-                </a:extLst>
-              </p:cNvPr>
-              <p:cNvSpPr txBox="1">
-                <a:spLocks noRot="1" noChangeAspect="1" noMove="1" noResize="1" noEditPoints="1" noAdjustHandles="1" noChangeArrowheads="1" noChangeShapeType="1" noTextEdit="1"/>
-              </p:cNvSpPr>
-              <p:nvPr/>
-            </p:nvSpPr>
-            <p:spPr>
-              <a:xfrm>
-                <a:off x="8968936" y="297871"/>
-                <a:ext cx="388450" cy="512576"/>
-              </a:xfrm>
-              <a:prstGeom prst="rect">
-                <a:avLst/>
-              </a:prstGeom>
-              <a:blipFill>
-                <a:blip r:embed="rId10"/>
-                <a:stretch>
-                  <a:fillRect l="-9677" r="-6452" b="-14634"/>
-                </a:stretch>
-              </a:blipFill>
-            </p:spPr>
-            <p:txBody>
-              <a:bodyPr/>
-              <a:lstStyle/>
-              <a:p>
-                <a:r>
-                  <a:rPr lang="en-US">
-                    <a:noFill/>
-                  </a:rPr>
-                  <a:t> </a:t>
-                </a:r>
-              </a:p>
-            </p:txBody>
-          </p:sp>
-        </mc:Fallback>
-      </mc:AlternateContent>
       <mc:AlternateContent xmlns:mc="http://schemas.openxmlformats.org/markup-compatibility/2006" xmlns:a14="http://schemas.microsoft.com/office/drawing/2010/main">
         <mc:Choice Requires="a14">
           <p:sp>
@@ -7448,723 +5010,25 @@
           </p:sp>
         </mc:Fallback>
       </mc:AlternateContent>
-      <mc:AlternateContent xmlns:mc="http://schemas.openxmlformats.org/markup-compatibility/2006" xmlns:a14="http://schemas.microsoft.com/office/drawing/2010/main">
-        <mc:Choice Requires="a14">
-          <p:sp>
-            <p:nvSpPr>
-              <p:cNvPr id="38" name="TextBox 37">
-                <a:extLst>
-                  <a:ext uri="{FF2B5EF4-FFF2-40B4-BE49-F238E27FC236}">
-                    <a16:creationId xmlns:a16="http://schemas.microsoft.com/office/drawing/2014/main" id="{669BB1BE-76BA-458D-A166-9BAD462A7A69}"/>
-                  </a:ext>
-                </a:extLst>
-              </p:cNvPr>
-              <p:cNvSpPr txBox="1"/>
-              <p:nvPr/>
-            </p:nvSpPr>
-            <p:spPr>
-              <a:xfrm>
-                <a:off x="9107604" y="2782249"/>
-                <a:ext cx="1000972" cy="392993"/>
-              </a:xfrm>
-              <a:prstGeom prst="rect">
-                <a:avLst/>
-              </a:prstGeom>
-              <a:noFill/>
-            </p:spPr>
-            <p:txBody>
-              <a:bodyPr wrap="square" rtlCol="0">
-                <a:spAutoFit/>
-              </a:bodyPr>
-              <a:lstStyle/>
-              <a:p>
-                <a:pPr/>
-                <a14:m>
-                  <m:oMathPara xmlns:m="http://schemas.openxmlformats.org/officeDocument/2006/math">
-                    <m:oMathParaPr>
-                      <m:jc m:val="left"/>
-                    </m:oMathParaPr>
-                    <m:oMath xmlns:m="http://schemas.openxmlformats.org/officeDocument/2006/math">
-                      <m:r>
-                        <a:rPr lang="en-US" sz="2000" b="0" i="1" dirty="0" smtClean="0">
-                          <a:latin typeface="Cambria Math" panose="02040503050406030204" pitchFamily="18" charset="0"/>
-                          <a:cs typeface="Times New Roman" panose="02020603050405020304" pitchFamily="18" charset="0"/>
-                        </a:rPr>
-                        <m:t>𝜎</m:t>
-                      </m:r>
-                      <m:r>
-                        <a:rPr lang="en-US" sz="2000" b="0" i="1" dirty="0" smtClean="0">
-                          <a:latin typeface="Cambria Math" panose="02040503050406030204" pitchFamily="18" charset="0"/>
-                          <a:cs typeface="Times New Roman" panose="02020603050405020304" pitchFamily="18" charset="0"/>
-                        </a:rPr>
-                        <m:t>(</m:t>
-                      </m:r>
-                      <m:sSub>
-                        <m:sSubPr>
-                          <m:ctrlPr>
-                            <a:rPr lang="en-US" sz="2000" b="0" i="1" dirty="0" smtClean="0">
-                              <a:latin typeface="Cambria Math" panose="02040503050406030204" pitchFamily="18" charset="0"/>
-                              <a:cs typeface="Times New Roman" panose="02020603050405020304" pitchFamily="18" charset="0"/>
-                            </a:rPr>
-                          </m:ctrlPr>
-                        </m:sSubPr>
-                        <m:e>
-                          <m:r>
-                            <a:rPr lang="en-US" sz="2000" b="0" i="1" dirty="0" smtClean="0">
-                              <a:latin typeface="Cambria Math" panose="02040503050406030204" pitchFamily="18" charset="0"/>
-                              <a:cs typeface="Times New Roman" panose="02020603050405020304" pitchFamily="18" charset="0"/>
-                            </a:rPr>
-                            <m:t>h</m:t>
-                          </m:r>
-                        </m:e>
-                        <m:sub>
-                          <m:r>
-                            <a:rPr lang="en-US" sz="2000" b="0" i="1" dirty="0" smtClean="0">
-                              <a:latin typeface="Cambria Math" panose="02040503050406030204" pitchFamily="18" charset="0"/>
-                              <a:cs typeface="Times New Roman" panose="02020603050405020304" pitchFamily="18" charset="0"/>
-                            </a:rPr>
-                            <m:t>2</m:t>
-                          </m:r>
-                        </m:sub>
-                      </m:sSub>
-                      <m:r>
-                        <a:rPr lang="en-US" sz="2000" b="0" i="1" dirty="0" smtClean="0">
-                          <a:latin typeface="Cambria Math" panose="02040503050406030204" pitchFamily="18" charset="0"/>
-                          <a:cs typeface="Times New Roman" panose="02020603050405020304" pitchFamily="18" charset="0"/>
-                        </a:rPr>
-                        <m:t>)</m:t>
-                      </m:r>
-                    </m:oMath>
-                  </m:oMathPara>
-                </a14:m>
-                <a:endParaRPr lang="en-US" sz="2000" baseline="-25000" dirty="0">
-                  <a:latin typeface="Times New Roman" panose="02020603050405020304" pitchFamily="18" charset="0"/>
-                  <a:cs typeface="Times New Roman" panose="02020603050405020304" pitchFamily="18" charset="0"/>
-                </a:endParaRPr>
-              </a:p>
-            </p:txBody>
-          </p:sp>
-        </mc:Choice>
-        <mc:Fallback xmlns="">
-          <p:sp>
-            <p:nvSpPr>
-              <p:cNvPr id="38" name="TextBox 37">
-                <a:extLst>
-                  <a:ext uri="{FF2B5EF4-FFF2-40B4-BE49-F238E27FC236}">
-                    <a16:creationId xmlns:a16="http://schemas.microsoft.com/office/drawing/2014/main" id="{669BB1BE-76BA-458D-A166-9BAD462A7A69}"/>
-                  </a:ext>
-                </a:extLst>
-              </p:cNvPr>
-              <p:cNvSpPr txBox="1">
-                <a:spLocks noRot="1" noChangeAspect="1" noMove="1" noResize="1" noEditPoints="1" noAdjustHandles="1" noChangeArrowheads="1" noChangeShapeType="1" noTextEdit="1"/>
-              </p:cNvSpPr>
-              <p:nvPr/>
-            </p:nvSpPr>
-            <p:spPr>
-              <a:xfrm>
-                <a:off x="9107604" y="2782249"/>
-                <a:ext cx="1000972" cy="392993"/>
-              </a:xfrm>
-              <a:prstGeom prst="rect">
-                <a:avLst/>
-              </a:prstGeom>
-              <a:blipFill>
-                <a:blip r:embed="rId12"/>
-                <a:stretch>
-                  <a:fillRect b="-12121"/>
-                </a:stretch>
-              </a:blipFill>
-            </p:spPr>
-            <p:txBody>
-              <a:bodyPr/>
-              <a:lstStyle/>
-              <a:p>
-                <a:r>
-                  <a:rPr lang="en-US">
-                    <a:noFill/>
-                  </a:rPr>
-                  <a:t> </a:t>
-                </a:r>
-              </a:p>
-            </p:txBody>
-          </p:sp>
-        </mc:Fallback>
-      </mc:AlternateContent>
-      <mc:AlternateContent xmlns:mc="http://schemas.openxmlformats.org/markup-compatibility/2006" xmlns:a14="http://schemas.microsoft.com/office/drawing/2010/main">
-        <mc:Choice Requires="a14">
-          <p:sp>
-            <p:nvSpPr>
-              <p:cNvPr id="35" name="TextBox 34">
-                <a:extLst>
-                  <a:ext uri="{FF2B5EF4-FFF2-40B4-BE49-F238E27FC236}">
-                    <a16:creationId xmlns:a16="http://schemas.microsoft.com/office/drawing/2014/main" id="{C09CE022-8E36-1DF8-BD98-7C8EE3D01152}"/>
-                  </a:ext>
-                </a:extLst>
-              </p:cNvPr>
-              <p:cNvSpPr txBox="1"/>
-              <p:nvPr/>
-            </p:nvSpPr>
-            <p:spPr>
-              <a:xfrm>
-                <a:off x="9700334" y="4881850"/>
-                <a:ext cx="482826" cy="381515"/>
-              </a:xfrm>
-              <a:prstGeom prst="rect">
-                <a:avLst/>
-              </a:prstGeom>
-              <a:noFill/>
-            </p:spPr>
-            <p:txBody>
-              <a:bodyPr wrap="square" rtlCol="0">
-                <a:spAutoFit/>
-              </a:bodyPr>
-              <a:lstStyle/>
-              <a:p>
-                <a:pPr/>
-                <a14:m>
-                  <m:oMathPara xmlns:m="http://schemas.openxmlformats.org/officeDocument/2006/math">
-                    <m:oMathParaPr>
-                      <m:jc m:val="centerGroup"/>
-                    </m:oMathParaPr>
-                    <m:oMath xmlns:m="http://schemas.openxmlformats.org/officeDocument/2006/math">
-                      <m:sSub>
-                        <m:sSubPr>
-                          <m:ctrlPr>
-                            <a:rPr lang="en-US" b="0" i="1" dirty="0" smtClean="0">
-                              <a:solidFill>
-                                <a:schemeClr val="tx1"/>
-                              </a:solidFill>
-                              <a:latin typeface="Cambria Math" panose="02040503050406030204" pitchFamily="18" charset="0"/>
-                              <a:cs typeface="Times New Roman" panose="02020603050405020304" pitchFamily="18" charset="0"/>
-                            </a:rPr>
-                          </m:ctrlPr>
-                        </m:sSubPr>
-                        <m:e>
-                          <m:r>
-                            <a:rPr lang="en-US" b="0" i="1" dirty="0" smtClean="0">
-                              <a:solidFill>
-                                <a:schemeClr val="tx1"/>
-                              </a:solidFill>
-                              <a:latin typeface="Cambria Math" panose="02040503050406030204" pitchFamily="18" charset="0"/>
-                              <a:cs typeface="Times New Roman" panose="02020603050405020304" pitchFamily="18" charset="0"/>
-                            </a:rPr>
-                            <m:t>𝑏</m:t>
-                          </m:r>
-                        </m:e>
-                        <m:sub>
-                          <m:r>
-                            <a:rPr lang="en-US" b="0" i="1" dirty="0" smtClean="0">
-                              <a:solidFill>
-                                <a:schemeClr val="tx1"/>
-                              </a:solidFill>
-                              <a:latin typeface="Cambria Math" panose="02040503050406030204" pitchFamily="18" charset="0"/>
-                              <a:cs typeface="Times New Roman" panose="02020603050405020304" pitchFamily="18" charset="0"/>
-                            </a:rPr>
-                            <m:t>1,2</m:t>
-                          </m:r>
-                        </m:sub>
-                      </m:sSub>
-                    </m:oMath>
-                  </m:oMathPara>
-                </a14:m>
-                <a:endParaRPr lang="en-US" baseline="-25000" dirty="0">
-                  <a:solidFill>
-                    <a:schemeClr val="tx1"/>
-                  </a:solidFill>
-                  <a:latin typeface="Times New Roman" panose="02020603050405020304" pitchFamily="18" charset="0"/>
-                  <a:cs typeface="Times New Roman" panose="02020603050405020304" pitchFamily="18" charset="0"/>
-                </a:endParaRPr>
-              </a:p>
-            </p:txBody>
-          </p:sp>
-        </mc:Choice>
-        <mc:Fallback xmlns="">
-          <p:sp>
-            <p:nvSpPr>
-              <p:cNvPr id="35" name="TextBox 34">
-                <a:extLst>
-                  <a:ext uri="{FF2B5EF4-FFF2-40B4-BE49-F238E27FC236}">
-                    <a16:creationId xmlns:a16="http://schemas.microsoft.com/office/drawing/2014/main" id="{C09CE022-8E36-1DF8-BD98-7C8EE3D01152}"/>
-                  </a:ext>
-                </a:extLst>
-              </p:cNvPr>
-              <p:cNvSpPr txBox="1">
-                <a:spLocks noRot="1" noChangeAspect="1" noMove="1" noResize="1" noEditPoints="1" noAdjustHandles="1" noChangeArrowheads="1" noChangeShapeType="1" noTextEdit="1"/>
-              </p:cNvSpPr>
-              <p:nvPr/>
-            </p:nvSpPr>
-            <p:spPr>
-              <a:xfrm>
-                <a:off x="9700334" y="4881850"/>
-                <a:ext cx="482826" cy="381515"/>
-              </a:xfrm>
-              <a:prstGeom prst="rect">
-                <a:avLst/>
-              </a:prstGeom>
-              <a:blipFill>
-                <a:blip r:embed="rId13"/>
-                <a:stretch>
-                  <a:fillRect r="-2564"/>
-                </a:stretch>
-              </a:blipFill>
-            </p:spPr>
-            <p:txBody>
-              <a:bodyPr/>
-              <a:lstStyle/>
-              <a:p>
-                <a:r>
-                  <a:rPr lang="en-US">
-                    <a:noFill/>
-                  </a:rPr>
-                  <a:t> </a:t>
-                </a:r>
-              </a:p>
-            </p:txBody>
-          </p:sp>
-        </mc:Fallback>
-      </mc:AlternateContent>
-      <mc:AlternateContent xmlns:mc="http://schemas.openxmlformats.org/markup-compatibility/2006" xmlns:a14="http://schemas.microsoft.com/office/drawing/2010/main">
-        <mc:Choice Requires="a14">
-          <p:sp>
-            <p:nvSpPr>
-              <p:cNvPr id="36" name="TextBox 35">
-                <a:extLst>
-                  <a:ext uri="{FF2B5EF4-FFF2-40B4-BE49-F238E27FC236}">
-                    <a16:creationId xmlns:a16="http://schemas.microsoft.com/office/drawing/2014/main" id="{51D87D50-CF42-236E-BE90-5E4DDD3E73CF}"/>
-                  </a:ext>
-                </a:extLst>
-              </p:cNvPr>
-              <p:cNvSpPr txBox="1"/>
-              <p:nvPr/>
-            </p:nvSpPr>
-            <p:spPr>
-              <a:xfrm>
-                <a:off x="9184575" y="4878473"/>
-                <a:ext cx="482826" cy="381515"/>
-              </a:xfrm>
-              <a:prstGeom prst="rect">
-                <a:avLst/>
-              </a:prstGeom>
-              <a:noFill/>
-            </p:spPr>
-            <p:txBody>
-              <a:bodyPr wrap="square" rtlCol="0">
-                <a:spAutoFit/>
-              </a:bodyPr>
-              <a:lstStyle/>
-              <a:p>
-                <a:pPr/>
-                <a14:m>
-                  <m:oMathPara xmlns:m="http://schemas.openxmlformats.org/officeDocument/2006/math">
-                    <m:oMathParaPr>
-                      <m:jc m:val="centerGroup"/>
-                    </m:oMathParaPr>
-                    <m:oMath xmlns:m="http://schemas.openxmlformats.org/officeDocument/2006/math">
-                      <m:sSub>
-                        <m:sSubPr>
-                          <m:ctrlPr>
-                            <a:rPr lang="en-US" b="0" i="1" dirty="0" smtClean="0">
-                              <a:solidFill>
-                                <a:schemeClr val="tx1"/>
-                              </a:solidFill>
-                              <a:latin typeface="Cambria Math" panose="02040503050406030204" pitchFamily="18" charset="0"/>
-                              <a:cs typeface="Times New Roman" panose="02020603050405020304" pitchFamily="18" charset="0"/>
-                            </a:rPr>
-                          </m:ctrlPr>
-                        </m:sSubPr>
-                        <m:e>
-                          <m:r>
-                            <a:rPr lang="en-US" b="0" i="1" dirty="0" smtClean="0">
-                              <a:solidFill>
-                                <a:schemeClr val="tx1"/>
-                              </a:solidFill>
-                              <a:latin typeface="Cambria Math" panose="02040503050406030204" pitchFamily="18" charset="0"/>
-                              <a:cs typeface="Times New Roman" panose="02020603050405020304" pitchFamily="18" charset="0"/>
-                            </a:rPr>
-                            <m:t>𝑏</m:t>
-                          </m:r>
-                        </m:e>
-                        <m:sub>
-                          <m:r>
-                            <a:rPr lang="en-US" b="0" i="1" dirty="0" smtClean="0">
-                              <a:solidFill>
-                                <a:schemeClr val="tx1"/>
-                              </a:solidFill>
-                              <a:latin typeface="Cambria Math" panose="02040503050406030204" pitchFamily="18" charset="0"/>
-                              <a:cs typeface="Times New Roman" panose="02020603050405020304" pitchFamily="18" charset="0"/>
-                            </a:rPr>
-                            <m:t>1,1</m:t>
-                          </m:r>
-                        </m:sub>
-                      </m:sSub>
-                    </m:oMath>
-                  </m:oMathPara>
-                </a14:m>
-                <a:endParaRPr lang="en-US" baseline="-25000" dirty="0">
-                  <a:solidFill>
-                    <a:schemeClr val="tx1"/>
-                  </a:solidFill>
-                  <a:latin typeface="Times New Roman" panose="02020603050405020304" pitchFamily="18" charset="0"/>
-                  <a:cs typeface="Times New Roman" panose="02020603050405020304" pitchFamily="18" charset="0"/>
-                </a:endParaRPr>
-              </a:p>
-            </p:txBody>
-          </p:sp>
-        </mc:Choice>
-        <mc:Fallback xmlns="">
-          <p:sp>
-            <p:nvSpPr>
-              <p:cNvPr id="36" name="TextBox 35">
-                <a:extLst>
-                  <a:ext uri="{FF2B5EF4-FFF2-40B4-BE49-F238E27FC236}">
-                    <a16:creationId xmlns:a16="http://schemas.microsoft.com/office/drawing/2014/main" id="{51D87D50-CF42-236E-BE90-5E4DDD3E73CF}"/>
-                  </a:ext>
-                </a:extLst>
-              </p:cNvPr>
-              <p:cNvSpPr txBox="1">
-                <a:spLocks noRot="1" noChangeAspect="1" noMove="1" noResize="1" noEditPoints="1" noAdjustHandles="1" noChangeArrowheads="1" noChangeShapeType="1" noTextEdit="1"/>
-              </p:cNvSpPr>
-              <p:nvPr/>
-            </p:nvSpPr>
-            <p:spPr>
-              <a:xfrm>
-                <a:off x="9184575" y="4878473"/>
-                <a:ext cx="482826" cy="381515"/>
-              </a:xfrm>
-              <a:prstGeom prst="rect">
-                <a:avLst/>
-              </a:prstGeom>
-              <a:blipFill>
-                <a:blip r:embed="rId14"/>
-                <a:stretch>
-                  <a:fillRect/>
-                </a:stretch>
-              </a:blipFill>
-            </p:spPr>
-            <p:txBody>
-              <a:bodyPr/>
-              <a:lstStyle/>
-              <a:p>
-                <a:r>
-                  <a:rPr lang="en-US">
-                    <a:noFill/>
-                  </a:rPr>
-                  <a:t> </a:t>
-                </a:r>
-              </a:p>
-            </p:txBody>
-          </p:sp>
-        </mc:Fallback>
-      </mc:AlternateContent>
-      <mc:AlternateContent xmlns:mc="http://schemas.openxmlformats.org/markup-compatibility/2006" xmlns:a14="http://schemas.microsoft.com/office/drawing/2010/main">
-        <mc:Choice Requires="a14">
-          <p:sp>
-            <p:nvSpPr>
-              <p:cNvPr id="39" name="TextBox 38">
-                <a:extLst>
-                  <a:ext uri="{FF2B5EF4-FFF2-40B4-BE49-F238E27FC236}">
-                    <a16:creationId xmlns:a16="http://schemas.microsoft.com/office/drawing/2014/main" id="{3EA002A6-FB45-7527-F82B-62E250428F13}"/>
-                  </a:ext>
-                </a:extLst>
-              </p:cNvPr>
-              <p:cNvSpPr txBox="1"/>
-              <p:nvPr/>
-            </p:nvSpPr>
-            <p:spPr>
-              <a:xfrm>
-                <a:off x="9470559" y="2325396"/>
-                <a:ext cx="482826" cy="362984"/>
-              </a:xfrm>
-              <a:prstGeom prst="rect">
-                <a:avLst/>
-              </a:prstGeom>
-              <a:noFill/>
-            </p:spPr>
-            <p:txBody>
-              <a:bodyPr wrap="square" rtlCol="0">
-                <a:spAutoFit/>
-              </a:bodyPr>
-              <a:lstStyle/>
-              <a:p>
-                <a:pPr/>
-                <a14:m>
-                  <m:oMathPara xmlns:m="http://schemas.openxmlformats.org/officeDocument/2006/math">
-                    <m:oMathParaPr>
-                      <m:jc m:val="centerGroup"/>
-                    </m:oMathParaPr>
-                    <m:oMath xmlns:m="http://schemas.openxmlformats.org/officeDocument/2006/math">
-                      <m:sSub>
-                        <m:sSubPr>
-                          <m:ctrlPr>
-                            <a:rPr lang="en-US" b="0" i="1" dirty="0" smtClean="0">
-                              <a:solidFill>
-                                <a:schemeClr val="tx1"/>
-                              </a:solidFill>
-                              <a:latin typeface="Cambria Math" panose="02040503050406030204" pitchFamily="18" charset="0"/>
-                              <a:cs typeface="Times New Roman" panose="02020603050405020304" pitchFamily="18" charset="0"/>
-                            </a:rPr>
-                          </m:ctrlPr>
-                        </m:sSubPr>
-                        <m:e>
-                          <m:r>
-                            <a:rPr lang="en-US" b="0" i="1" dirty="0" smtClean="0">
-                              <a:solidFill>
-                                <a:schemeClr val="tx1"/>
-                              </a:solidFill>
-                              <a:latin typeface="Cambria Math" panose="02040503050406030204" pitchFamily="18" charset="0"/>
-                              <a:cs typeface="Times New Roman" panose="02020603050405020304" pitchFamily="18" charset="0"/>
-                            </a:rPr>
-                            <m:t>𝛽</m:t>
-                          </m:r>
-                        </m:e>
-                        <m:sub>
-                          <m:r>
-                            <a:rPr lang="en-US" b="0" i="1" dirty="0" smtClean="0">
-                              <a:solidFill>
-                                <a:schemeClr val="tx1"/>
-                              </a:solidFill>
-                              <a:latin typeface="Cambria Math" panose="02040503050406030204" pitchFamily="18" charset="0"/>
-                              <a:cs typeface="Times New Roman" panose="02020603050405020304" pitchFamily="18" charset="0"/>
-                            </a:rPr>
-                            <m:t>2</m:t>
-                          </m:r>
-                        </m:sub>
-                      </m:sSub>
-                    </m:oMath>
-                  </m:oMathPara>
-                </a14:m>
-                <a:endParaRPr lang="en-US" baseline="-25000" dirty="0">
-                  <a:solidFill>
-                    <a:schemeClr val="tx1"/>
-                  </a:solidFill>
-                  <a:latin typeface="Times New Roman" panose="02020603050405020304" pitchFamily="18" charset="0"/>
-                  <a:cs typeface="Times New Roman" panose="02020603050405020304" pitchFamily="18" charset="0"/>
-                </a:endParaRPr>
-              </a:p>
-            </p:txBody>
-          </p:sp>
-        </mc:Choice>
-        <mc:Fallback xmlns="">
-          <p:sp>
-            <p:nvSpPr>
-              <p:cNvPr id="39" name="TextBox 38">
-                <a:extLst>
-                  <a:ext uri="{FF2B5EF4-FFF2-40B4-BE49-F238E27FC236}">
-                    <a16:creationId xmlns:a16="http://schemas.microsoft.com/office/drawing/2014/main" id="{3EA002A6-FB45-7527-F82B-62E250428F13}"/>
-                  </a:ext>
-                </a:extLst>
-              </p:cNvPr>
-              <p:cNvSpPr txBox="1">
-                <a:spLocks noRot="1" noChangeAspect="1" noMove="1" noResize="1" noEditPoints="1" noAdjustHandles="1" noChangeArrowheads="1" noChangeShapeType="1" noTextEdit="1"/>
-              </p:cNvSpPr>
-              <p:nvPr/>
-            </p:nvSpPr>
-            <p:spPr>
-              <a:xfrm>
-                <a:off x="9470559" y="2325396"/>
-                <a:ext cx="482826" cy="362984"/>
-              </a:xfrm>
-              <a:prstGeom prst="rect">
-                <a:avLst/>
-              </a:prstGeom>
-              <a:blipFill>
-                <a:blip r:embed="rId15"/>
-                <a:stretch>
-                  <a:fillRect b="-16667"/>
-                </a:stretch>
-              </a:blipFill>
-            </p:spPr>
-            <p:txBody>
-              <a:bodyPr/>
-              <a:lstStyle/>
-              <a:p>
-                <a:r>
-                  <a:rPr lang="en-US">
-                    <a:noFill/>
-                  </a:rPr>
-                  <a:t> </a:t>
-                </a:r>
-              </a:p>
-            </p:txBody>
-          </p:sp>
-        </mc:Fallback>
-      </mc:AlternateContent>
-      <mc:AlternateContent xmlns:mc="http://schemas.openxmlformats.org/markup-compatibility/2006" xmlns:a14="http://schemas.microsoft.com/office/drawing/2010/main">
-        <mc:Choice Requires="a14">
-          <p:sp>
-            <p:nvSpPr>
-              <p:cNvPr id="40" name="TextBox 39">
-                <a:extLst>
-                  <a:ext uri="{FF2B5EF4-FFF2-40B4-BE49-F238E27FC236}">
-                    <a16:creationId xmlns:a16="http://schemas.microsoft.com/office/drawing/2014/main" id="{114749E2-9B0F-59CD-528D-47CFB3F7AC72}"/>
-                  </a:ext>
-                </a:extLst>
-              </p:cNvPr>
-              <p:cNvSpPr txBox="1"/>
-              <p:nvPr/>
-            </p:nvSpPr>
-            <p:spPr>
-              <a:xfrm>
-                <a:off x="8307610" y="2312060"/>
-                <a:ext cx="482826" cy="362984"/>
-              </a:xfrm>
-              <a:prstGeom prst="rect">
-                <a:avLst/>
-              </a:prstGeom>
-              <a:noFill/>
-            </p:spPr>
-            <p:txBody>
-              <a:bodyPr wrap="square" rtlCol="0">
-                <a:spAutoFit/>
-              </a:bodyPr>
-              <a:lstStyle/>
-              <a:p>
-                <a:pPr/>
-                <a14:m>
-                  <m:oMathPara xmlns:m="http://schemas.openxmlformats.org/officeDocument/2006/math">
-                    <m:oMathParaPr>
-                      <m:jc m:val="centerGroup"/>
-                    </m:oMathParaPr>
-                    <m:oMath xmlns:m="http://schemas.openxmlformats.org/officeDocument/2006/math">
-                      <m:sSub>
-                        <m:sSubPr>
-                          <m:ctrlPr>
-                            <a:rPr lang="en-US" b="0" i="1" dirty="0" smtClean="0">
-                              <a:solidFill>
-                                <a:schemeClr val="tx1"/>
-                              </a:solidFill>
-                              <a:latin typeface="Cambria Math" panose="02040503050406030204" pitchFamily="18" charset="0"/>
-                              <a:cs typeface="Times New Roman" panose="02020603050405020304" pitchFamily="18" charset="0"/>
-                            </a:rPr>
-                          </m:ctrlPr>
-                        </m:sSubPr>
-                        <m:e>
-                          <m:r>
-                            <a:rPr lang="en-US" b="0" i="1" dirty="0" smtClean="0">
-                              <a:solidFill>
-                                <a:schemeClr val="tx1"/>
-                              </a:solidFill>
-                              <a:latin typeface="Cambria Math" panose="02040503050406030204" pitchFamily="18" charset="0"/>
-                              <a:cs typeface="Times New Roman" panose="02020603050405020304" pitchFamily="18" charset="0"/>
-                            </a:rPr>
-                            <m:t>𝛽</m:t>
-                          </m:r>
-                        </m:e>
-                        <m:sub>
-                          <m:r>
-                            <a:rPr lang="en-US" b="0" i="1" dirty="0" smtClean="0">
-                              <a:solidFill>
-                                <a:schemeClr val="tx1"/>
-                              </a:solidFill>
-                              <a:latin typeface="Cambria Math" panose="02040503050406030204" pitchFamily="18" charset="0"/>
-                              <a:cs typeface="Times New Roman" panose="02020603050405020304" pitchFamily="18" charset="0"/>
-                            </a:rPr>
-                            <m:t>1</m:t>
-                          </m:r>
-                        </m:sub>
-                      </m:sSub>
-                    </m:oMath>
-                  </m:oMathPara>
-                </a14:m>
-                <a:endParaRPr lang="en-US" baseline="-25000" dirty="0">
-                  <a:solidFill>
-                    <a:schemeClr val="tx1"/>
-                  </a:solidFill>
-                  <a:latin typeface="Times New Roman" panose="02020603050405020304" pitchFamily="18" charset="0"/>
-                  <a:cs typeface="Times New Roman" panose="02020603050405020304" pitchFamily="18" charset="0"/>
-                </a:endParaRPr>
-              </a:p>
-            </p:txBody>
-          </p:sp>
-        </mc:Choice>
-        <mc:Fallback xmlns="">
-          <p:sp>
-            <p:nvSpPr>
-              <p:cNvPr id="40" name="TextBox 39">
-                <a:extLst>
-                  <a:ext uri="{FF2B5EF4-FFF2-40B4-BE49-F238E27FC236}">
-                    <a16:creationId xmlns:a16="http://schemas.microsoft.com/office/drawing/2014/main" id="{114749E2-9B0F-59CD-528D-47CFB3F7AC72}"/>
-                  </a:ext>
-                </a:extLst>
-              </p:cNvPr>
-              <p:cNvSpPr txBox="1">
-                <a:spLocks noRot="1" noChangeAspect="1" noMove="1" noResize="1" noEditPoints="1" noAdjustHandles="1" noChangeArrowheads="1" noChangeShapeType="1" noTextEdit="1"/>
-              </p:cNvSpPr>
-              <p:nvPr/>
-            </p:nvSpPr>
-            <p:spPr>
-              <a:xfrm>
-                <a:off x="8307610" y="2312060"/>
-                <a:ext cx="482826" cy="362984"/>
-              </a:xfrm>
-              <a:prstGeom prst="rect">
-                <a:avLst/>
-              </a:prstGeom>
-              <a:blipFill>
-                <a:blip r:embed="rId16"/>
-                <a:stretch>
-                  <a:fillRect b="-16667"/>
-                </a:stretch>
-              </a:blipFill>
-            </p:spPr>
-            <p:txBody>
-              <a:bodyPr/>
-              <a:lstStyle/>
-              <a:p>
-                <a:r>
-                  <a:rPr lang="en-US">
-                    <a:noFill/>
-                  </a:rPr>
-                  <a:t> </a:t>
-                </a:r>
-              </a:p>
-            </p:txBody>
-          </p:sp>
-        </mc:Fallback>
-      </mc:AlternateContent>
-    </p:spTree>
-    <p:extLst>
-      <p:ext uri="{BB962C8B-B14F-4D97-AF65-F5344CB8AC3E}">
-        <p14:creationId xmlns:p14="http://schemas.microsoft.com/office/powerpoint/2010/main" val="2004572736"/>
-      </p:ext>
-    </p:extLst>
-  </p:cSld>
-  <p:clrMapOvr>
-    <a:masterClrMapping/>
-  </p:clrMapOvr>
-</p:sld>
-</file>
-
-<file path=ppt/slides/slide7.xml><?xml version="1.0" encoding="utf-8"?>
-<p:sld xmlns:a="http://schemas.openxmlformats.org/drawingml/2006/main" xmlns:r="http://schemas.openxmlformats.org/officeDocument/2006/relationships" xmlns:p="http://schemas.openxmlformats.org/presentationml/2006/main">
-  <p:cSld>
-    <p:spTree>
-      <p:nvGrpSpPr>
-        <p:cNvPr id="1" name=""/>
-        <p:cNvGrpSpPr/>
-        <p:nvPr/>
-      </p:nvGrpSpPr>
-      <p:grpSpPr>
-        <a:xfrm>
-          <a:off x="0" y="0"/>
-          <a:ext cx="0" cy="0"/>
-          <a:chOff x="0" y="0"/>
-          <a:chExt cx="0" cy="0"/>
-        </a:xfrm>
-      </p:grpSpPr>
       <p:graphicFrame>
         <p:nvGraphicFramePr>
-          <p:cNvPr id="15" name="Table 14">
+          <p:cNvPr id="3" name="Table 2">
             <a:extLst>
               <a:ext uri="{FF2B5EF4-FFF2-40B4-BE49-F238E27FC236}">
-                <a16:creationId xmlns:a16="http://schemas.microsoft.com/office/drawing/2014/main" id="{2954A169-8493-658B-7F52-EEBF6E1922D7}"/>
+                <a16:creationId xmlns:a16="http://schemas.microsoft.com/office/drawing/2014/main" id="{1A023113-F936-061C-928F-74BAA09D1B1D}"/>
               </a:ext>
             </a:extLst>
           </p:cNvPr>
           <p:cNvGraphicFramePr>
             <a:graphicFrameLocks noGrp="1"/>
           </p:cNvGraphicFramePr>
-          <p:nvPr/>
+          <p:nvPr>
+            <p:extLst>
+              <p:ext uri="{D42A27DB-BD31-4B8C-83A1-F6EECF244321}">
+                <p14:modId xmlns:p14="http://schemas.microsoft.com/office/powerpoint/2010/main" val="3291494957"/>
+              </p:ext>
+            </p:extLst>
+          </p:nvPr>
         </p:nvGraphicFramePr>
         <p:xfrm>
           <a:off x="8457317" y="4133963"/>
@@ -8299,45 +5163,12 @@
           </a:graphicData>
         </a:graphic>
       </p:graphicFrame>
-      <p:sp>
-        <p:nvSpPr>
-          <p:cNvPr id="2" name="Title 1">
+      <p:cxnSp>
+        <p:nvCxnSpPr>
+          <p:cNvPr id="12" name="Straight Arrow Connector 11">
             <a:extLst>
               <a:ext uri="{FF2B5EF4-FFF2-40B4-BE49-F238E27FC236}">
-                <a16:creationId xmlns:a16="http://schemas.microsoft.com/office/drawing/2014/main" id="{481147D0-0E90-45FD-0BEB-9DC70CAF8845}"/>
-              </a:ext>
-            </a:extLst>
-          </p:cNvPr>
-          <p:cNvSpPr>
-            <a:spLocks noGrp="1"/>
-          </p:cNvSpPr>
-          <p:nvPr>
-            <p:ph type="title"/>
-          </p:nvPr>
-        </p:nvSpPr>
-        <p:spPr>
-          <a:xfrm>
-            <a:off x="838200" y="365125"/>
-            <a:ext cx="10515600" cy="705789"/>
-          </a:xfrm>
-        </p:spPr>
-        <p:txBody>
-          <a:bodyPr/>
-          <a:lstStyle/>
-          <a:p>
-            <a:r>
-              <a:rPr lang="en-US" dirty="0"/>
-              <a:t>Part IIB</a:t>
-            </a:r>
-          </a:p>
-        </p:txBody>
-      </p:sp>
-      <p:cxnSp>
-        <p:nvCxnSpPr>
-          <p:cNvPr id="4" name="Straight Arrow Connector 3">
-            <a:extLst>
-              <a:ext uri="{FF2B5EF4-FFF2-40B4-BE49-F238E27FC236}">
-                <a16:creationId xmlns:a16="http://schemas.microsoft.com/office/drawing/2014/main" id="{BD5F68B1-46AF-CC03-F986-0B3B137C59D1}"/>
+                <a16:creationId xmlns:a16="http://schemas.microsoft.com/office/drawing/2014/main" id="{A268462D-2836-DBF2-4DD0-9ED411800914}"/>
               </a:ext>
             </a:extLst>
           </p:cNvPr>
@@ -8348,49 +5179,8 @@
         </p:nvCxnSpPr>
         <p:spPr>
           <a:xfrm flipV="1">
-            <a:off x="8307610" y="4750150"/>
-            <a:ext cx="330918" cy="596378"/>
-          </a:xfrm>
-          <a:prstGeom prst="straightConnector1">
-            <a:avLst/>
-          </a:prstGeom>
-          <a:ln>
-            <a:tailEnd type="triangle"/>
-          </a:ln>
-        </p:spPr>
-        <p:style>
-          <a:lnRef idx="2">
-            <a:schemeClr val="dk1"/>
-          </a:lnRef>
-          <a:fillRef idx="0">
-            <a:schemeClr val="dk1"/>
-          </a:fillRef>
-          <a:effectRef idx="1">
-            <a:schemeClr val="dk1"/>
-          </a:effectRef>
-          <a:fontRef idx="minor">
-            <a:schemeClr val="tx1"/>
-          </a:fontRef>
-        </p:style>
-      </p:cxnSp>
-      <p:cxnSp>
-        <p:nvCxnSpPr>
-          <p:cNvPr id="5" name="Straight Arrow Connector 4">
-            <a:extLst>
-              <a:ext uri="{FF2B5EF4-FFF2-40B4-BE49-F238E27FC236}">
-                <a16:creationId xmlns:a16="http://schemas.microsoft.com/office/drawing/2014/main" id="{3D26FE52-E803-8498-3780-4B240B9625BE}"/>
-              </a:ext>
-            </a:extLst>
-          </p:cNvPr>
-          <p:cNvCxnSpPr>
-            <a:cxnSpLocks/>
-          </p:cNvCxnSpPr>
-          <p:nvPr/>
-        </p:nvCxnSpPr>
-        <p:spPr>
-          <a:xfrm flipH="1" flipV="1">
-            <a:off x="9700334" y="4783478"/>
-            <a:ext cx="241413" cy="563050"/>
+            <a:off x="9267188" y="4757195"/>
+            <a:ext cx="235178" cy="613872"/>
           </a:xfrm>
           <a:prstGeom prst="straightConnector1">
             <a:avLst/>
@@ -8419,22 +5209,23 @@
       </p:cxnSp>
       <p:cxnSp>
         <p:nvCxnSpPr>
-          <p:cNvPr id="6" name="Straight Arrow Connector 5">
+          <p:cNvPr id="21" name="Straight Arrow Connector 20">
             <a:extLst>
               <a:ext uri="{FF2B5EF4-FFF2-40B4-BE49-F238E27FC236}">
-                <a16:creationId xmlns:a16="http://schemas.microsoft.com/office/drawing/2014/main" id="{58CBA2AE-0D3C-9A49-4AD3-769EDD186BC2}"/>
+                <a16:creationId xmlns:a16="http://schemas.microsoft.com/office/drawing/2014/main" id="{0DAE02B5-5E85-68DA-1CD0-C71E9BBFE3CE}"/>
               </a:ext>
             </a:extLst>
           </p:cNvPr>
           <p:cNvCxnSpPr>
             <a:cxnSpLocks/>
+            <a:stCxn id="43" idx="0"/>
           </p:cNvCxnSpPr>
           <p:nvPr/>
         </p:nvCxnSpPr>
         <p:spPr>
           <a:xfrm flipH="1" flipV="1">
-            <a:off x="8971953" y="4750150"/>
-            <a:ext cx="740019" cy="546509"/>
+            <a:off x="8817744" y="4767432"/>
+            <a:ext cx="334207" cy="603635"/>
           </a:xfrm>
           <a:prstGeom prst="straightConnector1">
             <a:avLst/>
@@ -8461,14 +5252,14 @@
           </a:fontRef>
         </p:style>
       </p:cxnSp>
-      <mc:AlternateContent xmlns:mc="http://schemas.openxmlformats.org/markup-compatibility/2006" xmlns:a14="http://schemas.microsoft.com/office/drawing/2010/main">
-        <mc:Choice Requires="a14">
+      <mc:AlternateContent xmlns:mc="http://schemas.openxmlformats.org/markup-compatibility/2006">
+        <mc:Choice xmlns:a14="http://schemas.microsoft.com/office/drawing/2010/main" Requires="a14">
           <p:sp>
             <p:nvSpPr>
-              <p:cNvPr id="7" name="Oval 6">
+              <p:cNvPr id="22" name="Oval 21">
                 <a:extLst>
                   <a:ext uri="{FF2B5EF4-FFF2-40B4-BE49-F238E27FC236}">
-                    <a16:creationId xmlns:a16="http://schemas.microsoft.com/office/drawing/2014/main" id="{DB1629A7-BAE6-FC1B-FA7F-16439BC5CBF4}"/>
+                    <a16:creationId xmlns:a16="http://schemas.microsoft.com/office/drawing/2014/main" id="{7E6CBC16-7D14-3971-7A9E-208B5CC7C63B}"/>
                   </a:ext>
                 </a:extLst>
               </p:cNvPr>
@@ -8529,13 +5320,13 @@
             </p:txBody>
           </p:sp>
         </mc:Choice>
-        <mc:Fallback xmlns="">
+        <mc:Fallback>
           <p:sp>
             <p:nvSpPr>
-              <p:cNvPr id="7" name="Oval 6">
+              <p:cNvPr id="22" name="Oval 21">
                 <a:extLst>
                   <a:ext uri="{FF2B5EF4-FFF2-40B4-BE49-F238E27FC236}">
-                    <a16:creationId xmlns:a16="http://schemas.microsoft.com/office/drawing/2014/main" id="{DB1629A7-BAE6-FC1B-FA7F-16439BC5CBF4}"/>
+                    <a16:creationId xmlns:a16="http://schemas.microsoft.com/office/drawing/2014/main" id="{7E6CBC16-7D14-3971-7A9E-208B5CC7C63B}"/>
                   </a:ext>
                 </a:extLst>
               </p:cNvPr>
@@ -8553,7 +5344,7 @@
                 <a:avLst/>
               </a:prstGeom>
               <a:blipFill>
-                <a:blip r:embed="rId2"/>
+                <a:blip r:embed="rId12"/>
                 <a:stretch>
                   <a:fillRect l="-38462" t="-10526" b="-39474"/>
                 </a:stretch>
@@ -8576,16 +5367,16 @@
       </mc:AlternateContent>
       <p:cxnSp>
         <p:nvCxnSpPr>
-          <p:cNvPr id="8" name="Straight Arrow Connector 7">
+          <p:cNvPr id="25" name="Straight Arrow Connector 24">
             <a:extLst>
               <a:ext uri="{FF2B5EF4-FFF2-40B4-BE49-F238E27FC236}">
-                <a16:creationId xmlns:a16="http://schemas.microsoft.com/office/drawing/2014/main" id="{50227BCE-51D1-082C-984B-58729E294817}"/>
+                <a16:creationId xmlns:a16="http://schemas.microsoft.com/office/drawing/2014/main" id="{2EB9E373-756A-423E-3361-2441F9B2F024}"/>
               </a:ext>
             </a:extLst>
           </p:cNvPr>
           <p:cNvCxnSpPr>
             <a:cxnSpLocks/>
-            <a:endCxn id="7" idx="4"/>
+            <a:endCxn id="22" idx="4"/>
           </p:cNvCxnSpPr>
           <p:nvPr/>
         </p:nvCxnSpPr>
@@ -8618,16 +5409,16 @@
       </p:cxnSp>
       <p:cxnSp>
         <p:nvCxnSpPr>
-          <p:cNvPr id="9" name="Straight Arrow Connector 8">
+          <p:cNvPr id="41" name="Straight Arrow Connector 40">
             <a:extLst>
               <a:ext uri="{FF2B5EF4-FFF2-40B4-BE49-F238E27FC236}">
-                <a16:creationId xmlns:a16="http://schemas.microsoft.com/office/drawing/2014/main" id="{B2C6E89E-7E21-E9BB-D8E3-4E966FC2D618}"/>
+                <a16:creationId xmlns:a16="http://schemas.microsoft.com/office/drawing/2014/main" id="{70A83701-6455-ABE5-482D-F6667C6D56C7}"/>
               </a:ext>
             </a:extLst>
           </p:cNvPr>
           <p:cNvCxnSpPr>
             <a:cxnSpLocks/>
-            <a:stCxn id="7" idx="0"/>
+            <a:stCxn id="22" idx="0"/>
           </p:cNvCxnSpPr>
           <p:nvPr/>
         </p:nvCxnSpPr>
@@ -8658,14 +5449,14 @@
           </a:fontRef>
         </p:style>
       </p:cxnSp>
-      <mc:AlternateContent xmlns:mc="http://schemas.openxmlformats.org/markup-compatibility/2006" xmlns:a14="http://schemas.microsoft.com/office/drawing/2010/main">
-        <mc:Choice Requires="a14">
+      <mc:AlternateContent xmlns:mc="http://schemas.openxmlformats.org/markup-compatibility/2006">
+        <mc:Choice xmlns:a14="http://schemas.microsoft.com/office/drawing/2010/main" Requires="a14">
           <p:sp>
             <p:nvSpPr>
-              <p:cNvPr id="10" name="TextBox 9">
+              <p:cNvPr id="42" name="TextBox 41">
                 <a:extLst>
                   <a:ext uri="{FF2B5EF4-FFF2-40B4-BE49-F238E27FC236}">
-                    <a16:creationId xmlns:a16="http://schemas.microsoft.com/office/drawing/2014/main" id="{58A60381-4814-61D4-22DE-9E5E64F4A37C}"/>
+                    <a16:creationId xmlns:a16="http://schemas.microsoft.com/office/drawing/2014/main" id="{C215E305-858B-B597-7157-F5E5118ADDC8}"/>
                   </a:ext>
                 </a:extLst>
               </p:cNvPr>
@@ -8743,13 +5534,13 @@
             </p:txBody>
           </p:sp>
         </mc:Choice>
-        <mc:Fallback xmlns="">
+        <mc:Fallback>
           <p:sp>
             <p:nvSpPr>
-              <p:cNvPr id="10" name="TextBox 9">
+              <p:cNvPr id="42" name="TextBox 41">
                 <a:extLst>
                   <a:ext uri="{FF2B5EF4-FFF2-40B4-BE49-F238E27FC236}">
-                    <a16:creationId xmlns:a16="http://schemas.microsoft.com/office/drawing/2014/main" id="{58A60381-4814-61D4-22DE-9E5E64F4A37C}"/>
+                    <a16:creationId xmlns:a16="http://schemas.microsoft.com/office/drawing/2014/main" id="{C215E305-858B-B597-7157-F5E5118ADDC8}"/>
                   </a:ext>
                 </a:extLst>
               </p:cNvPr>
@@ -8767,7 +5558,7 @@
                 <a:avLst/>
               </a:prstGeom>
               <a:blipFill>
-                <a:blip r:embed="rId3"/>
+                <a:blip r:embed="rId13"/>
                 <a:stretch>
                   <a:fillRect l="-7692" r="-7692" b="-7143"/>
                 </a:stretch>
@@ -8788,14 +5579,14 @@
           </p:sp>
         </mc:Fallback>
       </mc:AlternateContent>
-      <mc:AlternateContent xmlns:mc="http://schemas.openxmlformats.org/markup-compatibility/2006" xmlns:a14="http://schemas.microsoft.com/office/drawing/2010/main">
-        <mc:Choice Requires="a14">
+      <mc:AlternateContent xmlns:mc="http://schemas.openxmlformats.org/markup-compatibility/2006">
+        <mc:Choice xmlns:a14="http://schemas.microsoft.com/office/drawing/2010/main" Requires="a14">
           <p:graphicFrame>
             <p:nvGraphicFramePr>
-              <p:cNvPr id="11" name="Table 10">
+              <p:cNvPr id="43" name="Table 42">
                 <a:extLst>
                   <a:ext uri="{FF2B5EF4-FFF2-40B4-BE49-F238E27FC236}">
-                    <a16:creationId xmlns:a16="http://schemas.microsoft.com/office/drawing/2014/main" id="{E7A6D92F-944C-A5C8-BD61-180973F2CFD0}"/>
+                    <a16:creationId xmlns:a16="http://schemas.microsoft.com/office/drawing/2014/main" id="{FAD4850E-66A8-CC17-2478-77F67F9CAD81}"/>
                   </a:ext>
                 </a:extLst>
               </p:cNvPr>
@@ -8805,14 +5596,14 @@
               <p:nvPr>
                 <p:extLst>
                   <p:ext uri="{D42A27DB-BD31-4B8C-83A1-F6EECF244321}">
-                    <p14:modId xmlns:p14="http://schemas.microsoft.com/office/powerpoint/2010/main" val="1752504774"/>
+                    <p14:modId xmlns:p14="http://schemas.microsoft.com/office/powerpoint/2010/main" val="2835110642"/>
                   </p:ext>
                 </p:extLst>
               </p:nvPr>
             </p:nvGraphicFramePr>
             <p:xfrm>
-              <a:off x="8100882" y="5356457"/>
-              <a:ext cx="2124558" cy="707853"/>
+              <a:off x="8790436" y="5371067"/>
+              <a:ext cx="723031" cy="707853"/>
             </p:xfrm>
             <a:graphic>
               <a:graphicData uri="http://schemas.openxmlformats.org/drawingml/2006/table">
@@ -8821,21 +5612,7 @@
                     <a:tableStyleId>{5C22544A-7EE6-4342-B048-85BDC9FD1C3A}</a:tableStyleId>
                   </a:tblPr>
                   <a:tblGrid>
-                    <a:gridCol w="708186">
-                      <a:extLst>
-                        <a:ext uri="{9D8B030D-6E8A-4147-A177-3AD203B41FA5}">
-                          <a16:colId xmlns:a16="http://schemas.microsoft.com/office/drawing/2014/main" val="4002730172"/>
-                        </a:ext>
-                      </a:extLst>
-                    </a:gridCol>
-                    <a:gridCol w="708186">
-                      <a:extLst>
-                        <a:ext uri="{9D8B030D-6E8A-4147-A177-3AD203B41FA5}">
-                          <a16:colId xmlns:a16="http://schemas.microsoft.com/office/drawing/2014/main" val="770359110"/>
-                        </a:ext>
-                      </a:extLst>
-                    </a:gridCol>
-                    <a:gridCol w="708186">
+                    <a:gridCol w="723031">
                       <a:extLst>
                         <a:ext uri="{9D8B030D-6E8A-4147-A177-3AD203B41FA5}">
                           <a16:colId xmlns:a16="http://schemas.microsoft.com/office/drawing/2014/main" val="440623976"/>
@@ -8844,77 +5621,6 @@
                     </a:gridCol>
                   </a:tblGrid>
                   <a:tr h="707853">
-                    <a:tc>
-                      <a:txBody>
-                        <a:bodyPr/>
-                        <a:lstStyle/>
-                        <a:p>
-                          <a:pPr algn="ctr"/>
-                          <a14:m>
-                            <m:oMathPara xmlns:m="http://schemas.openxmlformats.org/officeDocument/2006/math">
-                              <m:oMathParaPr>
-                                <m:jc m:val="centerGroup"/>
-                              </m:oMathParaPr>
-                              <m:oMath xmlns:m="http://schemas.openxmlformats.org/officeDocument/2006/math">
-                                <m:r>
-                                  <a:rPr lang="en-US" sz="2400" b="0" i="0" dirty="0" smtClean="0">
-                                    <a:solidFill>
-                                      <a:schemeClr val="tx1"/>
-                                    </a:solidFill>
-                                    <a:latin typeface="Cambria Math" panose="02040503050406030204" pitchFamily="18" charset="0"/>
-                                  </a:rPr>
-                                  <m:t>1</m:t>
-                                </m:r>
-                              </m:oMath>
-                            </m:oMathPara>
-                          </a14:m>
-                          <a:endParaRPr lang="en-US" sz="2400" b="0" i="0" dirty="0">
-                            <a:solidFill>
-                              <a:schemeClr val="tx1"/>
-                            </a:solidFill>
-                          </a:endParaRPr>
-                        </a:p>
-                      </a:txBody>
-                      <a:tcPr anchor="ctr">
-                        <a:lnL w="38100" cap="flat" cmpd="sng" algn="ctr">
-                          <a:solidFill>
-                            <a:schemeClr val="tx1"/>
-                          </a:solidFill>
-                          <a:prstDash val="solid"/>
-                          <a:round/>
-                          <a:headEnd type="none" w="med" len="med"/>
-                          <a:tailEnd type="none" w="med" len="med"/>
-                        </a:lnL>
-                        <a:lnR w="38100" cap="flat" cmpd="sng" algn="ctr">
-                          <a:solidFill>
-                            <a:schemeClr val="tx1"/>
-                          </a:solidFill>
-                          <a:prstDash val="solid"/>
-                          <a:round/>
-                          <a:headEnd type="none" w="med" len="med"/>
-                          <a:tailEnd type="none" w="med" len="med"/>
-                        </a:lnR>
-                        <a:lnT w="38100" cap="flat" cmpd="sng" algn="ctr">
-                          <a:solidFill>
-                            <a:schemeClr val="tx1"/>
-                          </a:solidFill>
-                          <a:prstDash val="solid"/>
-                          <a:round/>
-                          <a:headEnd type="none" w="med" len="med"/>
-                          <a:tailEnd type="none" w="med" len="med"/>
-                        </a:lnT>
-                        <a:lnB w="38100" cap="flat" cmpd="sng" algn="ctr">
-                          <a:solidFill>
-                            <a:schemeClr val="tx1"/>
-                          </a:solidFill>
-                          <a:prstDash val="solid"/>
-                          <a:round/>
-                          <a:headEnd type="none" w="med" len="med"/>
-                          <a:tailEnd type="none" w="med" len="med"/>
-                        </a:lnB>
-                        <a:noFill/>
-                      </a:tcPr>
-                    </a:tc>
                     <a:tc>
                       <a:txBody>
                         <a:bodyPr/>
@@ -9011,102 +5717,6 @@
                         <a:noFill/>
                       </a:tcPr>
                     </a:tc>
-                    <a:tc>
-                      <a:txBody>
-                        <a:bodyPr/>
-                        <a:lstStyle/>
-                        <a:p>
-                          <a:pPr algn="ctr"/>
-                          <a14:m>
-                            <m:oMathPara xmlns:m="http://schemas.openxmlformats.org/officeDocument/2006/math">
-                              <m:oMathParaPr>
-                                <m:jc m:val="centerGroup"/>
-                              </m:oMathParaPr>
-                              <m:oMath xmlns:m="http://schemas.openxmlformats.org/officeDocument/2006/math">
-                                <m:sSub>
-                                  <m:sSubPr>
-                                    <m:ctrlPr>
-                                      <a:rPr lang="en-US" sz="2400" b="0" i="1" dirty="0" smtClean="0">
-                                        <a:solidFill>
-                                          <a:schemeClr val="tx1"/>
-                                        </a:solidFill>
-                                        <a:latin typeface="Cambria Math" panose="02040503050406030204" pitchFamily="18" charset="0"/>
-                                      </a:rPr>
-                                    </m:ctrlPr>
-                                  </m:sSubPr>
-                                  <m:e>
-                                    <m:r>
-                                      <a:rPr lang="en-US" sz="2400" b="0" i="1" dirty="0" smtClean="0">
-                                        <a:solidFill>
-                                          <a:schemeClr val="tx1"/>
-                                        </a:solidFill>
-                                        <a:latin typeface="Cambria Math" panose="02040503050406030204" pitchFamily="18" charset="0"/>
-                                      </a:rPr>
-                                      <m:t>𝑥</m:t>
-                                    </m:r>
-                                  </m:e>
-                                  <m:sub>
-                                    <m:r>
-                                      <a:rPr lang="en-US" sz="2400" b="0" i="1" dirty="0" smtClean="0">
-                                        <a:solidFill>
-                                          <a:schemeClr val="tx1"/>
-                                        </a:solidFill>
-                                        <a:latin typeface="Cambria Math" panose="02040503050406030204" pitchFamily="18" charset="0"/>
-                                      </a:rPr>
-                                      <m:t>2</m:t>
-                                    </m:r>
-                                  </m:sub>
-                                </m:sSub>
-                              </m:oMath>
-                            </m:oMathPara>
-                          </a14:m>
-                          <a:endParaRPr lang="en-US" sz="2400" b="0" i="0" dirty="0">
-                            <a:solidFill>
-                              <a:schemeClr val="tx1"/>
-                            </a:solidFill>
-                          </a:endParaRPr>
-                        </a:p>
-                      </a:txBody>
-                      <a:tcPr anchor="ctr">
-                        <a:lnL w="38100" cap="flat" cmpd="sng" algn="ctr">
-                          <a:solidFill>
-                            <a:schemeClr val="tx1"/>
-                          </a:solidFill>
-                          <a:prstDash val="solid"/>
-                          <a:round/>
-                          <a:headEnd type="none" w="med" len="med"/>
-                          <a:tailEnd type="none" w="med" len="med"/>
-                        </a:lnL>
-                        <a:lnR w="38100" cap="flat" cmpd="sng" algn="ctr">
-                          <a:solidFill>
-                            <a:schemeClr val="tx1"/>
-                          </a:solidFill>
-                          <a:prstDash val="solid"/>
-                          <a:round/>
-                          <a:headEnd type="none" w="med" len="med"/>
-                          <a:tailEnd type="none" w="med" len="med"/>
-                        </a:lnR>
-                        <a:lnT w="38100" cap="flat" cmpd="sng" algn="ctr">
-                          <a:solidFill>
-                            <a:schemeClr val="tx1"/>
-                          </a:solidFill>
-                          <a:prstDash val="solid"/>
-                          <a:round/>
-                          <a:headEnd type="none" w="med" len="med"/>
-                          <a:tailEnd type="none" w="med" len="med"/>
-                        </a:lnT>
-                        <a:lnB w="38100" cap="flat" cmpd="sng" algn="ctr">
-                          <a:solidFill>
-                            <a:schemeClr val="tx1"/>
-                          </a:solidFill>
-                          <a:prstDash val="solid"/>
-                          <a:round/>
-                          <a:headEnd type="none" w="med" len="med"/>
-                          <a:tailEnd type="none" w="med" len="med"/>
-                        </a:lnB>
-                        <a:noFill/>
-                      </a:tcPr>
-                    </a:tc>
                     <a:extLst>
                       <a:ext uri="{0D108BD9-81ED-4DB2-BD59-A6C34878D82A}">
                         <a16:rowId xmlns:a16="http://schemas.microsoft.com/office/drawing/2014/main" val="3775152605"/>
@@ -9118,13 +5728,13 @@
             </a:graphic>
           </p:graphicFrame>
         </mc:Choice>
-        <mc:Fallback xmlns="">
+        <mc:Fallback>
           <p:graphicFrame>
             <p:nvGraphicFramePr>
-              <p:cNvPr id="11" name="Table 10">
+              <p:cNvPr id="43" name="Table 42">
                 <a:extLst>
                   <a:ext uri="{FF2B5EF4-FFF2-40B4-BE49-F238E27FC236}">
-                    <a16:creationId xmlns:a16="http://schemas.microsoft.com/office/drawing/2014/main" id="{E7A6D92F-944C-A5C8-BD61-180973F2CFD0}"/>
+                    <a16:creationId xmlns:a16="http://schemas.microsoft.com/office/drawing/2014/main" id="{FAD4850E-66A8-CC17-2478-77F67F9CAD81}"/>
                   </a:ext>
                 </a:extLst>
               </p:cNvPr>
@@ -9134,14 +5744,14 @@
               <p:nvPr>
                 <p:extLst>
                   <p:ext uri="{D42A27DB-BD31-4B8C-83A1-F6EECF244321}">
-                    <p14:modId xmlns:p14="http://schemas.microsoft.com/office/powerpoint/2010/main" val="1752504774"/>
+                    <p14:modId xmlns:p14="http://schemas.microsoft.com/office/powerpoint/2010/main" val="2835110642"/>
                   </p:ext>
                 </p:extLst>
               </p:nvPr>
             </p:nvGraphicFramePr>
             <p:xfrm>
-              <a:off x="8100882" y="5356457"/>
-              <a:ext cx="2124558" cy="707853"/>
+              <a:off x="8790436" y="5371067"/>
+              <a:ext cx="723031" cy="707853"/>
             </p:xfrm>
             <a:graphic>
               <a:graphicData uri="http://schemas.openxmlformats.org/drawingml/2006/table">
@@ -9150,21 +5760,7 @@
                     <a:tableStyleId>{5C22544A-7EE6-4342-B048-85BDC9FD1C3A}</a:tableStyleId>
                   </a:tblPr>
                   <a:tblGrid>
-                    <a:gridCol w="708186">
-                      <a:extLst>
-                        <a:ext uri="{9D8B030D-6E8A-4147-A177-3AD203B41FA5}">
-                          <a16:colId xmlns:a16="http://schemas.microsoft.com/office/drawing/2014/main" val="4002730172"/>
-                        </a:ext>
-                      </a:extLst>
-                    </a:gridCol>
-                    <a:gridCol w="708186">
-                      <a:extLst>
-                        <a:ext uri="{9D8B030D-6E8A-4147-A177-3AD203B41FA5}">
-                          <a16:colId xmlns:a16="http://schemas.microsoft.com/office/drawing/2014/main" val="770359110"/>
-                        </a:ext>
-                      </a:extLst>
-                    </a:gridCol>
-                    <a:gridCol w="708186">
+                    <a:gridCol w="723031">
                       <a:extLst>
                         <a:ext uri="{9D8B030D-6E8A-4147-A177-3AD203B41FA5}">
                           <a16:colId xmlns:a16="http://schemas.microsoft.com/office/drawing/2014/main" val="440623976"/>
@@ -9219,115 +5815,9 @@
                           <a:tailEnd type="none" w="med" len="med"/>
                         </a:lnB>
                         <a:blipFill>
-                          <a:blip r:embed="rId4"/>
+                          <a:blip r:embed="rId14"/>
                           <a:stretch>
-                            <a:fillRect l="-1786" t="-1754" r="-207143" b="-5263"/>
-                          </a:stretch>
-                        </a:blipFill>
-                      </a:tcPr>
-                    </a:tc>
-                    <a:tc>
-                      <a:txBody>
-                        <a:bodyPr/>
-                        <a:lstStyle/>
-                        <a:p>
-                          <a:endParaRPr lang="en-US"/>
-                        </a:p>
-                      </a:txBody>
-                      <a:tcPr anchor="ctr">
-                        <a:lnL w="38100" cap="flat" cmpd="sng" algn="ctr">
-                          <a:solidFill>
-                            <a:schemeClr val="tx1"/>
-                          </a:solidFill>
-                          <a:prstDash val="solid"/>
-                          <a:round/>
-                          <a:headEnd type="none" w="med" len="med"/>
-                          <a:tailEnd type="none" w="med" len="med"/>
-                        </a:lnL>
-                        <a:lnR w="38100" cap="flat" cmpd="sng" algn="ctr">
-                          <a:solidFill>
-                            <a:schemeClr val="tx1"/>
-                          </a:solidFill>
-                          <a:prstDash val="solid"/>
-                          <a:round/>
-                          <a:headEnd type="none" w="med" len="med"/>
-                          <a:tailEnd type="none" w="med" len="med"/>
-                        </a:lnR>
-                        <a:lnT w="38100" cap="flat" cmpd="sng" algn="ctr">
-                          <a:solidFill>
-                            <a:schemeClr val="tx1"/>
-                          </a:solidFill>
-                          <a:prstDash val="solid"/>
-                          <a:round/>
-                          <a:headEnd type="none" w="med" len="med"/>
-                          <a:tailEnd type="none" w="med" len="med"/>
-                        </a:lnT>
-                        <a:lnB w="38100" cap="flat" cmpd="sng" algn="ctr">
-                          <a:solidFill>
-                            <a:schemeClr val="tx1"/>
-                          </a:solidFill>
-                          <a:prstDash val="solid"/>
-                          <a:round/>
-                          <a:headEnd type="none" w="med" len="med"/>
-                          <a:tailEnd type="none" w="med" len="med"/>
-                        </a:lnB>
-                        <a:blipFill>
-                          <a:blip r:embed="rId4"/>
-                          <a:stretch>
-                            <a:fillRect l="-100000" t="-1754" r="-103509" b="-5263"/>
-                          </a:stretch>
-                        </a:blipFill>
-                      </a:tcPr>
-                    </a:tc>
-                    <a:tc>
-                      <a:txBody>
-                        <a:bodyPr/>
-                        <a:lstStyle/>
-                        <a:p>
-                          <a:endParaRPr lang="en-US"/>
-                        </a:p>
-                      </a:txBody>
-                      <a:tcPr anchor="ctr">
-                        <a:lnL w="38100" cap="flat" cmpd="sng" algn="ctr">
-                          <a:solidFill>
-                            <a:schemeClr val="tx1"/>
-                          </a:solidFill>
-                          <a:prstDash val="solid"/>
-                          <a:round/>
-                          <a:headEnd type="none" w="med" len="med"/>
-                          <a:tailEnd type="none" w="med" len="med"/>
-                        </a:lnL>
-                        <a:lnR w="38100" cap="flat" cmpd="sng" algn="ctr">
-                          <a:solidFill>
-                            <a:schemeClr val="tx1"/>
-                          </a:solidFill>
-                          <a:prstDash val="solid"/>
-                          <a:round/>
-                          <a:headEnd type="none" w="med" len="med"/>
-                          <a:tailEnd type="none" w="med" len="med"/>
-                        </a:lnR>
-                        <a:lnT w="38100" cap="flat" cmpd="sng" algn="ctr">
-                          <a:solidFill>
-                            <a:schemeClr val="tx1"/>
-                          </a:solidFill>
-                          <a:prstDash val="solid"/>
-                          <a:round/>
-                          <a:headEnd type="none" w="med" len="med"/>
-                          <a:tailEnd type="none" w="med" len="med"/>
-                        </a:lnT>
-                        <a:lnB w="38100" cap="flat" cmpd="sng" algn="ctr">
-                          <a:solidFill>
-                            <a:schemeClr val="tx1"/>
-                          </a:solidFill>
-                          <a:prstDash val="solid"/>
-                          <a:round/>
-                          <a:headEnd type="none" w="med" len="med"/>
-                          <a:tailEnd type="none" w="med" len="med"/>
-                        </a:lnB>
-                        <a:blipFill>
-                          <a:blip r:embed="rId4"/>
-                          <a:stretch>
-                            <a:fillRect l="-203571" t="-1754" r="-5357" b="-5263"/>
+                            <a:fillRect l="-3448" t="-3509" r="-5172" b="-5263"/>
                           </a:stretch>
                         </a:blipFill>
                       </a:tcPr>
@@ -9344,86 +5834,14 @@
           </p:graphicFrame>
         </mc:Fallback>
       </mc:AlternateContent>
-      <p:sp>
-        <p:nvSpPr>
-          <p:cNvPr id="13" name="TextBox 12">
-            <a:extLst>
-              <a:ext uri="{FF2B5EF4-FFF2-40B4-BE49-F238E27FC236}">
-                <a16:creationId xmlns:a16="http://schemas.microsoft.com/office/drawing/2014/main" id="{93454A4A-3CAD-BD70-E7BC-3126CBF14164}"/>
-              </a:ext>
-            </a:extLst>
-          </p:cNvPr>
-          <p:cNvSpPr txBox="1"/>
-          <p:nvPr/>
-        </p:nvSpPr>
-        <p:spPr>
-          <a:xfrm rot="18054908">
-            <a:off x="9082265" y="6452217"/>
-            <a:ext cx="1090081" cy="307777"/>
-          </a:xfrm>
-          <a:prstGeom prst="rect">
-            <a:avLst/>
-          </a:prstGeom>
-          <a:noFill/>
-        </p:spPr>
-        <p:txBody>
-          <a:bodyPr wrap="square" rtlCol="0">
-            <a:spAutoFit/>
-          </a:bodyPr>
-          <a:lstStyle/>
-          <a:p>
-            <a:pPr algn="r"/>
-            <a:r>
-              <a:rPr lang="en-US" sz="1400" dirty="0"/>
-              <a:t>Sex</a:t>
-            </a:r>
-          </a:p>
-        </p:txBody>
-      </p:sp>
-      <p:sp>
-        <p:nvSpPr>
-          <p:cNvPr id="14" name="TextBox 13">
-            <a:extLst>
-              <a:ext uri="{FF2B5EF4-FFF2-40B4-BE49-F238E27FC236}">
-                <a16:creationId xmlns:a16="http://schemas.microsoft.com/office/drawing/2014/main" id="{CBF4A3F7-1B83-B7D3-D88C-FF9965F38B5C}"/>
-              </a:ext>
-            </a:extLst>
-          </p:cNvPr>
-          <p:cNvSpPr txBox="1"/>
-          <p:nvPr/>
-        </p:nvSpPr>
-        <p:spPr>
-          <a:xfrm rot="18054908">
-            <a:off x="7594619" y="6459483"/>
-            <a:ext cx="1204786" cy="307777"/>
-          </a:xfrm>
-          <a:prstGeom prst="rect">
-            <a:avLst/>
-          </a:prstGeom>
-          <a:noFill/>
-        </p:spPr>
-        <p:txBody>
-          <a:bodyPr wrap="square" rtlCol="0">
-            <a:spAutoFit/>
-          </a:bodyPr>
-          <a:lstStyle/>
-          <a:p>
-            <a:pPr algn="r"/>
-            <a:r>
-              <a:rPr lang="en-US" sz="1400" dirty="0"/>
-              <a:t>Intercept</a:t>
-            </a:r>
-          </a:p>
-        </p:txBody>
-      </p:sp>
-      <mc:AlternateContent xmlns:mc="http://schemas.openxmlformats.org/markup-compatibility/2006" xmlns:a14="http://schemas.microsoft.com/office/drawing/2010/main">
-        <mc:Choice Requires="a14">
+      <mc:AlternateContent xmlns:mc="http://schemas.openxmlformats.org/markup-compatibility/2006">
+        <mc:Choice xmlns:a14="http://schemas.microsoft.com/office/drawing/2010/main" Requires="a14">
           <p:sp>
             <p:nvSpPr>
-              <p:cNvPr id="16" name="TextBox 15">
+              <p:cNvPr id="44" name="TextBox 43">
                 <a:extLst>
                   <a:ext uri="{FF2B5EF4-FFF2-40B4-BE49-F238E27FC236}">
-                    <a16:creationId xmlns:a16="http://schemas.microsoft.com/office/drawing/2014/main" id="{A52181D1-0D72-583B-D320-70DFB677252B}"/>
+                    <a16:creationId xmlns:a16="http://schemas.microsoft.com/office/drawing/2014/main" id="{5763E65E-9393-7579-F8E7-42AB4B7B01F5}"/>
                   </a:ext>
                 </a:extLst>
               </p:cNvPr>
@@ -9513,13 +5931,13 @@
             </p:txBody>
           </p:sp>
         </mc:Choice>
-        <mc:Fallback xmlns="">
+        <mc:Fallback>
           <p:sp>
             <p:nvSpPr>
-              <p:cNvPr id="16" name="TextBox 15">
+              <p:cNvPr id="44" name="TextBox 43">
                 <a:extLst>
                   <a:ext uri="{FF2B5EF4-FFF2-40B4-BE49-F238E27FC236}">
-                    <a16:creationId xmlns:a16="http://schemas.microsoft.com/office/drawing/2014/main" id="{A52181D1-0D72-583B-D320-70DFB677252B}"/>
+                    <a16:creationId xmlns:a16="http://schemas.microsoft.com/office/drawing/2014/main" id="{5763E65E-9393-7579-F8E7-42AB4B7B01F5}"/>
                   </a:ext>
                 </a:extLst>
               </p:cNvPr>
@@ -9537,7 +5955,7 @@
                 <a:avLst/>
               </a:prstGeom>
               <a:blipFill>
-                <a:blip r:embed="rId5"/>
+                <a:blip r:embed="rId15"/>
                 <a:stretch>
                   <a:fillRect b="-15625"/>
                 </a:stretch>
@@ -9558,14 +5976,14 @@
           </p:sp>
         </mc:Fallback>
       </mc:AlternateContent>
-      <mc:AlternateContent xmlns:mc="http://schemas.openxmlformats.org/markup-compatibility/2006" xmlns:a14="http://schemas.microsoft.com/office/drawing/2010/main">
-        <mc:Choice Requires="a14">
+      <mc:AlternateContent xmlns:mc="http://schemas.openxmlformats.org/markup-compatibility/2006">
+        <mc:Choice xmlns:a14="http://schemas.microsoft.com/office/drawing/2010/main" Requires="a14">
           <p:sp>
             <p:nvSpPr>
-              <p:cNvPr id="17" name="TextBox 16">
+              <p:cNvPr id="45" name="TextBox 44">
                 <a:extLst>
                   <a:ext uri="{FF2B5EF4-FFF2-40B4-BE49-F238E27FC236}">
-                    <a16:creationId xmlns:a16="http://schemas.microsoft.com/office/drawing/2014/main" id="{CCA6CBCF-A601-FBCC-8EFC-363CF54A70DB}"/>
+                    <a16:creationId xmlns:a16="http://schemas.microsoft.com/office/drawing/2014/main" id="{0BF101F7-027B-0726-DE45-CDDCFCF07D27}"/>
                   </a:ext>
                 </a:extLst>
               </p:cNvPr>
@@ -9643,13 +6061,13 @@
             </p:txBody>
           </p:sp>
         </mc:Choice>
-        <mc:Fallback xmlns="">
+        <mc:Fallback>
           <p:sp>
             <p:nvSpPr>
-              <p:cNvPr id="17" name="TextBox 16">
+              <p:cNvPr id="45" name="TextBox 44">
                 <a:extLst>
                   <a:ext uri="{FF2B5EF4-FFF2-40B4-BE49-F238E27FC236}">
-                    <a16:creationId xmlns:a16="http://schemas.microsoft.com/office/drawing/2014/main" id="{CCA6CBCF-A601-FBCC-8EFC-363CF54A70DB}"/>
+                    <a16:creationId xmlns:a16="http://schemas.microsoft.com/office/drawing/2014/main" id="{0BF101F7-027B-0726-DE45-CDDCFCF07D27}"/>
                   </a:ext>
                 </a:extLst>
               </p:cNvPr>
@@ -9667,7 +6085,7 @@
                 <a:avLst/>
               </a:prstGeom>
               <a:blipFill>
-                <a:blip r:embed="rId6"/>
+                <a:blip r:embed="rId16"/>
                 <a:stretch>
                   <a:fillRect l="-7692" r="-7692" b="-7143"/>
                 </a:stretch>
@@ -9688,14 +6106,14 @@
           </p:sp>
         </mc:Fallback>
       </mc:AlternateContent>
-      <mc:AlternateContent xmlns:mc="http://schemas.openxmlformats.org/markup-compatibility/2006" xmlns:a14="http://schemas.microsoft.com/office/drawing/2010/main">
-        <mc:Choice Requires="a14">
+      <mc:AlternateContent xmlns:mc="http://schemas.openxmlformats.org/markup-compatibility/2006">
+        <mc:Choice xmlns:a14="http://schemas.microsoft.com/office/drawing/2010/main" Requires="a14">
           <p:sp>
             <p:nvSpPr>
-              <p:cNvPr id="18" name="Oval 17">
+              <p:cNvPr id="46" name="Oval 45">
                 <a:extLst>
                   <a:ext uri="{FF2B5EF4-FFF2-40B4-BE49-F238E27FC236}">
-                    <a16:creationId xmlns:a16="http://schemas.microsoft.com/office/drawing/2014/main" id="{77EFB7EE-ABAB-4194-43A6-F8EC26FCA607}"/>
+                    <a16:creationId xmlns:a16="http://schemas.microsoft.com/office/drawing/2014/main" id="{897F64C7-A138-ACE2-C86D-75D1DECF38B2}"/>
                   </a:ext>
                 </a:extLst>
               </p:cNvPr>
@@ -9756,13 +6174,13 @@
             </p:txBody>
           </p:sp>
         </mc:Choice>
-        <mc:Fallback xmlns="">
+        <mc:Fallback>
           <p:sp>
             <p:nvSpPr>
-              <p:cNvPr id="18" name="Oval 17">
+              <p:cNvPr id="46" name="Oval 45">
                 <a:extLst>
                   <a:ext uri="{FF2B5EF4-FFF2-40B4-BE49-F238E27FC236}">
-                    <a16:creationId xmlns:a16="http://schemas.microsoft.com/office/drawing/2014/main" id="{77EFB7EE-ABAB-4194-43A6-F8EC26FCA607}"/>
+                    <a16:creationId xmlns:a16="http://schemas.microsoft.com/office/drawing/2014/main" id="{897F64C7-A138-ACE2-C86D-75D1DECF38B2}"/>
                   </a:ext>
                 </a:extLst>
               </p:cNvPr>
@@ -9780,7 +6198,7 @@
                 <a:avLst/>
               </a:prstGeom>
               <a:blipFill>
-                <a:blip r:embed="rId7"/>
+                <a:blip r:embed="rId17"/>
                 <a:stretch>
                   <a:fillRect l="-35897" t="-10526" b="-39474"/>
                 </a:stretch>
@@ -9803,16 +6221,16 @@
       </mc:AlternateContent>
       <p:cxnSp>
         <p:nvCxnSpPr>
-          <p:cNvPr id="19" name="Straight Arrow Connector 18">
+          <p:cNvPr id="47" name="Straight Arrow Connector 46">
             <a:extLst>
               <a:ext uri="{FF2B5EF4-FFF2-40B4-BE49-F238E27FC236}">
-                <a16:creationId xmlns:a16="http://schemas.microsoft.com/office/drawing/2014/main" id="{E254828A-A067-C152-E0D9-040338702579}"/>
+                <a16:creationId xmlns:a16="http://schemas.microsoft.com/office/drawing/2014/main" id="{2AE0C496-888D-65A7-C0BC-34B370B05CB5}"/>
               </a:ext>
             </a:extLst>
           </p:cNvPr>
           <p:cNvCxnSpPr>
             <a:cxnSpLocks/>
-            <a:endCxn id="18" idx="4"/>
+            <a:endCxn id="46" idx="4"/>
           </p:cNvCxnSpPr>
           <p:nvPr/>
         </p:nvCxnSpPr>
@@ -9845,16 +6263,16 @@
       </p:cxnSp>
       <p:cxnSp>
         <p:nvCxnSpPr>
-          <p:cNvPr id="20" name="Straight Arrow Connector 19">
+          <p:cNvPr id="48" name="Straight Arrow Connector 47">
             <a:extLst>
               <a:ext uri="{FF2B5EF4-FFF2-40B4-BE49-F238E27FC236}">
-                <a16:creationId xmlns:a16="http://schemas.microsoft.com/office/drawing/2014/main" id="{3A0F0DDD-461D-B97B-F83D-05E714629D53}"/>
+                <a16:creationId xmlns:a16="http://schemas.microsoft.com/office/drawing/2014/main" id="{1B012D73-91A7-0B4A-3B03-AC5666D8FADD}"/>
               </a:ext>
             </a:extLst>
           </p:cNvPr>
           <p:cNvCxnSpPr>
             <a:cxnSpLocks/>
-            <a:stCxn id="18" idx="0"/>
+            <a:stCxn id="46" idx="0"/>
           </p:cNvCxnSpPr>
           <p:nvPr/>
         </p:nvCxnSpPr>
@@ -9885,60 +6303,25 @@
           </a:fontRef>
         </p:style>
       </p:cxnSp>
-      <p:cxnSp>
-        <p:nvCxnSpPr>
-          <p:cNvPr id="23" name="Straight Arrow Connector 22">
+      <p:graphicFrame>
+        <p:nvGraphicFramePr>
+          <p:cNvPr id="49" name="Table 48">
             <a:extLst>
               <a:ext uri="{FF2B5EF4-FFF2-40B4-BE49-F238E27FC236}">
-                <a16:creationId xmlns:a16="http://schemas.microsoft.com/office/drawing/2014/main" id="{A76397B2-1C3B-09C2-B0D2-58544F8697C0}"/>
-              </a:ext>
-            </a:extLst>
-          </p:cNvPr>
-          <p:cNvCxnSpPr>
-            <a:cxnSpLocks/>
-          </p:cNvCxnSpPr>
-          <p:nvPr/>
-        </p:nvCxnSpPr>
-        <p:spPr>
-          <a:xfrm flipV="1">
-            <a:off x="8549023" y="4740414"/>
-            <a:ext cx="815556" cy="606114"/>
-          </a:xfrm>
-          <a:prstGeom prst="straightConnector1">
-            <a:avLst/>
-          </a:prstGeom>
-          <a:ln>
-            <a:tailEnd type="triangle"/>
-          </a:ln>
-        </p:spPr>
-        <p:style>
-          <a:lnRef idx="2">
-            <a:schemeClr val="dk1"/>
-          </a:lnRef>
-          <a:fillRef idx="0">
-            <a:schemeClr val="dk1"/>
-          </a:fillRef>
-          <a:effectRef idx="1">
-            <a:schemeClr val="dk1"/>
-          </a:effectRef>
-          <a:fontRef idx="minor">
-            <a:schemeClr val="tx1"/>
-          </a:fontRef>
-        </p:style>
-      </p:cxnSp>
-      <p:graphicFrame>
-        <p:nvGraphicFramePr>
-          <p:cNvPr id="24" name="Table 23">
-            <a:extLst>
-              <a:ext uri="{FF2B5EF4-FFF2-40B4-BE49-F238E27FC236}">
-                <a16:creationId xmlns:a16="http://schemas.microsoft.com/office/drawing/2014/main" id="{AF961BA3-267D-79E1-BADB-487F68F10008}"/>
+                <a16:creationId xmlns:a16="http://schemas.microsoft.com/office/drawing/2014/main" id="{53815329-0FAF-D665-3FB0-DCF8818ABBFD}"/>
               </a:ext>
             </a:extLst>
           </p:cNvPr>
           <p:cNvGraphicFramePr>
             <a:graphicFrameLocks noGrp="1"/>
           </p:cNvGraphicFramePr>
-          <p:nvPr/>
+          <p:nvPr>
+            <p:extLst>
+              <p:ext uri="{D42A27DB-BD31-4B8C-83A1-F6EECF244321}">
+                <p14:modId xmlns:p14="http://schemas.microsoft.com/office/powerpoint/2010/main" val="956778501"/>
+              </p:ext>
+            </p:extLst>
+          </p:nvPr>
         </p:nvGraphicFramePr>
         <p:xfrm>
           <a:off x="8457317" y="2673703"/>
@@ -10075,10 +6458,10 @@
       </p:graphicFrame>
       <p:cxnSp>
         <p:nvCxnSpPr>
-          <p:cNvPr id="26" name="Straight Arrow Connector 25">
+          <p:cNvPr id="50" name="Straight Arrow Connector 49">
             <a:extLst>
               <a:ext uri="{FF2B5EF4-FFF2-40B4-BE49-F238E27FC236}">
-                <a16:creationId xmlns:a16="http://schemas.microsoft.com/office/drawing/2014/main" id="{7613A022-AE9A-FB05-A842-C6360739FCF5}"/>
+                <a16:creationId xmlns:a16="http://schemas.microsoft.com/office/drawing/2014/main" id="{8CBB0A5D-DA61-97A2-504B-C81E51D28F7D}"/>
               </a:ext>
             </a:extLst>
           </p:cNvPr>
@@ -10119,17 +6502,23 @@
       </p:cxnSp>
       <p:graphicFrame>
         <p:nvGraphicFramePr>
-          <p:cNvPr id="27" name="Table 26">
+          <p:cNvPr id="51" name="Table 50">
             <a:extLst>
               <a:ext uri="{FF2B5EF4-FFF2-40B4-BE49-F238E27FC236}">
-                <a16:creationId xmlns:a16="http://schemas.microsoft.com/office/drawing/2014/main" id="{95164B9D-299A-97C3-EAE4-35FA7CF9451D}"/>
+                <a16:creationId xmlns:a16="http://schemas.microsoft.com/office/drawing/2014/main" id="{27CA1CF7-69F8-67F9-4854-877A755D16E7}"/>
               </a:ext>
             </a:extLst>
           </p:cNvPr>
           <p:cNvGraphicFramePr>
             <a:graphicFrameLocks noGrp="1"/>
           </p:cNvGraphicFramePr>
-          <p:nvPr/>
+          <p:nvPr>
+            <p:extLst>
+              <p:ext uri="{D42A27DB-BD31-4B8C-83A1-F6EECF244321}">
+                <p14:modId xmlns:p14="http://schemas.microsoft.com/office/powerpoint/2010/main" val="1009564214"/>
+              </p:ext>
+            </p:extLst>
+          </p:nvPr>
         </p:nvGraphicFramePr>
         <p:xfrm>
           <a:off x="8806247" y="1749912"/>
@@ -10209,14 +6598,14 @@
           </a:graphicData>
         </a:graphic>
       </p:graphicFrame>
-      <mc:AlternateContent xmlns:mc="http://schemas.openxmlformats.org/markup-compatibility/2006" xmlns:a14="http://schemas.microsoft.com/office/drawing/2010/main">
-        <mc:Choice Requires="a14">
+      <mc:AlternateContent xmlns:mc="http://schemas.openxmlformats.org/markup-compatibility/2006">
+        <mc:Choice xmlns:a14="http://schemas.microsoft.com/office/drawing/2010/main" Requires="a14">
           <p:sp>
             <p:nvSpPr>
-              <p:cNvPr id="28" name="TextBox 27">
+              <p:cNvPr id="52" name="TextBox 51">
                 <a:extLst>
                   <a:ext uri="{FF2B5EF4-FFF2-40B4-BE49-F238E27FC236}">
-                    <a16:creationId xmlns:a16="http://schemas.microsoft.com/office/drawing/2014/main" id="{2DFA40E5-A991-A70F-FBA3-283FDA339CE6}"/>
+                    <a16:creationId xmlns:a16="http://schemas.microsoft.com/office/drawing/2014/main" id="{28066E56-4B9B-C44B-50D1-45E0937417CD}"/>
                   </a:ext>
                 </a:extLst>
               </p:cNvPr>
@@ -10270,13 +6659,13 @@
             </p:txBody>
           </p:sp>
         </mc:Choice>
-        <mc:Fallback xmlns="">
+        <mc:Fallback>
           <p:sp>
             <p:nvSpPr>
-              <p:cNvPr id="28" name="TextBox 27">
+              <p:cNvPr id="52" name="TextBox 51">
                 <a:extLst>
                   <a:ext uri="{FF2B5EF4-FFF2-40B4-BE49-F238E27FC236}">
-                    <a16:creationId xmlns:a16="http://schemas.microsoft.com/office/drawing/2014/main" id="{2DFA40E5-A991-A70F-FBA3-283FDA339CE6}"/>
+                    <a16:creationId xmlns:a16="http://schemas.microsoft.com/office/drawing/2014/main" id="{28066E56-4B9B-C44B-50D1-45E0937417CD}"/>
                   </a:ext>
                 </a:extLst>
               </p:cNvPr>
@@ -10294,7 +6683,7 @@
                 <a:avLst/>
               </a:prstGeom>
               <a:blipFill>
-                <a:blip r:embed="rId8"/>
+                <a:blip r:embed="rId18"/>
                 <a:stretch>
                   <a:fillRect/>
                 </a:stretch>
@@ -10317,10 +6706,10 @@
       </mc:AlternateContent>
       <p:cxnSp>
         <p:nvCxnSpPr>
-          <p:cNvPr id="29" name="Straight Arrow Connector 28">
+          <p:cNvPr id="53" name="Straight Arrow Connector 52">
             <a:extLst>
               <a:ext uri="{FF2B5EF4-FFF2-40B4-BE49-F238E27FC236}">
-                <a16:creationId xmlns:a16="http://schemas.microsoft.com/office/drawing/2014/main" id="{AF132B7B-C966-792E-78B8-CBDEC714FF04}"/>
+                <a16:creationId xmlns:a16="http://schemas.microsoft.com/office/drawing/2014/main" id="{2047A3D5-FC8A-EBF5-DF66-3BF9D8BB364E}"/>
               </a:ext>
             </a:extLst>
           </p:cNvPr>
@@ -10359,14 +6748,14 @@
           </a:fontRef>
         </p:style>
       </p:cxnSp>
-      <mc:AlternateContent xmlns:mc="http://schemas.openxmlformats.org/markup-compatibility/2006" xmlns:a14="http://schemas.microsoft.com/office/drawing/2010/main">
-        <mc:Choice Requires="a14">
+      <mc:AlternateContent xmlns:mc="http://schemas.openxmlformats.org/markup-compatibility/2006">
+        <mc:Choice xmlns:a14="http://schemas.microsoft.com/office/drawing/2010/main" Requires="a14">
           <p:sp>
             <p:nvSpPr>
-              <p:cNvPr id="30" name="Oval 29">
+              <p:cNvPr id="54" name="Oval 53">
                 <a:extLst>
                   <a:ext uri="{FF2B5EF4-FFF2-40B4-BE49-F238E27FC236}">
-                    <a16:creationId xmlns:a16="http://schemas.microsoft.com/office/drawing/2014/main" id="{DAA9B86F-331C-6521-6783-ACD03BCFA49C}"/>
+                    <a16:creationId xmlns:a16="http://schemas.microsoft.com/office/drawing/2014/main" id="{E55215DC-EE1D-1B35-611E-D2BAF29982F5}"/>
                   </a:ext>
                 </a:extLst>
               </p:cNvPr>
@@ -10427,13 +6816,13 @@
             </p:txBody>
           </p:sp>
         </mc:Choice>
-        <mc:Fallback xmlns="">
+        <mc:Fallback>
           <p:sp>
             <p:nvSpPr>
-              <p:cNvPr id="30" name="Oval 29">
+              <p:cNvPr id="54" name="Oval 53">
                 <a:extLst>
                   <a:ext uri="{FF2B5EF4-FFF2-40B4-BE49-F238E27FC236}">
-                    <a16:creationId xmlns:a16="http://schemas.microsoft.com/office/drawing/2014/main" id="{DAA9B86F-331C-6521-6783-ACD03BCFA49C}"/>
+                    <a16:creationId xmlns:a16="http://schemas.microsoft.com/office/drawing/2014/main" id="{E55215DC-EE1D-1B35-611E-D2BAF29982F5}"/>
                   </a:ext>
                 </a:extLst>
               </p:cNvPr>
@@ -10451,7 +6840,7 @@
                 <a:avLst/>
               </a:prstGeom>
               <a:blipFill>
-                <a:blip r:embed="rId9"/>
+                <a:blip r:embed="rId19"/>
                 <a:stretch>
                   <a:fillRect l="-35897" t="-10526" b="-39474"/>
                 </a:stretch>
@@ -10474,16 +6863,16 @@
       </mc:AlternateContent>
       <p:cxnSp>
         <p:nvCxnSpPr>
-          <p:cNvPr id="31" name="Straight Arrow Connector 30">
+          <p:cNvPr id="55" name="Straight Arrow Connector 54">
             <a:extLst>
               <a:ext uri="{FF2B5EF4-FFF2-40B4-BE49-F238E27FC236}">
-                <a16:creationId xmlns:a16="http://schemas.microsoft.com/office/drawing/2014/main" id="{78F5222D-9453-288A-5CF9-FE143F4BD3BC}"/>
+                <a16:creationId xmlns:a16="http://schemas.microsoft.com/office/drawing/2014/main" id="{FB683CD5-9015-BE51-EF83-36435044E298}"/>
               </a:ext>
             </a:extLst>
           </p:cNvPr>
           <p:cNvCxnSpPr>
             <a:cxnSpLocks/>
-            <a:endCxn id="30" idx="4"/>
+            <a:endCxn id="54" idx="4"/>
           </p:cNvCxnSpPr>
           <p:nvPr/>
         </p:nvCxnSpPr>
@@ -10516,16 +6905,16 @@
       </p:cxnSp>
       <p:cxnSp>
         <p:nvCxnSpPr>
-          <p:cNvPr id="32" name="Straight Arrow Connector 31">
+          <p:cNvPr id="56" name="Straight Arrow Connector 55">
             <a:extLst>
               <a:ext uri="{FF2B5EF4-FFF2-40B4-BE49-F238E27FC236}">
-                <a16:creationId xmlns:a16="http://schemas.microsoft.com/office/drawing/2014/main" id="{024DA8D5-96EA-9CF9-4266-05FC8828F795}"/>
+                <a16:creationId xmlns:a16="http://schemas.microsoft.com/office/drawing/2014/main" id="{9CE9362C-9E4E-ACA9-DD1C-36C96A411A7D}"/>
               </a:ext>
             </a:extLst>
           </p:cNvPr>
           <p:cNvCxnSpPr>
             <a:cxnSpLocks/>
-            <a:stCxn id="30" idx="0"/>
+            <a:stCxn id="54" idx="0"/>
           </p:cNvCxnSpPr>
           <p:nvPr/>
         </p:nvCxnSpPr>
@@ -10558,17 +6947,23 @@
       </p:cxnSp>
       <p:graphicFrame>
         <p:nvGraphicFramePr>
-          <p:cNvPr id="33" name="Table 32">
+          <p:cNvPr id="57" name="Table 56">
             <a:extLst>
               <a:ext uri="{FF2B5EF4-FFF2-40B4-BE49-F238E27FC236}">
-                <a16:creationId xmlns:a16="http://schemas.microsoft.com/office/drawing/2014/main" id="{B7DBDA80-DB04-2A8E-2766-60999DF3D378}"/>
+                <a16:creationId xmlns:a16="http://schemas.microsoft.com/office/drawing/2014/main" id="{ADD3626B-F7FC-2967-24F1-972631C41DE5}"/>
               </a:ext>
             </a:extLst>
           </p:cNvPr>
           <p:cNvGraphicFramePr>
             <a:graphicFrameLocks noGrp="1"/>
           </p:cNvGraphicFramePr>
-          <p:nvPr/>
+          <p:nvPr>
+            <p:extLst>
+              <p:ext uri="{D42A27DB-BD31-4B8C-83A1-F6EECF244321}">
+                <p14:modId xmlns:p14="http://schemas.microsoft.com/office/powerpoint/2010/main" val="1273658839"/>
+              </p:ext>
+            </p:extLst>
+          </p:nvPr>
         </p:nvGraphicFramePr>
         <p:xfrm>
           <a:off x="8791898" y="281579"/>
@@ -10648,14 +7043,14 @@
           </a:graphicData>
         </a:graphic>
       </p:graphicFrame>
-      <mc:AlternateContent xmlns:mc="http://schemas.openxmlformats.org/markup-compatibility/2006" xmlns:a14="http://schemas.microsoft.com/office/drawing/2010/main">
-        <mc:Choice Requires="a14">
+      <mc:AlternateContent xmlns:mc="http://schemas.openxmlformats.org/markup-compatibility/2006">
+        <mc:Choice xmlns:a14="http://schemas.microsoft.com/office/drawing/2010/main" Requires="a14">
           <p:sp>
             <p:nvSpPr>
-              <p:cNvPr id="34" name="TextBox 33">
+              <p:cNvPr id="58" name="TextBox 57">
                 <a:extLst>
                   <a:ext uri="{FF2B5EF4-FFF2-40B4-BE49-F238E27FC236}">
-                    <a16:creationId xmlns:a16="http://schemas.microsoft.com/office/drawing/2014/main" id="{5D143121-9F4D-20DA-9288-213764A58765}"/>
+                    <a16:creationId xmlns:a16="http://schemas.microsoft.com/office/drawing/2014/main" id="{85C2F83A-09AF-5A4F-2773-ED34D788BDB1}"/>
                   </a:ext>
                 </a:extLst>
               </p:cNvPr>
@@ -10703,13 +7098,13 @@
             </p:txBody>
           </p:sp>
         </mc:Choice>
-        <mc:Fallback xmlns="">
+        <mc:Fallback>
           <p:sp>
             <p:nvSpPr>
-              <p:cNvPr id="34" name="TextBox 33">
+              <p:cNvPr id="58" name="TextBox 57">
                 <a:extLst>
                   <a:ext uri="{FF2B5EF4-FFF2-40B4-BE49-F238E27FC236}">
-                    <a16:creationId xmlns:a16="http://schemas.microsoft.com/office/drawing/2014/main" id="{5D143121-9F4D-20DA-9288-213764A58765}"/>
+                    <a16:creationId xmlns:a16="http://schemas.microsoft.com/office/drawing/2014/main" id="{85C2F83A-09AF-5A4F-2773-ED34D788BDB1}"/>
                   </a:ext>
                 </a:extLst>
               </p:cNvPr>
@@ -10727,7 +7122,7 @@
                 <a:avLst/>
               </a:prstGeom>
               <a:blipFill>
-                <a:blip r:embed="rId10"/>
+                <a:blip r:embed="rId20"/>
                 <a:stretch>
                   <a:fillRect l="-9677" r="-6452" b="-14634"/>
                 </a:stretch>
@@ -10748,6 +7143,743 @@
           </p:sp>
         </mc:Fallback>
       </mc:AlternateContent>
+      <mc:AlternateContent xmlns:mc="http://schemas.openxmlformats.org/markup-compatibility/2006">
+        <mc:Choice xmlns:a14="http://schemas.microsoft.com/office/drawing/2010/main" Requires="a14">
+          <p:sp>
+            <p:nvSpPr>
+              <p:cNvPr id="59" name="TextBox 58">
+                <a:extLst>
+                  <a:ext uri="{FF2B5EF4-FFF2-40B4-BE49-F238E27FC236}">
+                    <a16:creationId xmlns:a16="http://schemas.microsoft.com/office/drawing/2014/main" id="{DD2EA94C-D689-2AC4-0D57-91CF6CA65B37}"/>
+                  </a:ext>
+                </a:extLst>
+              </p:cNvPr>
+              <p:cNvSpPr txBox="1"/>
+              <p:nvPr/>
+            </p:nvSpPr>
+            <p:spPr>
+              <a:xfrm>
+                <a:off x="9107604" y="2782249"/>
+                <a:ext cx="1000972" cy="392993"/>
+              </a:xfrm>
+              <a:prstGeom prst="rect">
+                <a:avLst/>
+              </a:prstGeom>
+              <a:noFill/>
+            </p:spPr>
+            <p:txBody>
+              <a:bodyPr wrap="square" rtlCol="0">
+                <a:spAutoFit/>
+              </a:bodyPr>
+              <a:lstStyle/>
+              <a:p>
+                <a:pPr/>
+                <a14:m>
+                  <m:oMathPara xmlns:m="http://schemas.openxmlformats.org/officeDocument/2006/math">
+                    <m:oMathParaPr>
+                      <m:jc m:val="left"/>
+                    </m:oMathParaPr>
+                    <m:oMath xmlns:m="http://schemas.openxmlformats.org/officeDocument/2006/math">
+                      <m:r>
+                        <a:rPr lang="en-US" sz="2000" b="0" i="1" dirty="0" smtClean="0">
+                          <a:latin typeface="Cambria Math" panose="02040503050406030204" pitchFamily="18" charset="0"/>
+                          <a:cs typeface="Times New Roman" panose="02020603050405020304" pitchFamily="18" charset="0"/>
+                        </a:rPr>
+                        <m:t>𝜎</m:t>
+                      </m:r>
+                      <m:r>
+                        <a:rPr lang="en-US" sz="2000" b="0" i="1" dirty="0" smtClean="0">
+                          <a:latin typeface="Cambria Math" panose="02040503050406030204" pitchFamily="18" charset="0"/>
+                          <a:cs typeface="Times New Roman" panose="02020603050405020304" pitchFamily="18" charset="0"/>
+                        </a:rPr>
+                        <m:t>(</m:t>
+                      </m:r>
+                      <m:sSub>
+                        <m:sSubPr>
+                          <m:ctrlPr>
+                            <a:rPr lang="en-US" sz="2000" b="0" i="1" dirty="0" smtClean="0">
+                              <a:latin typeface="Cambria Math" panose="02040503050406030204" pitchFamily="18" charset="0"/>
+                              <a:cs typeface="Times New Roman" panose="02020603050405020304" pitchFamily="18" charset="0"/>
+                            </a:rPr>
+                          </m:ctrlPr>
+                        </m:sSubPr>
+                        <m:e>
+                          <m:r>
+                            <a:rPr lang="en-US" sz="2000" b="0" i="1" dirty="0" smtClean="0">
+                              <a:latin typeface="Cambria Math" panose="02040503050406030204" pitchFamily="18" charset="0"/>
+                              <a:cs typeface="Times New Roman" panose="02020603050405020304" pitchFamily="18" charset="0"/>
+                            </a:rPr>
+                            <m:t>h</m:t>
+                          </m:r>
+                        </m:e>
+                        <m:sub>
+                          <m:r>
+                            <a:rPr lang="en-US" sz="2000" b="0" i="1" dirty="0" smtClean="0">
+                              <a:latin typeface="Cambria Math" panose="02040503050406030204" pitchFamily="18" charset="0"/>
+                              <a:cs typeface="Times New Roman" panose="02020603050405020304" pitchFamily="18" charset="0"/>
+                            </a:rPr>
+                            <m:t>2</m:t>
+                          </m:r>
+                        </m:sub>
+                      </m:sSub>
+                      <m:r>
+                        <a:rPr lang="en-US" sz="2000" b="0" i="1" dirty="0" smtClean="0">
+                          <a:latin typeface="Cambria Math" panose="02040503050406030204" pitchFamily="18" charset="0"/>
+                          <a:cs typeface="Times New Roman" panose="02020603050405020304" pitchFamily="18" charset="0"/>
+                        </a:rPr>
+                        <m:t>)</m:t>
+                      </m:r>
+                    </m:oMath>
+                  </m:oMathPara>
+                </a14:m>
+                <a:endParaRPr lang="en-US" sz="2000" baseline="-25000" dirty="0">
+                  <a:latin typeface="Times New Roman" panose="02020603050405020304" pitchFamily="18" charset="0"/>
+                  <a:cs typeface="Times New Roman" panose="02020603050405020304" pitchFamily="18" charset="0"/>
+                </a:endParaRPr>
+              </a:p>
+            </p:txBody>
+          </p:sp>
+        </mc:Choice>
+        <mc:Fallback>
+          <p:sp>
+            <p:nvSpPr>
+              <p:cNvPr id="59" name="TextBox 58">
+                <a:extLst>
+                  <a:ext uri="{FF2B5EF4-FFF2-40B4-BE49-F238E27FC236}">
+                    <a16:creationId xmlns:a16="http://schemas.microsoft.com/office/drawing/2014/main" id="{DD2EA94C-D689-2AC4-0D57-91CF6CA65B37}"/>
+                  </a:ext>
+                </a:extLst>
+              </p:cNvPr>
+              <p:cNvSpPr txBox="1">
+                <a:spLocks noRot="1" noChangeAspect="1" noMove="1" noResize="1" noEditPoints="1" noAdjustHandles="1" noChangeArrowheads="1" noChangeShapeType="1" noTextEdit="1"/>
+              </p:cNvSpPr>
+              <p:nvPr/>
+            </p:nvSpPr>
+            <p:spPr>
+              <a:xfrm>
+                <a:off x="9107604" y="2782249"/>
+                <a:ext cx="1000972" cy="392993"/>
+              </a:xfrm>
+              <a:prstGeom prst="rect">
+                <a:avLst/>
+              </a:prstGeom>
+              <a:blipFill>
+                <a:blip r:embed="rId21"/>
+                <a:stretch>
+                  <a:fillRect b="-12121"/>
+                </a:stretch>
+              </a:blipFill>
+            </p:spPr>
+            <p:txBody>
+              <a:bodyPr/>
+              <a:lstStyle/>
+              <a:p>
+                <a:r>
+                  <a:rPr lang="en-US">
+                    <a:noFill/>
+                  </a:rPr>
+                  <a:t> </a:t>
+                </a:r>
+              </a:p>
+            </p:txBody>
+          </p:sp>
+        </mc:Fallback>
+      </mc:AlternateContent>
+      <mc:AlternateContent xmlns:mc="http://schemas.openxmlformats.org/markup-compatibility/2006">
+        <mc:Choice xmlns:a14="http://schemas.microsoft.com/office/drawing/2010/main" Requires="a14">
+          <p:sp>
+            <p:nvSpPr>
+              <p:cNvPr id="60" name="TextBox 59">
+                <a:extLst>
+                  <a:ext uri="{FF2B5EF4-FFF2-40B4-BE49-F238E27FC236}">
+                    <a16:creationId xmlns:a16="http://schemas.microsoft.com/office/drawing/2014/main" id="{448632BB-6B04-D11A-BD58-D66D114FD3A6}"/>
+                  </a:ext>
+                </a:extLst>
+              </p:cNvPr>
+              <p:cNvSpPr txBox="1"/>
+              <p:nvPr/>
+            </p:nvSpPr>
+            <p:spPr>
+              <a:xfrm>
+                <a:off x="9364579" y="4881130"/>
+                <a:ext cx="482826" cy="381515"/>
+              </a:xfrm>
+              <a:prstGeom prst="rect">
+                <a:avLst/>
+              </a:prstGeom>
+              <a:noFill/>
+            </p:spPr>
+            <p:txBody>
+              <a:bodyPr wrap="square" rtlCol="0">
+                <a:spAutoFit/>
+              </a:bodyPr>
+              <a:lstStyle/>
+              <a:p>
+                <a:pPr/>
+                <a14:m>
+                  <m:oMathPara xmlns:m="http://schemas.openxmlformats.org/officeDocument/2006/math">
+                    <m:oMathParaPr>
+                      <m:jc m:val="centerGroup"/>
+                    </m:oMathParaPr>
+                    <m:oMath xmlns:m="http://schemas.openxmlformats.org/officeDocument/2006/math">
+                      <m:sSub>
+                        <m:sSubPr>
+                          <m:ctrlPr>
+                            <a:rPr lang="en-US" b="0" i="1" dirty="0" smtClean="0">
+                              <a:solidFill>
+                                <a:schemeClr val="tx1"/>
+                              </a:solidFill>
+                              <a:latin typeface="Cambria Math" panose="02040503050406030204" pitchFamily="18" charset="0"/>
+                              <a:cs typeface="Times New Roman" panose="02020603050405020304" pitchFamily="18" charset="0"/>
+                            </a:rPr>
+                          </m:ctrlPr>
+                        </m:sSubPr>
+                        <m:e>
+                          <m:r>
+                            <a:rPr lang="en-US" b="0" i="1" dirty="0" smtClean="0">
+                              <a:solidFill>
+                                <a:schemeClr val="tx1"/>
+                              </a:solidFill>
+                              <a:latin typeface="Cambria Math" panose="02040503050406030204" pitchFamily="18" charset="0"/>
+                              <a:cs typeface="Times New Roman" panose="02020603050405020304" pitchFamily="18" charset="0"/>
+                            </a:rPr>
+                            <m:t>𝑏</m:t>
+                          </m:r>
+                        </m:e>
+                        <m:sub>
+                          <m:r>
+                            <a:rPr lang="en-US" b="0" i="1" dirty="0" smtClean="0">
+                              <a:solidFill>
+                                <a:schemeClr val="tx1"/>
+                              </a:solidFill>
+                              <a:latin typeface="Cambria Math" panose="02040503050406030204" pitchFamily="18" charset="0"/>
+                              <a:cs typeface="Times New Roman" panose="02020603050405020304" pitchFamily="18" charset="0"/>
+                            </a:rPr>
+                            <m:t>1,2</m:t>
+                          </m:r>
+                        </m:sub>
+                      </m:sSub>
+                    </m:oMath>
+                  </m:oMathPara>
+                </a14:m>
+                <a:endParaRPr lang="en-US" baseline="-25000" dirty="0">
+                  <a:solidFill>
+                    <a:schemeClr val="tx1"/>
+                  </a:solidFill>
+                  <a:latin typeface="Times New Roman" panose="02020603050405020304" pitchFamily="18" charset="0"/>
+                  <a:cs typeface="Times New Roman" panose="02020603050405020304" pitchFamily="18" charset="0"/>
+                </a:endParaRPr>
+              </a:p>
+            </p:txBody>
+          </p:sp>
+        </mc:Choice>
+        <mc:Fallback>
+          <p:sp>
+            <p:nvSpPr>
+              <p:cNvPr id="60" name="TextBox 59">
+                <a:extLst>
+                  <a:ext uri="{FF2B5EF4-FFF2-40B4-BE49-F238E27FC236}">
+                    <a16:creationId xmlns:a16="http://schemas.microsoft.com/office/drawing/2014/main" id="{448632BB-6B04-D11A-BD58-D66D114FD3A6}"/>
+                  </a:ext>
+                </a:extLst>
+              </p:cNvPr>
+              <p:cNvSpPr txBox="1">
+                <a:spLocks noRot="1" noChangeAspect="1" noMove="1" noResize="1" noEditPoints="1" noAdjustHandles="1" noChangeArrowheads="1" noChangeShapeType="1" noTextEdit="1"/>
+              </p:cNvSpPr>
+              <p:nvPr/>
+            </p:nvSpPr>
+            <p:spPr>
+              <a:xfrm>
+                <a:off x="9364579" y="4881130"/>
+                <a:ext cx="482826" cy="381515"/>
+              </a:xfrm>
+              <a:prstGeom prst="rect">
+                <a:avLst/>
+              </a:prstGeom>
+              <a:blipFill>
+                <a:blip r:embed="rId22"/>
+                <a:stretch>
+                  <a:fillRect/>
+                </a:stretch>
+              </a:blipFill>
+            </p:spPr>
+            <p:txBody>
+              <a:bodyPr/>
+              <a:lstStyle/>
+              <a:p>
+                <a:r>
+                  <a:rPr lang="en-US">
+                    <a:noFill/>
+                  </a:rPr>
+                  <a:t> </a:t>
+                </a:r>
+              </a:p>
+            </p:txBody>
+          </p:sp>
+        </mc:Fallback>
+      </mc:AlternateContent>
+      <mc:AlternateContent xmlns:mc="http://schemas.openxmlformats.org/markup-compatibility/2006">
+        <mc:Choice xmlns:a14="http://schemas.microsoft.com/office/drawing/2010/main" Requires="a14">
+          <p:sp>
+            <p:nvSpPr>
+              <p:cNvPr id="61" name="TextBox 60">
+                <a:extLst>
+                  <a:ext uri="{FF2B5EF4-FFF2-40B4-BE49-F238E27FC236}">
+                    <a16:creationId xmlns:a16="http://schemas.microsoft.com/office/drawing/2014/main" id="{34734B1D-AC94-D50B-BBD0-A324512F4E1F}"/>
+                  </a:ext>
+                </a:extLst>
+              </p:cNvPr>
+              <p:cNvSpPr txBox="1"/>
+              <p:nvPr/>
+            </p:nvSpPr>
+            <p:spPr>
+              <a:xfrm>
+                <a:off x="8538490" y="4902645"/>
+                <a:ext cx="482826" cy="381515"/>
+              </a:xfrm>
+              <a:prstGeom prst="rect">
+                <a:avLst/>
+              </a:prstGeom>
+              <a:noFill/>
+            </p:spPr>
+            <p:txBody>
+              <a:bodyPr wrap="square" rtlCol="0">
+                <a:spAutoFit/>
+              </a:bodyPr>
+              <a:lstStyle/>
+              <a:p>
+                <a:pPr/>
+                <a14:m>
+                  <m:oMathPara xmlns:m="http://schemas.openxmlformats.org/officeDocument/2006/math">
+                    <m:oMathParaPr>
+                      <m:jc m:val="centerGroup"/>
+                    </m:oMathParaPr>
+                    <m:oMath xmlns:m="http://schemas.openxmlformats.org/officeDocument/2006/math">
+                      <m:sSub>
+                        <m:sSubPr>
+                          <m:ctrlPr>
+                            <a:rPr lang="en-US" b="0" i="1" dirty="0" smtClean="0">
+                              <a:solidFill>
+                                <a:schemeClr val="tx1"/>
+                              </a:solidFill>
+                              <a:latin typeface="Cambria Math" panose="02040503050406030204" pitchFamily="18" charset="0"/>
+                              <a:cs typeface="Times New Roman" panose="02020603050405020304" pitchFamily="18" charset="0"/>
+                            </a:rPr>
+                          </m:ctrlPr>
+                        </m:sSubPr>
+                        <m:e>
+                          <m:r>
+                            <a:rPr lang="en-US" b="0" i="1" dirty="0" smtClean="0">
+                              <a:solidFill>
+                                <a:schemeClr val="tx1"/>
+                              </a:solidFill>
+                              <a:latin typeface="Cambria Math" panose="02040503050406030204" pitchFamily="18" charset="0"/>
+                              <a:cs typeface="Times New Roman" panose="02020603050405020304" pitchFamily="18" charset="0"/>
+                            </a:rPr>
+                            <m:t>𝑏</m:t>
+                          </m:r>
+                        </m:e>
+                        <m:sub>
+                          <m:r>
+                            <a:rPr lang="en-US" b="0" i="1" dirty="0" smtClean="0">
+                              <a:solidFill>
+                                <a:schemeClr val="tx1"/>
+                              </a:solidFill>
+                              <a:latin typeface="Cambria Math" panose="02040503050406030204" pitchFamily="18" charset="0"/>
+                              <a:cs typeface="Times New Roman" panose="02020603050405020304" pitchFamily="18" charset="0"/>
+                            </a:rPr>
+                            <m:t>1,1</m:t>
+                          </m:r>
+                        </m:sub>
+                      </m:sSub>
+                    </m:oMath>
+                  </m:oMathPara>
+                </a14:m>
+                <a:endParaRPr lang="en-US" baseline="-25000" dirty="0">
+                  <a:solidFill>
+                    <a:schemeClr val="tx1"/>
+                  </a:solidFill>
+                  <a:latin typeface="Times New Roman" panose="02020603050405020304" pitchFamily="18" charset="0"/>
+                  <a:cs typeface="Times New Roman" panose="02020603050405020304" pitchFamily="18" charset="0"/>
+                </a:endParaRPr>
+              </a:p>
+            </p:txBody>
+          </p:sp>
+        </mc:Choice>
+        <mc:Fallback>
+          <p:sp>
+            <p:nvSpPr>
+              <p:cNvPr id="61" name="TextBox 60">
+                <a:extLst>
+                  <a:ext uri="{FF2B5EF4-FFF2-40B4-BE49-F238E27FC236}">
+                    <a16:creationId xmlns:a16="http://schemas.microsoft.com/office/drawing/2014/main" id="{34734B1D-AC94-D50B-BBD0-A324512F4E1F}"/>
+                  </a:ext>
+                </a:extLst>
+              </p:cNvPr>
+              <p:cNvSpPr txBox="1">
+                <a:spLocks noRot="1" noChangeAspect="1" noMove="1" noResize="1" noEditPoints="1" noAdjustHandles="1" noChangeArrowheads="1" noChangeShapeType="1" noTextEdit="1"/>
+              </p:cNvSpPr>
+              <p:nvPr/>
+            </p:nvSpPr>
+            <p:spPr>
+              <a:xfrm>
+                <a:off x="8538490" y="4902645"/>
+                <a:ext cx="482826" cy="381515"/>
+              </a:xfrm>
+              <a:prstGeom prst="rect">
+                <a:avLst/>
+              </a:prstGeom>
+              <a:blipFill>
+                <a:blip r:embed="rId23"/>
+                <a:stretch>
+                  <a:fillRect/>
+                </a:stretch>
+              </a:blipFill>
+            </p:spPr>
+            <p:txBody>
+              <a:bodyPr/>
+              <a:lstStyle/>
+              <a:p>
+                <a:r>
+                  <a:rPr lang="en-US">
+                    <a:noFill/>
+                  </a:rPr>
+                  <a:t> </a:t>
+                </a:r>
+              </a:p>
+            </p:txBody>
+          </p:sp>
+        </mc:Fallback>
+      </mc:AlternateContent>
+      <mc:AlternateContent xmlns:mc="http://schemas.openxmlformats.org/markup-compatibility/2006">
+        <mc:Choice xmlns:a14="http://schemas.microsoft.com/office/drawing/2010/main" Requires="a14">
+          <p:sp>
+            <p:nvSpPr>
+              <p:cNvPr id="62" name="TextBox 61">
+                <a:extLst>
+                  <a:ext uri="{FF2B5EF4-FFF2-40B4-BE49-F238E27FC236}">
+                    <a16:creationId xmlns:a16="http://schemas.microsoft.com/office/drawing/2014/main" id="{C35802EE-ABEF-501A-1FED-8B8DF037E676}"/>
+                  </a:ext>
+                </a:extLst>
+              </p:cNvPr>
+              <p:cNvSpPr txBox="1"/>
+              <p:nvPr/>
+            </p:nvSpPr>
+            <p:spPr>
+              <a:xfrm>
+                <a:off x="9470559" y="2325396"/>
+                <a:ext cx="482826" cy="362984"/>
+              </a:xfrm>
+              <a:prstGeom prst="rect">
+                <a:avLst/>
+              </a:prstGeom>
+              <a:noFill/>
+            </p:spPr>
+            <p:txBody>
+              <a:bodyPr wrap="square" rtlCol="0">
+                <a:spAutoFit/>
+              </a:bodyPr>
+              <a:lstStyle/>
+              <a:p>
+                <a:pPr/>
+                <a14:m>
+                  <m:oMathPara xmlns:m="http://schemas.openxmlformats.org/officeDocument/2006/math">
+                    <m:oMathParaPr>
+                      <m:jc m:val="centerGroup"/>
+                    </m:oMathParaPr>
+                    <m:oMath xmlns:m="http://schemas.openxmlformats.org/officeDocument/2006/math">
+                      <m:sSub>
+                        <m:sSubPr>
+                          <m:ctrlPr>
+                            <a:rPr lang="en-US" b="0" i="1" dirty="0" smtClean="0">
+                              <a:solidFill>
+                                <a:schemeClr val="tx1"/>
+                              </a:solidFill>
+                              <a:latin typeface="Cambria Math" panose="02040503050406030204" pitchFamily="18" charset="0"/>
+                              <a:cs typeface="Times New Roman" panose="02020603050405020304" pitchFamily="18" charset="0"/>
+                            </a:rPr>
+                          </m:ctrlPr>
+                        </m:sSubPr>
+                        <m:e>
+                          <m:r>
+                            <a:rPr lang="en-US" b="0" i="1" dirty="0" smtClean="0">
+                              <a:solidFill>
+                                <a:schemeClr val="tx1"/>
+                              </a:solidFill>
+                              <a:latin typeface="Cambria Math" panose="02040503050406030204" pitchFamily="18" charset="0"/>
+                              <a:cs typeface="Times New Roman" panose="02020603050405020304" pitchFamily="18" charset="0"/>
+                            </a:rPr>
+                            <m:t>𝛽</m:t>
+                          </m:r>
+                        </m:e>
+                        <m:sub>
+                          <m:r>
+                            <a:rPr lang="en-US" b="0" i="1" dirty="0" smtClean="0">
+                              <a:solidFill>
+                                <a:schemeClr val="tx1"/>
+                              </a:solidFill>
+                              <a:latin typeface="Cambria Math" panose="02040503050406030204" pitchFamily="18" charset="0"/>
+                              <a:cs typeface="Times New Roman" panose="02020603050405020304" pitchFamily="18" charset="0"/>
+                            </a:rPr>
+                            <m:t>2</m:t>
+                          </m:r>
+                        </m:sub>
+                      </m:sSub>
+                    </m:oMath>
+                  </m:oMathPara>
+                </a14:m>
+                <a:endParaRPr lang="en-US" baseline="-25000" dirty="0">
+                  <a:solidFill>
+                    <a:schemeClr val="tx1"/>
+                  </a:solidFill>
+                  <a:latin typeface="Times New Roman" panose="02020603050405020304" pitchFamily="18" charset="0"/>
+                  <a:cs typeface="Times New Roman" panose="02020603050405020304" pitchFamily="18" charset="0"/>
+                </a:endParaRPr>
+              </a:p>
+            </p:txBody>
+          </p:sp>
+        </mc:Choice>
+        <mc:Fallback>
+          <p:sp>
+            <p:nvSpPr>
+              <p:cNvPr id="62" name="TextBox 61">
+                <a:extLst>
+                  <a:ext uri="{FF2B5EF4-FFF2-40B4-BE49-F238E27FC236}">
+                    <a16:creationId xmlns:a16="http://schemas.microsoft.com/office/drawing/2014/main" id="{C35802EE-ABEF-501A-1FED-8B8DF037E676}"/>
+                  </a:ext>
+                </a:extLst>
+              </p:cNvPr>
+              <p:cNvSpPr txBox="1">
+                <a:spLocks noRot="1" noChangeAspect="1" noMove="1" noResize="1" noEditPoints="1" noAdjustHandles="1" noChangeArrowheads="1" noChangeShapeType="1" noTextEdit="1"/>
+              </p:cNvSpPr>
+              <p:nvPr/>
+            </p:nvSpPr>
+            <p:spPr>
+              <a:xfrm>
+                <a:off x="9470559" y="2325396"/>
+                <a:ext cx="482826" cy="362984"/>
+              </a:xfrm>
+              <a:prstGeom prst="rect">
+                <a:avLst/>
+              </a:prstGeom>
+              <a:blipFill>
+                <a:blip r:embed="rId24"/>
+                <a:stretch>
+                  <a:fillRect b="-16667"/>
+                </a:stretch>
+              </a:blipFill>
+            </p:spPr>
+            <p:txBody>
+              <a:bodyPr/>
+              <a:lstStyle/>
+              <a:p>
+                <a:r>
+                  <a:rPr lang="en-US">
+                    <a:noFill/>
+                  </a:rPr>
+                  <a:t> </a:t>
+                </a:r>
+              </a:p>
+            </p:txBody>
+          </p:sp>
+        </mc:Fallback>
+      </mc:AlternateContent>
+      <mc:AlternateContent xmlns:mc="http://schemas.openxmlformats.org/markup-compatibility/2006">
+        <mc:Choice xmlns:a14="http://schemas.microsoft.com/office/drawing/2010/main" Requires="a14">
+          <p:sp>
+            <p:nvSpPr>
+              <p:cNvPr id="63" name="TextBox 62">
+                <a:extLst>
+                  <a:ext uri="{FF2B5EF4-FFF2-40B4-BE49-F238E27FC236}">
+                    <a16:creationId xmlns:a16="http://schemas.microsoft.com/office/drawing/2014/main" id="{CF7410D5-886F-CBDC-BFFB-DA7E710415A8}"/>
+                  </a:ext>
+                </a:extLst>
+              </p:cNvPr>
+              <p:cNvSpPr txBox="1"/>
+              <p:nvPr/>
+            </p:nvSpPr>
+            <p:spPr>
+              <a:xfrm>
+                <a:off x="8307610" y="2312060"/>
+                <a:ext cx="482826" cy="362984"/>
+              </a:xfrm>
+              <a:prstGeom prst="rect">
+                <a:avLst/>
+              </a:prstGeom>
+              <a:noFill/>
+            </p:spPr>
+            <p:txBody>
+              <a:bodyPr wrap="square" rtlCol="0">
+                <a:spAutoFit/>
+              </a:bodyPr>
+              <a:lstStyle/>
+              <a:p>
+                <a:pPr/>
+                <a14:m>
+                  <m:oMathPara xmlns:m="http://schemas.openxmlformats.org/officeDocument/2006/math">
+                    <m:oMathParaPr>
+                      <m:jc m:val="centerGroup"/>
+                    </m:oMathParaPr>
+                    <m:oMath xmlns:m="http://schemas.openxmlformats.org/officeDocument/2006/math">
+                      <m:sSub>
+                        <m:sSubPr>
+                          <m:ctrlPr>
+                            <a:rPr lang="en-US" b="0" i="1" dirty="0" smtClean="0">
+                              <a:solidFill>
+                                <a:schemeClr val="tx1"/>
+                              </a:solidFill>
+                              <a:latin typeface="Cambria Math" panose="02040503050406030204" pitchFamily="18" charset="0"/>
+                              <a:cs typeface="Times New Roman" panose="02020603050405020304" pitchFamily="18" charset="0"/>
+                            </a:rPr>
+                          </m:ctrlPr>
+                        </m:sSubPr>
+                        <m:e>
+                          <m:r>
+                            <a:rPr lang="en-US" b="0" i="1" dirty="0" smtClean="0">
+                              <a:solidFill>
+                                <a:schemeClr val="tx1"/>
+                              </a:solidFill>
+                              <a:latin typeface="Cambria Math" panose="02040503050406030204" pitchFamily="18" charset="0"/>
+                              <a:cs typeface="Times New Roman" panose="02020603050405020304" pitchFamily="18" charset="0"/>
+                            </a:rPr>
+                            <m:t>𝛽</m:t>
+                          </m:r>
+                        </m:e>
+                        <m:sub>
+                          <m:r>
+                            <a:rPr lang="en-US" b="0" i="1" dirty="0" smtClean="0">
+                              <a:solidFill>
+                                <a:schemeClr val="tx1"/>
+                              </a:solidFill>
+                              <a:latin typeface="Cambria Math" panose="02040503050406030204" pitchFamily="18" charset="0"/>
+                              <a:cs typeface="Times New Roman" panose="02020603050405020304" pitchFamily="18" charset="0"/>
+                            </a:rPr>
+                            <m:t>1</m:t>
+                          </m:r>
+                        </m:sub>
+                      </m:sSub>
+                    </m:oMath>
+                  </m:oMathPara>
+                </a14:m>
+                <a:endParaRPr lang="en-US" baseline="-25000" dirty="0">
+                  <a:solidFill>
+                    <a:schemeClr val="tx1"/>
+                  </a:solidFill>
+                  <a:latin typeface="Times New Roman" panose="02020603050405020304" pitchFamily="18" charset="0"/>
+                  <a:cs typeface="Times New Roman" panose="02020603050405020304" pitchFamily="18" charset="0"/>
+                </a:endParaRPr>
+              </a:p>
+            </p:txBody>
+          </p:sp>
+        </mc:Choice>
+        <mc:Fallback>
+          <p:sp>
+            <p:nvSpPr>
+              <p:cNvPr id="63" name="TextBox 62">
+                <a:extLst>
+                  <a:ext uri="{FF2B5EF4-FFF2-40B4-BE49-F238E27FC236}">
+                    <a16:creationId xmlns:a16="http://schemas.microsoft.com/office/drawing/2014/main" id="{CF7410D5-886F-CBDC-BFFB-DA7E710415A8}"/>
+                  </a:ext>
+                </a:extLst>
+              </p:cNvPr>
+              <p:cNvSpPr txBox="1">
+                <a:spLocks noRot="1" noChangeAspect="1" noMove="1" noResize="1" noEditPoints="1" noAdjustHandles="1" noChangeArrowheads="1" noChangeShapeType="1" noTextEdit="1"/>
+              </p:cNvSpPr>
+              <p:nvPr/>
+            </p:nvSpPr>
+            <p:spPr>
+              <a:xfrm>
+                <a:off x="8307610" y="2312060"/>
+                <a:ext cx="482826" cy="362984"/>
+              </a:xfrm>
+              <a:prstGeom prst="rect">
+                <a:avLst/>
+              </a:prstGeom>
+              <a:blipFill>
+                <a:blip r:embed="rId25"/>
+                <a:stretch>
+                  <a:fillRect b="-16667"/>
+                </a:stretch>
+              </a:blipFill>
+            </p:spPr>
+            <p:txBody>
+              <a:bodyPr/>
+              <a:lstStyle/>
+              <a:p>
+                <a:r>
+                  <a:rPr lang="en-US">
+                    <a:noFill/>
+                  </a:rPr>
+                  <a:t> </a:t>
+                </a:r>
+              </a:p>
+            </p:txBody>
+          </p:sp>
+        </mc:Fallback>
+      </mc:AlternateContent>
+    </p:spTree>
+    <p:extLst>
+      <p:ext uri="{BB962C8B-B14F-4D97-AF65-F5344CB8AC3E}">
+        <p14:creationId xmlns:p14="http://schemas.microsoft.com/office/powerpoint/2010/main" val="2004572736"/>
+      </p:ext>
+    </p:extLst>
+  </p:cSld>
+  <p:clrMapOvr>
+    <a:masterClrMapping/>
+  </p:clrMapOvr>
+</p:sld>
+</file>
+
+<file path=ppt/slides/slide7.xml><?xml version="1.0" encoding="utf-8"?>
+<p:sld xmlns:a="http://schemas.openxmlformats.org/drawingml/2006/main" xmlns:r="http://schemas.openxmlformats.org/officeDocument/2006/relationships" xmlns:p="http://schemas.openxmlformats.org/presentationml/2006/main">
+  <p:cSld>
+    <p:spTree>
+      <p:nvGrpSpPr>
+        <p:cNvPr id="1" name=""/>
+        <p:cNvGrpSpPr/>
+        <p:nvPr/>
+      </p:nvGrpSpPr>
+      <p:grpSpPr>
+        <a:xfrm>
+          <a:off x="0" y="0"/>
+          <a:ext cx="0" cy="0"/>
+          <a:chOff x="0" y="0"/>
+          <a:chExt cx="0" cy="0"/>
+        </a:xfrm>
+      </p:grpSpPr>
+      <p:sp>
+        <p:nvSpPr>
+          <p:cNvPr id="2" name="Title 1">
+            <a:extLst>
+              <a:ext uri="{FF2B5EF4-FFF2-40B4-BE49-F238E27FC236}">
+                <a16:creationId xmlns:a16="http://schemas.microsoft.com/office/drawing/2014/main" id="{481147D0-0E90-45FD-0BEB-9DC70CAF8845}"/>
+              </a:ext>
+            </a:extLst>
+          </p:cNvPr>
+          <p:cNvSpPr>
+            <a:spLocks noGrp="1"/>
+          </p:cNvSpPr>
+          <p:nvPr>
+            <p:ph type="title"/>
+          </p:nvPr>
+        </p:nvSpPr>
+        <p:spPr>
+          <a:xfrm>
+            <a:off x="838200" y="365125"/>
+            <a:ext cx="10515600" cy="705789"/>
+          </a:xfrm>
+        </p:spPr>
+        <p:txBody>
+          <a:bodyPr/>
+          <a:lstStyle/>
+          <a:p>
+            <a:r>
+              <a:rPr lang="en-US" dirty="0"/>
+              <a:t>Part IIB</a:t>
+            </a:r>
+          </a:p>
+        </p:txBody>
+      </p:sp>
       <mc:AlternateContent xmlns:mc="http://schemas.openxmlformats.org/markup-compatibility/2006" xmlns:a14="http://schemas.microsoft.com/office/drawing/2010/main">
         <mc:Choice Requires="a14">
           <p:sp>
@@ -11375,14 +8507,2321 @@
           </p:sp>
         </mc:Fallback>
       </mc:AlternateContent>
-      <mc:AlternateContent xmlns:mc="http://schemas.openxmlformats.org/markup-compatibility/2006" xmlns:a14="http://schemas.microsoft.com/office/drawing/2010/main">
-        <mc:Choice Requires="a14">
+      <p:graphicFrame>
+        <p:nvGraphicFramePr>
+          <p:cNvPr id="3" name="Table 2">
+            <a:extLst>
+              <a:ext uri="{FF2B5EF4-FFF2-40B4-BE49-F238E27FC236}">
+                <a16:creationId xmlns:a16="http://schemas.microsoft.com/office/drawing/2014/main" id="{65204BB7-5E81-A577-6883-A749968F4257}"/>
+              </a:ext>
+            </a:extLst>
+          </p:cNvPr>
+          <p:cNvGraphicFramePr>
+            <a:graphicFrameLocks noGrp="1"/>
+          </p:cNvGraphicFramePr>
+          <p:nvPr/>
+        </p:nvGraphicFramePr>
+        <p:xfrm>
+          <a:off x="8457317" y="4133963"/>
+          <a:ext cx="1372864" cy="623232"/>
+        </p:xfrm>
+        <a:graphic>
+          <a:graphicData uri="http://schemas.openxmlformats.org/drawingml/2006/table">
+            <a:tbl>
+              <a:tblPr firstRow="1" bandRow="1">
+                <a:tableStyleId>{5C22544A-7EE6-4342-B048-85BDC9FD1C3A}</a:tableStyleId>
+              </a:tblPr>
+              <a:tblGrid>
+                <a:gridCol w="686432">
+                  <a:extLst>
+                    <a:ext uri="{9D8B030D-6E8A-4147-A177-3AD203B41FA5}">
+                      <a16:colId xmlns:a16="http://schemas.microsoft.com/office/drawing/2014/main" val="4002730172"/>
+                    </a:ext>
+                  </a:extLst>
+                </a:gridCol>
+                <a:gridCol w="686432">
+                  <a:extLst>
+                    <a:ext uri="{9D8B030D-6E8A-4147-A177-3AD203B41FA5}">
+                      <a16:colId xmlns:a16="http://schemas.microsoft.com/office/drawing/2014/main" val="2833431289"/>
+                    </a:ext>
+                  </a:extLst>
+                </a:gridCol>
+              </a:tblGrid>
+              <a:tr h="623232">
+                <a:tc>
+                  <a:txBody>
+                    <a:bodyPr/>
+                    <a:lstStyle/>
+                    <a:p>
+                      <a:endParaRPr lang="en-US" dirty="0"/>
+                    </a:p>
+                  </a:txBody>
+                  <a:tcPr>
+                    <a:lnL w="38100" cap="flat" cmpd="sng" algn="ctr">
+                      <a:solidFill>
+                        <a:schemeClr val="tx1"/>
+                      </a:solidFill>
+                      <a:prstDash val="solid"/>
+                      <a:round/>
+                      <a:headEnd type="none" w="med" len="med"/>
+                      <a:tailEnd type="none" w="med" len="med"/>
+                    </a:lnL>
+                    <a:lnR w="38100" cap="flat" cmpd="sng" algn="ctr">
+                      <a:solidFill>
+                        <a:schemeClr val="tx1"/>
+                      </a:solidFill>
+                      <a:prstDash val="solid"/>
+                      <a:round/>
+                      <a:headEnd type="none" w="med" len="med"/>
+                      <a:tailEnd type="none" w="med" len="med"/>
+                    </a:lnR>
+                    <a:lnT w="38100" cap="flat" cmpd="sng" algn="ctr">
+                      <a:solidFill>
+                        <a:schemeClr val="tx1"/>
+                      </a:solidFill>
+                      <a:prstDash val="solid"/>
+                      <a:round/>
+                      <a:headEnd type="none" w="med" len="med"/>
+                      <a:tailEnd type="none" w="med" len="med"/>
+                    </a:lnT>
+                    <a:lnB w="38100" cap="flat" cmpd="sng" algn="ctr">
+                      <a:solidFill>
+                        <a:schemeClr val="tx1"/>
+                      </a:solidFill>
+                      <a:prstDash val="solid"/>
+                      <a:round/>
+                      <a:headEnd type="none" w="med" len="med"/>
+                      <a:tailEnd type="none" w="med" len="med"/>
+                    </a:lnB>
+                    <a:noFill/>
+                  </a:tcPr>
+                </a:tc>
+                <a:tc>
+                  <a:txBody>
+                    <a:bodyPr/>
+                    <a:lstStyle/>
+                    <a:p>
+                      <a:endParaRPr lang="en-US" dirty="0"/>
+                    </a:p>
+                  </a:txBody>
+                  <a:tcPr>
+                    <a:lnL w="38100" cap="flat" cmpd="sng" algn="ctr">
+                      <a:solidFill>
+                        <a:schemeClr val="tx1"/>
+                      </a:solidFill>
+                      <a:prstDash val="solid"/>
+                      <a:round/>
+                      <a:headEnd type="none" w="med" len="med"/>
+                      <a:tailEnd type="none" w="med" len="med"/>
+                    </a:lnL>
+                    <a:lnR w="38100" cap="flat" cmpd="sng" algn="ctr">
+                      <a:solidFill>
+                        <a:schemeClr val="tx1"/>
+                      </a:solidFill>
+                      <a:prstDash val="solid"/>
+                      <a:round/>
+                      <a:headEnd type="none" w="med" len="med"/>
+                      <a:tailEnd type="none" w="med" len="med"/>
+                    </a:lnR>
+                    <a:lnT w="38100" cap="flat" cmpd="sng" algn="ctr">
+                      <a:solidFill>
+                        <a:schemeClr val="tx1"/>
+                      </a:solidFill>
+                      <a:prstDash val="solid"/>
+                      <a:round/>
+                      <a:headEnd type="none" w="med" len="med"/>
+                      <a:tailEnd type="none" w="med" len="med"/>
+                    </a:lnT>
+                    <a:lnB w="38100" cap="flat" cmpd="sng" algn="ctr">
+                      <a:solidFill>
+                        <a:schemeClr val="tx1"/>
+                      </a:solidFill>
+                      <a:prstDash val="solid"/>
+                      <a:round/>
+                      <a:headEnd type="none" w="med" len="med"/>
+                      <a:tailEnd type="none" w="med" len="med"/>
+                    </a:lnB>
+                    <a:noFill/>
+                  </a:tcPr>
+                </a:tc>
+                <a:extLst>
+                  <a:ext uri="{0D108BD9-81ED-4DB2-BD59-A6C34878D82A}">
+                    <a16:rowId xmlns:a16="http://schemas.microsoft.com/office/drawing/2014/main" val="3775152605"/>
+                  </a:ext>
+                </a:extLst>
+              </a:tr>
+            </a:tbl>
+          </a:graphicData>
+        </a:graphic>
+      </p:graphicFrame>
+      <p:cxnSp>
+        <p:nvCxnSpPr>
+          <p:cNvPr id="12" name="Straight Arrow Connector 11">
+            <a:extLst>
+              <a:ext uri="{FF2B5EF4-FFF2-40B4-BE49-F238E27FC236}">
+                <a16:creationId xmlns:a16="http://schemas.microsoft.com/office/drawing/2014/main" id="{7740DB28-E696-D955-5A66-0863BC1187B5}"/>
+              </a:ext>
+            </a:extLst>
+          </p:cNvPr>
+          <p:cNvCxnSpPr>
+            <a:cxnSpLocks/>
+          </p:cNvCxnSpPr>
+          <p:nvPr/>
+        </p:nvCxnSpPr>
+        <p:spPr>
+          <a:xfrm flipV="1">
+            <a:off x="9750265" y="4757195"/>
+            <a:ext cx="0" cy="631187"/>
+          </a:xfrm>
+          <a:prstGeom prst="straightConnector1">
+            <a:avLst/>
+          </a:prstGeom>
+          <a:ln>
+            <a:solidFill>
+              <a:srgbClr val="FF0000"/>
+            </a:solidFill>
+            <a:tailEnd type="triangle"/>
+          </a:ln>
+        </p:spPr>
+        <p:style>
+          <a:lnRef idx="2">
+            <a:schemeClr val="dk1"/>
+          </a:lnRef>
+          <a:fillRef idx="0">
+            <a:schemeClr val="dk1"/>
+          </a:fillRef>
+          <a:effectRef idx="1">
+            <a:schemeClr val="dk1"/>
+          </a:effectRef>
+          <a:fontRef idx="minor">
+            <a:schemeClr val="tx1"/>
+          </a:fontRef>
+        </p:style>
+      </p:cxnSp>
+      <p:cxnSp>
+        <p:nvCxnSpPr>
+          <p:cNvPr id="21" name="Straight Arrow Connector 20">
+            <a:extLst>
+              <a:ext uri="{FF2B5EF4-FFF2-40B4-BE49-F238E27FC236}">
+                <a16:creationId xmlns:a16="http://schemas.microsoft.com/office/drawing/2014/main" id="{C1F17479-9454-912C-1A4C-5AD415C2DDED}"/>
+              </a:ext>
+            </a:extLst>
+          </p:cNvPr>
+          <p:cNvCxnSpPr>
+            <a:cxnSpLocks/>
+          </p:cNvCxnSpPr>
+          <p:nvPr/>
+        </p:nvCxnSpPr>
+        <p:spPr>
+          <a:xfrm flipH="1" flipV="1">
+            <a:off x="8788722" y="4781780"/>
+            <a:ext cx="857694" cy="573245"/>
+          </a:xfrm>
+          <a:prstGeom prst="straightConnector1">
+            <a:avLst/>
+          </a:prstGeom>
+          <a:ln>
+            <a:solidFill>
+              <a:srgbClr val="FF0000"/>
+            </a:solidFill>
+            <a:tailEnd type="triangle"/>
+          </a:ln>
+        </p:spPr>
+        <p:style>
+          <a:lnRef idx="2">
+            <a:schemeClr val="dk1"/>
+          </a:lnRef>
+          <a:fillRef idx="0">
+            <a:schemeClr val="dk1"/>
+          </a:fillRef>
+          <a:effectRef idx="1">
+            <a:schemeClr val="dk1"/>
+          </a:effectRef>
+          <a:fontRef idx="minor">
+            <a:schemeClr val="tx1"/>
+          </a:fontRef>
+        </p:style>
+      </p:cxnSp>
+      <mc:AlternateContent xmlns:mc="http://schemas.openxmlformats.org/markup-compatibility/2006">
+        <mc:Choice xmlns:a14="http://schemas.microsoft.com/office/drawing/2010/main" Requires="a14">
           <p:sp>
             <p:nvSpPr>
-              <p:cNvPr id="38" name="TextBox 37">
+              <p:cNvPr id="22" name="Oval 21">
                 <a:extLst>
                   <a:ext uri="{FF2B5EF4-FFF2-40B4-BE49-F238E27FC236}">
-                    <a16:creationId xmlns:a16="http://schemas.microsoft.com/office/drawing/2014/main" id="{669BB1BE-76BA-458D-A166-9BAD462A7A69}"/>
+                    <a16:creationId xmlns:a16="http://schemas.microsoft.com/office/drawing/2014/main" id="{F8AF2A37-379C-7A8A-D70E-876115668647}"/>
+                  </a:ext>
+                </a:extLst>
+              </p:cNvPr>
+              <p:cNvSpPr/>
+              <p:nvPr/>
+            </p:nvSpPr>
+            <p:spPr>
+              <a:xfrm>
+                <a:off x="8582566" y="3475350"/>
+                <a:ext cx="470357" cy="459473"/>
+              </a:xfrm>
+              <a:prstGeom prst="ellipse">
+                <a:avLst/>
+              </a:prstGeom>
+            </p:spPr>
+            <p:style>
+              <a:lnRef idx="2">
+                <a:schemeClr val="dk1"/>
+              </a:lnRef>
+              <a:fillRef idx="1">
+                <a:schemeClr val="lt1"/>
+              </a:fillRef>
+              <a:effectRef idx="0">
+                <a:schemeClr val="dk1"/>
+              </a:effectRef>
+              <a:fontRef idx="minor">
+                <a:schemeClr val="dk1"/>
+              </a:fontRef>
+            </p:style>
+            <p:txBody>
+              <a:bodyPr rtlCol="0" anchor="ctr"/>
+              <a:lstStyle/>
+              <a:p>
+                <a:pPr algn="ctr"/>
+                <a14:m>
+                  <m:oMathPara xmlns:m="http://schemas.openxmlformats.org/officeDocument/2006/math">
+                    <m:oMathParaPr>
+                      <m:jc m:val="center"/>
+                    </m:oMathParaPr>
+                    <m:oMath xmlns:m="http://schemas.openxmlformats.org/officeDocument/2006/math">
+                      <m:r>
+                        <a:rPr lang="en-US" sz="3200" b="0" i="1" dirty="0" smtClean="0">
+                          <a:latin typeface="Cambria Math" panose="02040503050406030204" pitchFamily="18" charset="0"/>
+                        </a:rPr>
+                        <m:t> </m:t>
+                      </m:r>
+                      <m:r>
+                        <a:rPr lang="el-GR" sz="3200" i="1" dirty="0" smtClean="0">
+                          <a:latin typeface="Cambria Math" panose="02040503050406030204" pitchFamily="18" charset="0"/>
+                        </a:rPr>
+                        <m:t>𝜎</m:t>
+                      </m:r>
+                    </m:oMath>
+                  </m:oMathPara>
+                </a14:m>
+                <a:endParaRPr lang="en-US" dirty="0"/>
+              </a:p>
+            </p:txBody>
+          </p:sp>
+        </mc:Choice>
+        <mc:Fallback>
+          <p:sp>
+            <p:nvSpPr>
+              <p:cNvPr id="22" name="Oval 21">
+                <a:extLst>
+                  <a:ext uri="{FF2B5EF4-FFF2-40B4-BE49-F238E27FC236}">
+                    <a16:creationId xmlns:a16="http://schemas.microsoft.com/office/drawing/2014/main" id="{F8AF2A37-379C-7A8A-D70E-876115668647}"/>
+                  </a:ext>
+                </a:extLst>
+              </p:cNvPr>
+              <p:cNvSpPr>
+                <a:spLocks noRot="1" noChangeAspect="1" noMove="1" noResize="1" noEditPoints="1" noAdjustHandles="1" noChangeArrowheads="1" noChangeShapeType="1" noTextEdit="1"/>
+              </p:cNvSpPr>
+              <p:nvPr/>
+            </p:nvSpPr>
+            <p:spPr>
+              <a:xfrm>
+                <a:off x="8582566" y="3475350"/>
+                <a:ext cx="470357" cy="459473"/>
+              </a:xfrm>
+              <a:prstGeom prst="ellipse">
+                <a:avLst/>
+              </a:prstGeom>
+              <a:blipFill>
+                <a:blip r:embed="rId12"/>
+                <a:stretch>
+                  <a:fillRect l="-38462" t="-10526" b="-39474"/>
+                </a:stretch>
+              </a:blipFill>
+            </p:spPr>
+            <p:txBody>
+              <a:bodyPr/>
+              <a:lstStyle/>
+              <a:p>
+                <a:r>
+                  <a:rPr lang="en-US">
+                    <a:noFill/>
+                  </a:rPr>
+                  <a:t> </a:t>
+                </a:r>
+              </a:p>
+            </p:txBody>
+          </p:sp>
+        </mc:Fallback>
+      </mc:AlternateContent>
+      <p:cxnSp>
+        <p:nvCxnSpPr>
+          <p:cNvPr id="25" name="Straight Arrow Connector 24">
+            <a:extLst>
+              <a:ext uri="{FF2B5EF4-FFF2-40B4-BE49-F238E27FC236}">
+                <a16:creationId xmlns:a16="http://schemas.microsoft.com/office/drawing/2014/main" id="{286CAA51-CF9A-5DDB-6D8F-5D6FC86A1BB5}"/>
+              </a:ext>
+            </a:extLst>
+          </p:cNvPr>
+          <p:cNvCxnSpPr>
+            <a:cxnSpLocks/>
+            <a:endCxn id="22" idx="4"/>
+          </p:cNvCxnSpPr>
+          <p:nvPr/>
+        </p:nvCxnSpPr>
+        <p:spPr>
+          <a:xfrm flipV="1">
+            <a:off x="8817745" y="3934823"/>
+            <a:ext cx="0" cy="207440"/>
+          </a:xfrm>
+          <a:prstGeom prst="straightConnector1">
+            <a:avLst/>
+          </a:prstGeom>
+          <a:ln>
+            <a:tailEnd type="triangle"/>
+          </a:ln>
+        </p:spPr>
+        <p:style>
+          <a:lnRef idx="2">
+            <a:schemeClr val="dk1"/>
+          </a:lnRef>
+          <a:fillRef idx="0">
+            <a:schemeClr val="dk1"/>
+          </a:fillRef>
+          <a:effectRef idx="1">
+            <a:schemeClr val="dk1"/>
+          </a:effectRef>
+          <a:fontRef idx="minor">
+            <a:schemeClr val="tx1"/>
+          </a:fontRef>
+        </p:style>
+      </p:cxnSp>
+      <p:cxnSp>
+        <p:nvCxnSpPr>
+          <p:cNvPr id="45" name="Straight Arrow Connector 44">
+            <a:extLst>
+              <a:ext uri="{FF2B5EF4-FFF2-40B4-BE49-F238E27FC236}">
+                <a16:creationId xmlns:a16="http://schemas.microsoft.com/office/drawing/2014/main" id="{9842C82D-269A-63F2-CCA8-A1BD28082954}"/>
+              </a:ext>
+            </a:extLst>
+          </p:cNvPr>
+          <p:cNvCxnSpPr>
+            <a:cxnSpLocks/>
+            <a:stCxn id="22" idx="0"/>
+          </p:cNvCxnSpPr>
+          <p:nvPr/>
+        </p:nvCxnSpPr>
+        <p:spPr>
+          <a:xfrm flipV="1">
+            <a:off x="8817745" y="3299385"/>
+            <a:ext cx="0" cy="175965"/>
+          </a:xfrm>
+          <a:prstGeom prst="straightConnector1">
+            <a:avLst/>
+          </a:prstGeom>
+          <a:ln>
+            <a:tailEnd type="triangle"/>
+          </a:ln>
+        </p:spPr>
+        <p:style>
+          <a:lnRef idx="2">
+            <a:schemeClr val="dk1"/>
+          </a:lnRef>
+          <a:fillRef idx="0">
+            <a:schemeClr val="dk1"/>
+          </a:fillRef>
+          <a:effectRef idx="1">
+            <a:schemeClr val="dk1"/>
+          </a:effectRef>
+          <a:fontRef idx="minor">
+            <a:schemeClr val="tx1"/>
+          </a:fontRef>
+        </p:style>
+      </p:cxnSp>
+      <mc:AlternateContent xmlns:mc="http://schemas.openxmlformats.org/markup-compatibility/2006">
+        <mc:Choice xmlns:a14="http://schemas.microsoft.com/office/drawing/2010/main" Requires="a14">
+          <p:sp>
+            <p:nvSpPr>
+              <p:cNvPr id="47" name="TextBox 46">
+                <a:extLst>
+                  <a:ext uri="{FF2B5EF4-FFF2-40B4-BE49-F238E27FC236}">
+                    <a16:creationId xmlns:a16="http://schemas.microsoft.com/office/drawing/2014/main" id="{1E60CEE3-0806-CCC2-8A5D-389F52EAB991}"/>
+                  </a:ext>
+                </a:extLst>
+              </p:cNvPr>
+              <p:cNvSpPr txBox="1"/>
+              <p:nvPr/>
+            </p:nvSpPr>
+            <p:spPr>
+              <a:xfrm>
+                <a:off x="9267439" y="4152500"/>
+                <a:ext cx="482826" cy="512576"/>
+              </a:xfrm>
+              <a:prstGeom prst="rect">
+                <a:avLst/>
+              </a:prstGeom>
+              <a:noFill/>
+            </p:spPr>
+            <p:txBody>
+              <a:bodyPr wrap="square" rtlCol="0">
+                <a:spAutoFit/>
+              </a:bodyPr>
+              <a:lstStyle/>
+              <a:p>
+                <a:pPr/>
+                <a14:m>
+                  <m:oMathPara xmlns:m="http://schemas.openxmlformats.org/officeDocument/2006/math">
+                    <m:oMathParaPr>
+                      <m:jc m:val="centerGroup"/>
+                    </m:oMathParaPr>
+                    <m:oMath xmlns:m="http://schemas.openxmlformats.org/officeDocument/2006/math">
+                      <m:sSub>
+                        <m:sSubPr>
+                          <m:ctrlPr>
+                            <a:rPr lang="en-US" sz="2797" b="0" i="1" dirty="0" smtClean="0">
+                              <a:solidFill>
+                                <a:schemeClr val="tx1"/>
+                              </a:solidFill>
+                              <a:latin typeface="Cambria Math" panose="02040503050406030204" pitchFamily="18" charset="0"/>
+                              <a:cs typeface="Times New Roman" panose="02020603050405020304" pitchFamily="18" charset="0"/>
+                            </a:rPr>
+                          </m:ctrlPr>
+                        </m:sSubPr>
+                        <m:e>
+                          <m:r>
+                            <a:rPr lang="en-US" sz="2797" b="0" i="1" dirty="0" smtClean="0">
+                              <a:solidFill>
+                                <a:schemeClr val="tx1"/>
+                              </a:solidFill>
+                              <a:latin typeface="Cambria Math" panose="02040503050406030204" pitchFamily="18" charset="0"/>
+                              <a:cs typeface="Times New Roman" panose="02020603050405020304" pitchFamily="18" charset="0"/>
+                            </a:rPr>
+                            <m:t>h</m:t>
+                          </m:r>
+                        </m:e>
+                        <m:sub>
+                          <m:r>
+                            <a:rPr lang="en-US" sz="2797" b="0" i="1" dirty="0" smtClean="0">
+                              <a:solidFill>
+                                <a:schemeClr val="tx1"/>
+                              </a:solidFill>
+                              <a:latin typeface="Cambria Math" panose="02040503050406030204" pitchFamily="18" charset="0"/>
+                              <a:cs typeface="Times New Roman" panose="02020603050405020304" pitchFamily="18" charset="0"/>
+                            </a:rPr>
+                            <m:t>2</m:t>
+                          </m:r>
+                        </m:sub>
+                      </m:sSub>
+                    </m:oMath>
+                  </m:oMathPara>
+                </a14:m>
+                <a:endParaRPr lang="en-US" sz="2797" baseline="-25000" dirty="0">
+                  <a:latin typeface="Times New Roman" panose="02020603050405020304" pitchFamily="18" charset="0"/>
+                  <a:cs typeface="Times New Roman" panose="02020603050405020304" pitchFamily="18" charset="0"/>
+                </a:endParaRPr>
+              </a:p>
+            </p:txBody>
+          </p:sp>
+        </mc:Choice>
+        <mc:Fallback>
+          <p:sp>
+            <p:nvSpPr>
+              <p:cNvPr id="47" name="TextBox 46">
+                <a:extLst>
+                  <a:ext uri="{FF2B5EF4-FFF2-40B4-BE49-F238E27FC236}">
+                    <a16:creationId xmlns:a16="http://schemas.microsoft.com/office/drawing/2014/main" id="{1E60CEE3-0806-CCC2-8A5D-389F52EAB991}"/>
+                  </a:ext>
+                </a:extLst>
+              </p:cNvPr>
+              <p:cNvSpPr txBox="1">
+                <a:spLocks noRot="1" noChangeAspect="1" noMove="1" noResize="1" noEditPoints="1" noAdjustHandles="1" noChangeArrowheads="1" noChangeShapeType="1" noTextEdit="1"/>
+              </p:cNvSpPr>
+              <p:nvPr/>
+            </p:nvSpPr>
+            <p:spPr>
+              <a:xfrm>
+                <a:off x="9267439" y="4152500"/>
+                <a:ext cx="482826" cy="512576"/>
+              </a:xfrm>
+              <a:prstGeom prst="rect">
+                <a:avLst/>
+              </a:prstGeom>
+              <a:blipFill>
+                <a:blip r:embed="rId13"/>
+                <a:stretch>
+                  <a:fillRect l="-7692" r="-7692" b="-7143"/>
+                </a:stretch>
+              </a:blipFill>
+            </p:spPr>
+            <p:txBody>
+              <a:bodyPr/>
+              <a:lstStyle/>
+              <a:p>
+                <a:r>
+                  <a:rPr lang="en-US">
+                    <a:noFill/>
+                  </a:rPr>
+                  <a:t> </a:t>
+                </a:r>
+              </a:p>
+            </p:txBody>
+          </p:sp>
+        </mc:Fallback>
+      </mc:AlternateContent>
+      <mc:AlternateContent xmlns:mc="http://schemas.openxmlformats.org/markup-compatibility/2006">
+        <mc:Choice xmlns:a14="http://schemas.microsoft.com/office/drawing/2010/main" Requires="a14">
+          <p:graphicFrame>
+            <p:nvGraphicFramePr>
+              <p:cNvPr id="48" name="Table 47">
+                <a:extLst>
+                  <a:ext uri="{FF2B5EF4-FFF2-40B4-BE49-F238E27FC236}">
+                    <a16:creationId xmlns:a16="http://schemas.microsoft.com/office/drawing/2014/main" id="{4FC08466-8463-AAF0-641D-62460241C68C}"/>
+                  </a:ext>
+                </a:extLst>
+              </p:cNvPr>
+              <p:cNvGraphicFramePr>
+                <a:graphicFrameLocks noGrp="1"/>
+              </p:cNvGraphicFramePr>
+              <p:nvPr>
+                <p:extLst>
+                  <p:ext uri="{D42A27DB-BD31-4B8C-83A1-F6EECF244321}">
+                    <p14:modId xmlns:p14="http://schemas.microsoft.com/office/powerpoint/2010/main" val="3933251059"/>
+                  </p:ext>
+                </p:extLst>
+              </p:nvPr>
+            </p:nvGraphicFramePr>
+            <p:xfrm>
+              <a:off x="8435563" y="5369487"/>
+              <a:ext cx="1416372" cy="707853"/>
+            </p:xfrm>
+            <a:graphic>
+              <a:graphicData uri="http://schemas.openxmlformats.org/drawingml/2006/table">
+                <a:tbl>
+                  <a:tblPr firstRow="1" bandRow="1">
+                    <a:tableStyleId>{5C22544A-7EE6-4342-B048-85BDC9FD1C3A}</a:tableStyleId>
+                  </a:tblPr>
+                  <a:tblGrid>
+                    <a:gridCol w="708186">
+                      <a:extLst>
+                        <a:ext uri="{9D8B030D-6E8A-4147-A177-3AD203B41FA5}">
+                          <a16:colId xmlns:a16="http://schemas.microsoft.com/office/drawing/2014/main" val="770359110"/>
+                        </a:ext>
+                      </a:extLst>
+                    </a:gridCol>
+                    <a:gridCol w="708186">
+                      <a:extLst>
+                        <a:ext uri="{9D8B030D-6E8A-4147-A177-3AD203B41FA5}">
+                          <a16:colId xmlns:a16="http://schemas.microsoft.com/office/drawing/2014/main" val="440623976"/>
+                        </a:ext>
+                      </a:extLst>
+                    </a:gridCol>
+                  </a:tblGrid>
+                  <a:tr h="707853">
+                    <a:tc>
+                      <a:txBody>
+                        <a:bodyPr/>
+                        <a:lstStyle/>
+                        <a:p>
+                          <a:pPr algn="ctr"/>
+                          <a14:m>
+                            <m:oMathPara xmlns:m="http://schemas.openxmlformats.org/officeDocument/2006/math">
+                              <m:oMathParaPr>
+                                <m:jc m:val="centerGroup"/>
+                              </m:oMathParaPr>
+                              <m:oMath xmlns:m="http://schemas.openxmlformats.org/officeDocument/2006/math">
+                                <m:sSub>
+                                  <m:sSubPr>
+                                    <m:ctrlPr>
+                                      <a:rPr lang="en-US" sz="2400" b="0" i="1" dirty="0" smtClean="0">
+                                        <a:solidFill>
+                                          <a:schemeClr val="tx1"/>
+                                        </a:solidFill>
+                                        <a:latin typeface="Cambria Math" panose="02040503050406030204" pitchFamily="18" charset="0"/>
+                                      </a:rPr>
+                                    </m:ctrlPr>
+                                  </m:sSubPr>
+                                  <m:e>
+                                    <m:r>
+                                      <a:rPr lang="en-US" sz="2400" b="0" i="1" dirty="0" smtClean="0">
+                                        <a:solidFill>
+                                          <a:schemeClr val="tx1"/>
+                                        </a:solidFill>
+                                        <a:latin typeface="Cambria Math" panose="02040503050406030204" pitchFamily="18" charset="0"/>
+                                      </a:rPr>
+                                      <m:t>𝑥</m:t>
+                                    </m:r>
+                                  </m:e>
+                                  <m:sub>
+                                    <m:r>
+                                      <a:rPr lang="en-US" sz="2400" b="0" i="1" dirty="0" smtClean="0">
+                                        <a:solidFill>
+                                          <a:schemeClr val="tx1"/>
+                                        </a:solidFill>
+                                        <a:latin typeface="Cambria Math" panose="02040503050406030204" pitchFamily="18" charset="0"/>
+                                      </a:rPr>
+                                      <m:t>1</m:t>
+                                    </m:r>
+                                  </m:sub>
+                                </m:sSub>
+                              </m:oMath>
+                            </m:oMathPara>
+                          </a14:m>
+                          <a:endParaRPr lang="en-US" sz="2400" b="0" i="0" dirty="0">
+                            <a:solidFill>
+                              <a:schemeClr val="tx1"/>
+                            </a:solidFill>
+                          </a:endParaRPr>
+                        </a:p>
+                      </a:txBody>
+                      <a:tcPr anchor="ctr">
+                        <a:lnL w="38100" cap="flat" cmpd="sng" algn="ctr">
+                          <a:solidFill>
+                            <a:schemeClr val="tx1"/>
+                          </a:solidFill>
+                          <a:prstDash val="solid"/>
+                          <a:round/>
+                          <a:headEnd type="none" w="med" len="med"/>
+                          <a:tailEnd type="none" w="med" len="med"/>
+                        </a:lnL>
+                        <a:lnR w="38100" cap="flat" cmpd="sng" algn="ctr">
+                          <a:solidFill>
+                            <a:schemeClr val="tx1"/>
+                          </a:solidFill>
+                          <a:prstDash val="solid"/>
+                          <a:round/>
+                          <a:headEnd type="none" w="med" len="med"/>
+                          <a:tailEnd type="none" w="med" len="med"/>
+                        </a:lnR>
+                        <a:lnT w="38100" cap="flat" cmpd="sng" algn="ctr">
+                          <a:solidFill>
+                            <a:schemeClr val="tx1"/>
+                          </a:solidFill>
+                          <a:prstDash val="solid"/>
+                          <a:round/>
+                          <a:headEnd type="none" w="med" len="med"/>
+                          <a:tailEnd type="none" w="med" len="med"/>
+                        </a:lnT>
+                        <a:lnB w="38100" cap="flat" cmpd="sng" algn="ctr">
+                          <a:solidFill>
+                            <a:schemeClr val="tx1"/>
+                          </a:solidFill>
+                          <a:prstDash val="solid"/>
+                          <a:round/>
+                          <a:headEnd type="none" w="med" len="med"/>
+                          <a:tailEnd type="none" w="med" len="med"/>
+                        </a:lnB>
+                        <a:noFill/>
+                      </a:tcPr>
+                    </a:tc>
+                    <a:tc>
+                      <a:txBody>
+                        <a:bodyPr/>
+                        <a:lstStyle/>
+                        <a:p>
+                          <a:pPr algn="ctr"/>
+                          <a14:m>
+                            <m:oMathPara xmlns:m="http://schemas.openxmlformats.org/officeDocument/2006/math">
+                              <m:oMathParaPr>
+                                <m:jc m:val="centerGroup"/>
+                              </m:oMathParaPr>
+                              <m:oMath xmlns:m="http://schemas.openxmlformats.org/officeDocument/2006/math">
+                                <m:sSub>
+                                  <m:sSubPr>
+                                    <m:ctrlPr>
+                                      <a:rPr lang="en-US" sz="2400" b="0" i="1" dirty="0" smtClean="0">
+                                        <a:solidFill>
+                                          <a:schemeClr val="tx1"/>
+                                        </a:solidFill>
+                                        <a:latin typeface="Cambria Math" panose="02040503050406030204" pitchFamily="18" charset="0"/>
+                                      </a:rPr>
+                                    </m:ctrlPr>
+                                  </m:sSubPr>
+                                  <m:e>
+                                    <m:r>
+                                      <a:rPr lang="en-US" sz="2400" b="0" i="1" dirty="0" smtClean="0">
+                                        <a:solidFill>
+                                          <a:schemeClr val="tx1"/>
+                                        </a:solidFill>
+                                        <a:latin typeface="Cambria Math" panose="02040503050406030204" pitchFamily="18" charset="0"/>
+                                      </a:rPr>
+                                      <m:t>𝑥</m:t>
+                                    </m:r>
+                                  </m:e>
+                                  <m:sub>
+                                    <m:r>
+                                      <a:rPr lang="en-US" sz="2400" b="0" i="1" dirty="0" smtClean="0">
+                                        <a:solidFill>
+                                          <a:schemeClr val="tx1"/>
+                                        </a:solidFill>
+                                        <a:latin typeface="Cambria Math" panose="02040503050406030204" pitchFamily="18" charset="0"/>
+                                      </a:rPr>
+                                      <m:t>2</m:t>
+                                    </m:r>
+                                  </m:sub>
+                                </m:sSub>
+                              </m:oMath>
+                            </m:oMathPara>
+                          </a14:m>
+                          <a:endParaRPr lang="en-US" sz="2400" b="0" i="0" dirty="0">
+                            <a:solidFill>
+                              <a:schemeClr val="tx1"/>
+                            </a:solidFill>
+                          </a:endParaRPr>
+                        </a:p>
+                      </a:txBody>
+                      <a:tcPr anchor="ctr">
+                        <a:lnL w="38100" cap="flat" cmpd="sng" algn="ctr">
+                          <a:solidFill>
+                            <a:schemeClr val="tx1"/>
+                          </a:solidFill>
+                          <a:prstDash val="solid"/>
+                          <a:round/>
+                          <a:headEnd type="none" w="med" len="med"/>
+                          <a:tailEnd type="none" w="med" len="med"/>
+                        </a:lnL>
+                        <a:lnR w="38100" cap="flat" cmpd="sng" algn="ctr">
+                          <a:solidFill>
+                            <a:schemeClr val="tx1"/>
+                          </a:solidFill>
+                          <a:prstDash val="solid"/>
+                          <a:round/>
+                          <a:headEnd type="none" w="med" len="med"/>
+                          <a:tailEnd type="none" w="med" len="med"/>
+                        </a:lnR>
+                        <a:lnT w="38100" cap="flat" cmpd="sng" algn="ctr">
+                          <a:solidFill>
+                            <a:schemeClr val="tx1"/>
+                          </a:solidFill>
+                          <a:prstDash val="solid"/>
+                          <a:round/>
+                          <a:headEnd type="none" w="med" len="med"/>
+                          <a:tailEnd type="none" w="med" len="med"/>
+                        </a:lnT>
+                        <a:lnB w="38100" cap="flat" cmpd="sng" algn="ctr">
+                          <a:solidFill>
+                            <a:schemeClr val="tx1"/>
+                          </a:solidFill>
+                          <a:prstDash val="solid"/>
+                          <a:round/>
+                          <a:headEnd type="none" w="med" len="med"/>
+                          <a:tailEnd type="none" w="med" len="med"/>
+                        </a:lnB>
+                        <a:noFill/>
+                      </a:tcPr>
+                    </a:tc>
+                    <a:extLst>
+                      <a:ext uri="{0D108BD9-81ED-4DB2-BD59-A6C34878D82A}">
+                        <a16:rowId xmlns:a16="http://schemas.microsoft.com/office/drawing/2014/main" val="3775152605"/>
+                      </a:ext>
+                    </a:extLst>
+                  </a:tr>
+                </a:tbl>
+              </a:graphicData>
+            </a:graphic>
+          </p:graphicFrame>
+        </mc:Choice>
+        <mc:Fallback>
+          <p:graphicFrame>
+            <p:nvGraphicFramePr>
+              <p:cNvPr id="48" name="Table 47">
+                <a:extLst>
+                  <a:ext uri="{FF2B5EF4-FFF2-40B4-BE49-F238E27FC236}">
+                    <a16:creationId xmlns:a16="http://schemas.microsoft.com/office/drawing/2014/main" id="{4FC08466-8463-AAF0-641D-62460241C68C}"/>
+                  </a:ext>
+                </a:extLst>
+              </p:cNvPr>
+              <p:cNvGraphicFramePr>
+                <a:graphicFrameLocks noGrp="1"/>
+              </p:cNvGraphicFramePr>
+              <p:nvPr>
+                <p:extLst>
+                  <p:ext uri="{D42A27DB-BD31-4B8C-83A1-F6EECF244321}">
+                    <p14:modId xmlns:p14="http://schemas.microsoft.com/office/powerpoint/2010/main" val="3933251059"/>
+                  </p:ext>
+                </p:extLst>
+              </p:nvPr>
+            </p:nvGraphicFramePr>
+            <p:xfrm>
+              <a:off x="8435563" y="5369487"/>
+              <a:ext cx="1416372" cy="707853"/>
+            </p:xfrm>
+            <a:graphic>
+              <a:graphicData uri="http://schemas.openxmlformats.org/drawingml/2006/table">
+                <a:tbl>
+                  <a:tblPr firstRow="1" bandRow="1">
+                    <a:tableStyleId>{5C22544A-7EE6-4342-B048-85BDC9FD1C3A}</a:tableStyleId>
+                  </a:tblPr>
+                  <a:tblGrid>
+                    <a:gridCol w="708186">
+                      <a:extLst>
+                        <a:ext uri="{9D8B030D-6E8A-4147-A177-3AD203B41FA5}">
+                          <a16:colId xmlns:a16="http://schemas.microsoft.com/office/drawing/2014/main" val="770359110"/>
+                        </a:ext>
+                      </a:extLst>
+                    </a:gridCol>
+                    <a:gridCol w="708186">
+                      <a:extLst>
+                        <a:ext uri="{9D8B030D-6E8A-4147-A177-3AD203B41FA5}">
+                          <a16:colId xmlns:a16="http://schemas.microsoft.com/office/drawing/2014/main" val="440623976"/>
+                        </a:ext>
+                      </a:extLst>
+                    </a:gridCol>
+                  </a:tblGrid>
+                  <a:tr h="707853">
+                    <a:tc>
+                      <a:txBody>
+                        <a:bodyPr/>
+                        <a:lstStyle/>
+                        <a:p>
+                          <a:endParaRPr lang="en-US"/>
+                        </a:p>
+                      </a:txBody>
+                      <a:tcPr anchor="ctr">
+                        <a:lnL w="38100" cap="flat" cmpd="sng" algn="ctr">
+                          <a:solidFill>
+                            <a:schemeClr val="tx1"/>
+                          </a:solidFill>
+                          <a:prstDash val="solid"/>
+                          <a:round/>
+                          <a:headEnd type="none" w="med" len="med"/>
+                          <a:tailEnd type="none" w="med" len="med"/>
+                        </a:lnL>
+                        <a:lnR w="38100" cap="flat" cmpd="sng" algn="ctr">
+                          <a:solidFill>
+                            <a:schemeClr val="tx1"/>
+                          </a:solidFill>
+                          <a:prstDash val="solid"/>
+                          <a:round/>
+                          <a:headEnd type="none" w="med" len="med"/>
+                          <a:tailEnd type="none" w="med" len="med"/>
+                        </a:lnR>
+                        <a:lnT w="38100" cap="flat" cmpd="sng" algn="ctr">
+                          <a:solidFill>
+                            <a:schemeClr val="tx1"/>
+                          </a:solidFill>
+                          <a:prstDash val="solid"/>
+                          <a:round/>
+                          <a:headEnd type="none" w="med" len="med"/>
+                          <a:tailEnd type="none" w="med" len="med"/>
+                        </a:lnT>
+                        <a:lnB w="38100" cap="flat" cmpd="sng" algn="ctr">
+                          <a:solidFill>
+                            <a:schemeClr val="tx1"/>
+                          </a:solidFill>
+                          <a:prstDash val="solid"/>
+                          <a:round/>
+                          <a:headEnd type="none" w="med" len="med"/>
+                          <a:tailEnd type="none" w="med" len="med"/>
+                        </a:lnB>
+                        <a:blipFill>
+                          <a:blip r:embed="rId14"/>
+                          <a:stretch>
+                            <a:fillRect l="-3571" t="-3509" r="-107143" b="-5263"/>
+                          </a:stretch>
+                        </a:blipFill>
+                      </a:tcPr>
+                    </a:tc>
+                    <a:tc>
+                      <a:txBody>
+                        <a:bodyPr/>
+                        <a:lstStyle/>
+                        <a:p>
+                          <a:endParaRPr lang="en-US"/>
+                        </a:p>
+                      </a:txBody>
+                      <a:tcPr anchor="ctr">
+                        <a:lnL w="38100" cap="flat" cmpd="sng" algn="ctr">
+                          <a:solidFill>
+                            <a:schemeClr val="tx1"/>
+                          </a:solidFill>
+                          <a:prstDash val="solid"/>
+                          <a:round/>
+                          <a:headEnd type="none" w="med" len="med"/>
+                          <a:tailEnd type="none" w="med" len="med"/>
+                        </a:lnL>
+                        <a:lnR w="38100" cap="flat" cmpd="sng" algn="ctr">
+                          <a:solidFill>
+                            <a:schemeClr val="tx1"/>
+                          </a:solidFill>
+                          <a:prstDash val="solid"/>
+                          <a:round/>
+                          <a:headEnd type="none" w="med" len="med"/>
+                          <a:tailEnd type="none" w="med" len="med"/>
+                        </a:lnR>
+                        <a:lnT w="38100" cap="flat" cmpd="sng" algn="ctr">
+                          <a:solidFill>
+                            <a:schemeClr val="tx1"/>
+                          </a:solidFill>
+                          <a:prstDash val="solid"/>
+                          <a:round/>
+                          <a:headEnd type="none" w="med" len="med"/>
+                          <a:tailEnd type="none" w="med" len="med"/>
+                        </a:lnT>
+                        <a:lnB w="38100" cap="flat" cmpd="sng" algn="ctr">
+                          <a:solidFill>
+                            <a:schemeClr val="tx1"/>
+                          </a:solidFill>
+                          <a:prstDash val="solid"/>
+                          <a:round/>
+                          <a:headEnd type="none" w="med" len="med"/>
+                          <a:tailEnd type="none" w="med" len="med"/>
+                        </a:lnB>
+                        <a:blipFill>
+                          <a:blip r:embed="rId14"/>
+                          <a:stretch>
+                            <a:fillRect l="-103571" t="-3509" r="-7143" b="-5263"/>
+                          </a:stretch>
+                        </a:blipFill>
+                      </a:tcPr>
+                    </a:tc>
+                    <a:extLst>
+                      <a:ext uri="{0D108BD9-81ED-4DB2-BD59-A6C34878D82A}">
+                        <a16:rowId xmlns:a16="http://schemas.microsoft.com/office/drawing/2014/main" val="3775152605"/>
+                      </a:ext>
+                    </a:extLst>
+                  </a:tr>
+                </a:tbl>
+              </a:graphicData>
+            </a:graphic>
+          </p:graphicFrame>
+        </mc:Fallback>
+      </mc:AlternateContent>
+      <p:sp>
+        <p:nvSpPr>
+          <p:cNvPr id="49" name="TextBox 48">
+            <a:extLst>
+              <a:ext uri="{FF2B5EF4-FFF2-40B4-BE49-F238E27FC236}">
+                <a16:creationId xmlns:a16="http://schemas.microsoft.com/office/drawing/2014/main" id="{2DFA82BB-74C1-4FCF-7F72-ECF07350B4F5}"/>
+              </a:ext>
+            </a:extLst>
+          </p:cNvPr>
+          <p:cNvSpPr txBox="1"/>
+          <p:nvPr/>
+        </p:nvSpPr>
+        <p:spPr>
+          <a:xfrm rot="18054908">
+            <a:off x="8753219" y="6401593"/>
+            <a:ext cx="1090081" cy="307777"/>
+          </a:xfrm>
+          <a:prstGeom prst="rect">
+            <a:avLst/>
+          </a:prstGeom>
+          <a:noFill/>
+        </p:spPr>
+        <p:txBody>
+          <a:bodyPr wrap="square" rtlCol="0">
+            <a:spAutoFit/>
+          </a:bodyPr>
+          <a:lstStyle/>
+          <a:p>
+            <a:pPr algn="r"/>
+            <a:r>
+              <a:rPr lang="en-US" sz="1400" dirty="0"/>
+              <a:t>Sex</a:t>
+            </a:r>
+          </a:p>
+        </p:txBody>
+      </p:sp>
+      <mc:AlternateContent xmlns:mc="http://schemas.openxmlformats.org/markup-compatibility/2006">
+        <mc:Choice xmlns:a14="http://schemas.microsoft.com/office/drawing/2010/main" Requires="a14">
+          <p:sp>
+            <p:nvSpPr>
+              <p:cNvPr id="51" name="TextBox 50">
+                <a:extLst>
+                  <a:ext uri="{FF2B5EF4-FFF2-40B4-BE49-F238E27FC236}">
+                    <a16:creationId xmlns:a16="http://schemas.microsoft.com/office/drawing/2014/main" id="{DC59623E-E25F-7799-7534-BAE2468534D6}"/>
+                  </a:ext>
+                </a:extLst>
+              </p:cNvPr>
+              <p:cNvSpPr txBox="1"/>
+              <p:nvPr/>
+            </p:nvSpPr>
+            <p:spPr>
+              <a:xfrm>
+                <a:off x="8410193" y="2790635"/>
+                <a:ext cx="1000972" cy="392993"/>
+              </a:xfrm>
+              <a:prstGeom prst="rect">
+                <a:avLst/>
+              </a:prstGeom>
+              <a:noFill/>
+            </p:spPr>
+            <p:txBody>
+              <a:bodyPr wrap="square" rtlCol="0">
+                <a:spAutoFit/>
+              </a:bodyPr>
+              <a:lstStyle/>
+              <a:p>
+                <a:pPr/>
+                <a14:m>
+                  <m:oMathPara xmlns:m="http://schemas.openxmlformats.org/officeDocument/2006/math">
+                    <m:oMathParaPr>
+                      <m:jc m:val="left"/>
+                    </m:oMathParaPr>
+                    <m:oMath xmlns:m="http://schemas.openxmlformats.org/officeDocument/2006/math">
+                      <m:r>
+                        <a:rPr lang="en-US" sz="2000" b="0" i="1" dirty="0" smtClean="0">
+                          <a:latin typeface="Cambria Math" panose="02040503050406030204" pitchFamily="18" charset="0"/>
+                          <a:cs typeface="Times New Roman" panose="02020603050405020304" pitchFamily="18" charset="0"/>
+                        </a:rPr>
+                        <m:t>𝜎</m:t>
+                      </m:r>
+                      <m:r>
+                        <a:rPr lang="en-US" sz="2000" b="0" i="1" dirty="0" smtClean="0">
+                          <a:latin typeface="Cambria Math" panose="02040503050406030204" pitchFamily="18" charset="0"/>
+                          <a:cs typeface="Times New Roman" panose="02020603050405020304" pitchFamily="18" charset="0"/>
+                        </a:rPr>
+                        <m:t>(</m:t>
+                      </m:r>
+                      <m:sSub>
+                        <m:sSubPr>
+                          <m:ctrlPr>
+                            <a:rPr lang="en-US" sz="2000" b="0" i="1" dirty="0" smtClean="0">
+                              <a:latin typeface="Cambria Math" panose="02040503050406030204" pitchFamily="18" charset="0"/>
+                              <a:cs typeface="Times New Roman" panose="02020603050405020304" pitchFamily="18" charset="0"/>
+                            </a:rPr>
+                          </m:ctrlPr>
+                        </m:sSubPr>
+                        <m:e>
+                          <m:r>
+                            <a:rPr lang="en-US" sz="2000" b="0" i="1" dirty="0" smtClean="0">
+                              <a:latin typeface="Cambria Math" panose="02040503050406030204" pitchFamily="18" charset="0"/>
+                              <a:cs typeface="Times New Roman" panose="02020603050405020304" pitchFamily="18" charset="0"/>
+                            </a:rPr>
+                            <m:t>h</m:t>
+                          </m:r>
+                        </m:e>
+                        <m:sub>
+                          <m:r>
+                            <a:rPr lang="en-US" sz="2000" b="0" i="1" dirty="0" smtClean="0">
+                              <a:latin typeface="Cambria Math" panose="02040503050406030204" pitchFamily="18" charset="0"/>
+                              <a:cs typeface="Times New Roman" panose="02020603050405020304" pitchFamily="18" charset="0"/>
+                            </a:rPr>
+                            <m:t>1</m:t>
+                          </m:r>
+                        </m:sub>
+                      </m:sSub>
+                      <m:r>
+                        <a:rPr lang="en-US" sz="2000" b="0" i="1" dirty="0" smtClean="0">
+                          <a:latin typeface="Cambria Math" panose="02040503050406030204" pitchFamily="18" charset="0"/>
+                          <a:cs typeface="Times New Roman" panose="02020603050405020304" pitchFamily="18" charset="0"/>
+                        </a:rPr>
+                        <m:t>)</m:t>
+                      </m:r>
+                    </m:oMath>
+                  </m:oMathPara>
+                </a14:m>
+                <a:endParaRPr lang="en-US" sz="2000" baseline="-25000" dirty="0">
+                  <a:latin typeface="Times New Roman" panose="02020603050405020304" pitchFamily="18" charset="0"/>
+                  <a:cs typeface="Times New Roman" panose="02020603050405020304" pitchFamily="18" charset="0"/>
+                </a:endParaRPr>
+              </a:p>
+            </p:txBody>
+          </p:sp>
+        </mc:Choice>
+        <mc:Fallback>
+          <p:sp>
+            <p:nvSpPr>
+              <p:cNvPr id="51" name="TextBox 50">
+                <a:extLst>
+                  <a:ext uri="{FF2B5EF4-FFF2-40B4-BE49-F238E27FC236}">
+                    <a16:creationId xmlns:a16="http://schemas.microsoft.com/office/drawing/2014/main" id="{DC59623E-E25F-7799-7534-BAE2468534D6}"/>
+                  </a:ext>
+                </a:extLst>
+              </p:cNvPr>
+              <p:cNvSpPr txBox="1">
+                <a:spLocks noRot="1" noChangeAspect="1" noMove="1" noResize="1" noEditPoints="1" noAdjustHandles="1" noChangeArrowheads="1" noChangeShapeType="1" noTextEdit="1"/>
+              </p:cNvSpPr>
+              <p:nvPr/>
+            </p:nvSpPr>
+            <p:spPr>
+              <a:xfrm>
+                <a:off x="8410193" y="2790635"/>
+                <a:ext cx="1000972" cy="392993"/>
+              </a:xfrm>
+              <a:prstGeom prst="rect">
+                <a:avLst/>
+              </a:prstGeom>
+              <a:blipFill>
+                <a:blip r:embed="rId15"/>
+                <a:stretch>
+                  <a:fillRect b="-15625"/>
+                </a:stretch>
+              </a:blipFill>
+            </p:spPr>
+            <p:txBody>
+              <a:bodyPr/>
+              <a:lstStyle/>
+              <a:p>
+                <a:r>
+                  <a:rPr lang="en-US">
+                    <a:noFill/>
+                  </a:rPr>
+                  <a:t> </a:t>
+                </a:r>
+              </a:p>
+            </p:txBody>
+          </p:sp>
+        </mc:Fallback>
+      </mc:AlternateContent>
+      <mc:AlternateContent xmlns:mc="http://schemas.openxmlformats.org/markup-compatibility/2006">
+        <mc:Choice xmlns:a14="http://schemas.microsoft.com/office/drawing/2010/main" Requires="a14">
+          <p:sp>
+            <p:nvSpPr>
+              <p:cNvPr id="52" name="TextBox 51">
+                <a:extLst>
+                  <a:ext uri="{FF2B5EF4-FFF2-40B4-BE49-F238E27FC236}">
+                    <a16:creationId xmlns:a16="http://schemas.microsoft.com/office/drawing/2014/main" id="{60F88577-6B55-5FF1-0E43-6D6C2E944C2D}"/>
+                  </a:ext>
+                </a:extLst>
+              </p:cNvPr>
+              <p:cNvSpPr txBox="1"/>
+              <p:nvPr/>
+            </p:nvSpPr>
+            <p:spPr>
+              <a:xfrm>
+                <a:off x="8582566" y="4152500"/>
+                <a:ext cx="482826" cy="512576"/>
+              </a:xfrm>
+              <a:prstGeom prst="rect">
+                <a:avLst/>
+              </a:prstGeom>
+              <a:noFill/>
+            </p:spPr>
+            <p:txBody>
+              <a:bodyPr wrap="square" rtlCol="0">
+                <a:spAutoFit/>
+              </a:bodyPr>
+              <a:lstStyle/>
+              <a:p>
+                <a:pPr/>
+                <a14:m>
+                  <m:oMathPara xmlns:m="http://schemas.openxmlformats.org/officeDocument/2006/math">
+                    <m:oMathParaPr>
+                      <m:jc m:val="centerGroup"/>
+                    </m:oMathParaPr>
+                    <m:oMath xmlns:m="http://schemas.openxmlformats.org/officeDocument/2006/math">
+                      <m:sSub>
+                        <m:sSubPr>
+                          <m:ctrlPr>
+                            <a:rPr lang="en-US" sz="2797" b="0" i="1" dirty="0" smtClean="0">
+                              <a:solidFill>
+                                <a:schemeClr val="tx1"/>
+                              </a:solidFill>
+                              <a:latin typeface="Cambria Math" panose="02040503050406030204" pitchFamily="18" charset="0"/>
+                              <a:cs typeface="Times New Roman" panose="02020603050405020304" pitchFamily="18" charset="0"/>
+                            </a:rPr>
+                          </m:ctrlPr>
+                        </m:sSubPr>
+                        <m:e>
+                          <m:r>
+                            <a:rPr lang="en-US" sz="2797" b="0" i="1" dirty="0" smtClean="0">
+                              <a:solidFill>
+                                <a:schemeClr val="tx1"/>
+                              </a:solidFill>
+                              <a:latin typeface="Cambria Math" panose="02040503050406030204" pitchFamily="18" charset="0"/>
+                              <a:cs typeface="Times New Roman" panose="02020603050405020304" pitchFamily="18" charset="0"/>
+                            </a:rPr>
+                            <m:t>h</m:t>
+                          </m:r>
+                        </m:e>
+                        <m:sub>
+                          <m:r>
+                            <a:rPr lang="en-US" sz="2797" b="0" i="1" dirty="0" smtClean="0">
+                              <a:solidFill>
+                                <a:schemeClr val="tx1"/>
+                              </a:solidFill>
+                              <a:latin typeface="Cambria Math" panose="02040503050406030204" pitchFamily="18" charset="0"/>
+                              <a:cs typeface="Times New Roman" panose="02020603050405020304" pitchFamily="18" charset="0"/>
+                            </a:rPr>
+                            <m:t>1</m:t>
+                          </m:r>
+                        </m:sub>
+                      </m:sSub>
+                    </m:oMath>
+                  </m:oMathPara>
+                </a14:m>
+                <a:endParaRPr lang="en-US" sz="2797" baseline="-25000" dirty="0">
+                  <a:latin typeface="Times New Roman" panose="02020603050405020304" pitchFamily="18" charset="0"/>
+                  <a:cs typeface="Times New Roman" panose="02020603050405020304" pitchFamily="18" charset="0"/>
+                </a:endParaRPr>
+              </a:p>
+            </p:txBody>
+          </p:sp>
+        </mc:Choice>
+        <mc:Fallback>
+          <p:sp>
+            <p:nvSpPr>
+              <p:cNvPr id="52" name="TextBox 51">
+                <a:extLst>
+                  <a:ext uri="{FF2B5EF4-FFF2-40B4-BE49-F238E27FC236}">
+                    <a16:creationId xmlns:a16="http://schemas.microsoft.com/office/drawing/2014/main" id="{60F88577-6B55-5FF1-0E43-6D6C2E944C2D}"/>
+                  </a:ext>
+                </a:extLst>
+              </p:cNvPr>
+              <p:cNvSpPr txBox="1">
+                <a:spLocks noRot="1" noChangeAspect="1" noMove="1" noResize="1" noEditPoints="1" noAdjustHandles="1" noChangeArrowheads="1" noChangeShapeType="1" noTextEdit="1"/>
+              </p:cNvSpPr>
+              <p:nvPr/>
+            </p:nvSpPr>
+            <p:spPr>
+              <a:xfrm>
+                <a:off x="8582566" y="4152500"/>
+                <a:ext cx="482826" cy="512576"/>
+              </a:xfrm>
+              <a:prstGeom prst="rect">
+                <a:avLst/>
+              </a:prstGeom>
+              <a:blipFill>
+                <a:blip r:embed="rId16"/>
+                <a:stretch>
+                  <a:fillRect l="-7692" r="-7692" b="-7143"/>
+                </a:stretch>
+              </a:blipFill>
+            </p:spPr>
+            <p:txBody>
+              <a:bodyPr/>
+              <a:lstStyle/>
+              <a:p>
+                <a:r>
+                  <a:rPr lang="en-US">
+                    <a:noFill/>
+                  </a:rPr>
+                  <a:t> </a:t>
+                </a:r>
+              </a:p>
+            </p:txBody>
+          </p:sp>
+        </mc:Fallback>
+      </mc:AlternateContent>
+      <mc:AlternateContent xmlns:mc="http://schemas.openxmlformats.org/markup-compatibility/2006">
+        <mc:Choice xmlns:a14="http://schemas.microsoft.com/office/drawing/2010/main" Requires="a14">
+          <p:sp>
+            <p:nvSpPr>
+              <p:cNvPr id="53" name="Oval 52">
+                <a:extLst>
+                  <a:ext uri="{FF2B5EF4-FFF2-40B4-BE49-F238E27FC236}">
+                    <a16:creationId xmlns:a16="http://schemas.microsoft.com/office/drawing/2014/main" id="{43040129-7B67-8E31-CD5D-C0BD5B1DC1EB}"/>
+                  </a:ext>
+                </a:extLst>
+              </p:cNvPr>
+              <p:cNvSpPr/>
+              <p:nvPr/>
+            </p:nvSpPr>
+            <p:spPr>
+              <a:xfrm>
+                <a:off x="9267188" y="3476786"/>
+                <a:ext cx="470357" cy="459473"/>
+              </a:xfrm>
+              <a:prstGeom prst="ellipse">
+                <a:avLst/>
+              </a:prstGeom>
+            </p:spPr>
+            <p:style>
+              <a:lnRef idx="2">
+                <a:schemeClr val="dk1"/>
+              </a:lnRef>
+              <a:fillRef idx="1">
+                <a:schemeClr val="lt1"/>
+              </a:fillRef>
+              <a:effectRef idx="0">
+                <a:schemeClr val="dk1"/>
+              </a:effectRef>
+              <a:fontRef idx="minor">
+                <a:schemeClr val="dk1"/>
+              </a:fontRef>
+            </p:style>
+            <p:txBody>
+              <a:bodyPr rtlCol="0" anchor="ctr"/>
+              <a:lstStyle/>
+              <a:p>
+                <a:pPr algn="ctr"/>
+                <a14:m>
+                  <m:oMathPara xmlns:m="http://schemas.openxmlformats.org/officeDocument/2006/math">
+                    <m:oMathParaPr>
+                      <m:jc m:val="center"/>
+                    </m:oMathParaPr>
+                    <m:oMath xmlns:m="http://schemas.openxmlformats.org/officeDocument/2006/math">
+                      <m:r>
+                        <a:rPr lang="en-US" sz="3200" b="0" i="1" dirty="0" smtClean="0">
+                          <a:latin typeface="Cambria Math" panose="02040503050406030204" pitchFamily="18" charset="0"/>
+                        </a:rPr>
+                        <m:t> </m:t>
+                      </m:r>
+                      <m:r>
+                        <a:rPr lang="el-GR" sz="3200" i="1" dirty="0" smtClean="0">
+                          <a:latin typeface="Cambria Math" panose="02040503050406030204" pitchFamily="18" charset="0"/>
+                        </a:rPr>
+                        <m:t>𝜎</m:t>
+                      </m:r>
+                    </m:oMath>
+                  </m:oMathPara>
+                </a14:m>
+                <a:endParaRPr lang="en-US" dirty="0"/>
+              </a:p>
+            </p:txBody>
+          </p:sp>
+        </mc:Choice>
+        <mc:Fallback>
+          <p:sp>
+            <p:nvSpPr>
+              <p:cNvPr id="53" name="Oval 52">
+                <a:extLst>
+                  <a:ext uri="{FF2B5EF4-FFF2-40B4-BE49-F238E27FC236}">
+                    <a16:creationId xmlns:a16="http://schemas.microsoft.com/office/drawing/2014/main" id="{43040129-7B67-8E31-CD5D-C0BD5B1DC1EB}"/>
+                  </a:ext>
+                </a:extLst>
+              </p:cNvPr>
+              <p:cNvSpPr>
+                <a:spLocks noRot="1" noChangeAspect="1" noMove="1" noResize="1" noEditPoints="1" noAdjustHandles="1" noChangeArrowheads="1" noChangeShapeType="1" noTextEdit="1"/>
+              </p:cNvSpPr>
+              <p:nvPr/>
+            </p:nvSpPr>
+            <p:spPr>
+              <a:xfrm>
+                <a:off x="9267188" y="3476786"/>
+                <a:ext cx="470357" cy="459473"/>
+              </a:xfrm>
+              <a:prstGeom prst="ellipse">
+                <a:avLst/>
+              </a:prstGeom>
+              <a:blipFill>
+                <a:blip r:embed="rId17"/>
+                <a:stretch>
+                  <a:fillRect l="-35897" t="-10526" b="-39474"/>
+                </a:stretch>
+              </a:blipFill>
+            </p:spPr>
+            <p:txBody>
+              <a:bodyPr/>
+              <a:lstStyle/>
+              <a:p>
+                <a:r>
+                  <a:rPr lang="en-US">
+                    <a:noFill/>
+                  </a:rPr>
+                  <a:t> </a:t>
+                </a:r>
+              </a:p>
+            </p:txBody>
+          </p:sp>
+        </mc:Fallback>
+      </mc:AlternateContent>
+      <p:cxnSp>
+        <p:nvCxnSpPr>
+          <p:cNvPr id="54" name="Straight Arrow Connector 53">
+            <a:extLst>
+              <a:ext uri="{FF2B5EF4-FFF2-40B4-BE49-F238E27FC236}">
+                <a16:creationId xmlns:a16="http://schemas.microsoft.com/office/drawing/2014/main" id="{DF646DF4-5509-E80E-38E3-D928F7EA0A94}"/>
+              </a:ext>
+            </a:extLst>
+          </p:cNvPr>
+          <p:cNvCxnSpPr>
+            <a:cxnSpLocks/>
+            <a:endCxn id="53" idx="4"/>
+          </p:cNvCxnSpPr>
+          <p:nvPr/>
+        </p:nvCxnSpPr>
+        <p:spPr>
+          <a:xfrm flipV="1">
+            <a:off x="9502367" y="3936259"/>
+            <a:ext cx="0" cy="207440"/>
+          </a:xfrm>
+          <a:prstGeom prst="straightConnector1">
+            <a:avLst/>
+          </a:prstGeom>
+          <a:ln>
+            <a:tailEnd type="triangle"/>
+          </a:ln>
+        </p:spPr>
+        <p:style>
+          <a:lnRef idx="2">
+            <a:schemeClr val="dk1"/>
+          </a:lnRef>
+          <a:fillRef idx="0">
+            <a:schemeClr val="dk1"/>
+          </a:fillRef>
+          <a:effectRef idx="1">
+            <a:schemeClr val="dk1"/>
+          </a:effectRef>
+          <a:fontRef idx="minor">
+            <a:schemeClr val="tx1"/>
+          </a:fontRef>
+        </p:style>
+      </p:cxnSp>
+      <p:cxnSp>
+        <p:nvCxnSpPr>
+          <p:cNvPr id="55" name="Straight Arrow Connector 54">
+            <a:extLst>
+              <a:ext uri="{FF2B5EF4-FFF2-40B4-BE49-F238E27FC236}">
+                <a16:creationId xmlns:a16="http://schemas.microsoft.com/office/drawing/2014/main" id="{FC14A0AC-64C6-3D96-9D3C-B8EF9F1C4C8B}"/>
+              </a:ext>
+            </a:extLst>
+          </p:cNvPr>
+          <p:cNvCxnSpPr>
+            <a:cxnSpLocks/>
+            <a:stCxn id="53" idx="0"/>
+          </p:cNvCxnSpPr>
+          <p:nvPr/>
+        </p:nvCxnSpPr>
+        <p:spPr>
+          <a:xfrm flipV="1">
+            <a:off x="9502367" y="3299385"/>
+            <a:ext cx="0" cy="177401"/>
+          </a:xfrm>
+          <a:prstGeom prst="straightConnector1">
+            <a:avLst/>
+          </a:prstGeom>
+          <a:ln>
+            <a:tailEnd type="triangle"/>
+          </a:ln>
+        </p:spPr>
+        <p:style>
+          <a:lnRef idx="2">
+            <a:schemeClr val="dk1"/>
+          </a:lnRef>
+          <a:fillRef idx="0">
+            <a:schemeClr val="dk1"/>
+          </a:fillRef>
+          <a:effectRef idx="1">
+            <a:schemeClr val="dk1"/>
+          </a:effectRef>
+          <a:fontRef idx="minor">
+            <a:schemeClr val="tx1"/>
+          </a:fontRef>
+        </p:style>
+      </p:cxnSp>
+      <p:graphicFrame>
+        <p:nvGraphicFramePr>
+          <p:cNvPr id="56" name="Table 55">
+            <a:extLst>
+              <a:ext uri="{FF2B5EF4-FFF2-40B4-BE49-F238E27FC236}">
+                <a16:creationId xmlns:a16="http://schemas.microsoft.com/office/drawing/2014/main" id="{87873E39-741F-7B28-BEDC-6E78A1E8CAA7}"/>
+              </a:ext>
+            </a:extLst>
+          </p:cNvPr>
+          <p:cNvGraphicFramePr>
+            <a:graphicFrameLocks noGrp="1"/>
+          </p:cNvGraphicFramePr>
+          <p:nvPr/>
+        </p:nvGraphicFramePr>
+        <p:xfrm>
+          <a:off x="8457317" y="2673703"/>
+          <a:ext cx="1372864" cy="622932"/>
+        </p:xfrm>
+        <a:graphic>
+          <a:graphicData uri="http://schemas.openxmlformats.org/drawingml/2006/table">
+            <a:tbl>
+              <a:tblPr firstRow="1" bandRow="1">
+                <a:tableStyleId>{5C22544A-7EE6-4342-B048-85BDC9FD1C3A}</a:tableStyleId>
+              </a:tblPr>
+              <a:tblGrid>
+                <a:gridCol w="686432">
+                  <a:extLst>
+                    <a:ext uri="{9D8B030D-6E8A-4147-A177-3AD203B41FA5}">
+                      <a16:colId xmlns:a16="http://schemas.microsoft.com/office/drawing/2014/main" val="4002730172"/>
+                    </a:ext>
+                  </a:extLst>
+                </a:gridCol>
+                <a:gridCol w="686432">
+                  <a:extLst>
+                    <a:ext uri="{9D8B030D-6E8A-4147-A177-3AD203B41FA5}">
+                      <a16:colId xmlns:a16="http://schemas.microsoft.com/office/drawing/2014/main" val="2833431289"/>
+                    </a:ext>
+                  </a:extLst>
+                </a:gridCol>
+              </a:tblGrid>
+              <a:tr h="622932">
+                <a:tc>
+                  <a:txBody>
+                    <a:bodyPr/>
+                    <a:lstStyle/>
+                    <a:p>
+                      <a:endParaRPr lang="en-US" dirty="0"/>
+                    </a:p>
+                  </a:txBody>
+                  <a:tcPr>
+                    <a:lnL w="38100" cap="flat" cmpd="sng" algn="ctr">
+                      <a:solidFill>
+                        <a:schemeClr val="tx1"/>
+                      </a:solidFill>
+                      <a:prstDash val="solid"/>
+                      <a:round/>
+                      <a:headEnd type="none" w="med" len="med"/>
+                      <a:tailEnd type="none" w="med" len="med"/>
+                    </a:lnL>
+                    <a:lnR w="38100" cap="flat" cmpd="sng" algn="ctr">
+                      <a:solidFill>
+                        <a:schemeClr val="tx1"/>
+                      </a:solidFill>
+                      <a:prstDash val="solid"/>
+                      <a:round/>
+                      <a:headEnd type="none" w="med" len="med"/>
+                      <a:tailEnd type="none" w="med" len="med"/>
+                    </a:lnR>
+                    <a:lnT w="38100" cap="flat" cmpd="sng" algn="ctr">
+                      <a:solidFill>
+                        <a:schemeClr val="tx1"/>
+                      </a:solidFill>
+                      <a:prstDash val="solid"/>
+                      <a:round/>
+                      <a:headEnd type="none" w="med" len="med"/>
+                      <a:tailEnd type="none" w="med" len="med"/>
+                    </a:lnT>
+                    <a:lnB w="38100" cap="flat" cmpd="sng" algn="ctr">
+                      <a:solidFill>
+                        <a:schemeClr val="tx1"/>
+                      </a:solidFill>
+                      <a:prstDash val="solid"/>
+                      <a:round/>
+                      <a:headEnd type="none" w="med" len="med"/>
+                      <a:tailEnd type="none" w="med" len="med"/>
+                    </a:lnB>
+                    <a:noFill/>
+                  </a:tcPr>
+                </a:tc>
+                <a:tc>
+                  <a:txBody>
+                    <a:bodyPr/>
+                    <a:lstStyle/>
+                    <a:p>
+                      <a:endParaRPr lang="en-US" dirty="0"/>
+                    </a:p>
+                  </a:txBody>
+                  <a:tcPr>
+                    <a:lnL w="38100" cap="flat" cmpd="sng" algn="ctr">
+                      <a:solidFill>
+                        <a:schemeClr val="tx1"/>
+                      </a:solidFill>
+                      <a:prstDash val="solid"/>
+                      <a:round/>
+                      <a:headEnd type="none" w="med" len="med"/>
+                      <a:tailEnd type="none" w="med" len="med"/>
+                    </a:lnL>
+                    <a:lnR w="38100" cap="flat" cmpd="sng" algn="ctr">
+                      <a:solidFill>
+                        <a:schemeClr val="tx1"/>
+                      </a:solidFill>
+                      <a:prstDash val="solid"/>
+                      <a:round/>
+                      <a:headEnd type="none" w="med" len="med"/>
+                      <a:tailEnd type="none" w="med" len="med"/>
+                    </a:lnR>
+                    <a:lnT w="38100" cap="flat" cmpd="sng" algn="ctr">
+                      <a:solidFill>
+                        <a:schemeClr val="tx1"/>
+                      </a:solidFill>
+                      <a:prstDash val="solid"/>
+                      <a:round/>
+                      <a:headEnd type="none" w="med" len="med"/>
+                      <a:tailEnd type="none" w="med" len="med"/>
+                    </a:lnT>
+                    <a:lnB w="38100" cap="flat" cmpd="sng" algn="ctr">
+                      <a:solidFill>
+                        <a:schemeClr val="tx1"/>
+                      </a:solidFill>
+                      <a:prstDash val="solid"/>
+                      <a:round/>
+                      <a:headEnd type="none" w="med" len="med"/>
+                      <a:tailEnd type="none" w="med" len="med"/>
+                    </a:lnB>
+                    <a:noFill/>
+                  </a:tcPr>
+                </a:tc>
+                <a:extLst>
+                  <a:ext uri="{0D108BD9-81ED-4DB2-BD59-A6C34878D82A}">
+                    <a16:rowId xmlns:a16="http://schemas.microsoft.com/office/drawing/2014/main" val="3775152605"/>
+                  </a:ext>
+                </a:extLst>
+              </a:tr>
+            </a:tbl>
+          </a:graphicData>
+        </a:graphic>
+      </p:graphicFrame>
+      <p:cxnSp>
+        <p:nvCxnSpPr>
+          <p:cNvPr id="57" name="Straight Arrow Connector 56">
+            <a:extLst>
+              <a:ext uri="{FF2B5EF4-FFF2-40B4-BE49-F238E27FC236}">
+                <a16:creationId xmlns:a16="http://schemas.microsoft.com/office/drawing/2014/main" id="{65C74D8C-51DC-15A8-E1D9-795973ABE226}"/>
+              </a:ext>
+            </a:extLst>
+          </p:cNvPr>
+          <p:cNvCxnSpPr>
+            <a:cxnSpLocks/>
+          </p:cNvCxnSpPr>
+          <p:nvPr/>
+        </p:nvCxnSpPr>
+        <p:spPr>
+          <a:xfrm flipH="1" flipV="1">
+            <a:off x="9349611" y="2360917"/>
+            <a:ext cx="152755" cy="331689"/>
+          </a:xfrm>
+          <a:prstGeom prst="straightConnector1">
+            <a:avLst/>
+          </a:prstGeom>
+          <a:ln>
+            <a:solidFill>
+              <a:srgbClr val="FF0000"/>
+            </a:solidFill>
+            <a:tailEnd type="triangle"/>
+          </a:ln>
+        </p:spPr>
+        <p:style>
+          <a:lnRef idx="2">
+            <a:schemeClr val="dk1"/>
+          </a:lnRef>
+          <a:fillRef idx="0">
+            <a:schemeClr val="dk1"/>
+          </a:fillRef>
+          <a:effectRef idx="1">
+            <a:schemeClr val="dk1"/>
+          </a:effectRef>
+          <a:fontRef idx="minor">
+            <a:schemeClr val="tx1"/>
+          </a:fontRef>
+        </p:style>
+      </p:cxnSp>
+      <p:graphicFrame>
+        <p:nvGraphicFramePr>
+          <p:cNvPr id="58" name="Table 57">
+            <a:extLst>
+              <a:ext uri="{FF2B5EF4-FFF2-40B4-BE49-F238E27FC236}">
+                <a16:creationId xmlns:a16="http://schemas.microsoft.com/office/drawing/2014/main" id="{42768A28-DCB0-50FD-9980-467DD60CF39E}"/>
+              </a:ext>
+            </a:extLst>
+          </p:cNvPr>
+          <p:cNvGraphicFramePr>
+            <a:graphicFrameLocks noGrp="1"/>
+          </p:cNvGraphicFramePr>
+          <p:nvPr/>
+        </p:nvGraphicFramePr>
+        <p:xfrm>
+          <a:off x="8806247" y="1749912"/>
+          <a:ext cx="686432" cy="622932"/>
+        </p:xfrm>
+        <a:graphic>
+          <a:graphicData uri="http://schemas.openxmlformats.org/drawingml/2006/table">
+            <a:tbl>
+              <a:tblPr firstRow="1" bandRow="1">
+                <a:tableStyleId>{5C22544A-7EE6-4342-B048-85BDC9FD1C3A}</a:tableStyleId>
+              </a:tblPr>
+              <a:tblGrid>
+                <a:gridCol w="686432">
+                  <a:extLst>
+                    <a:ext uri="{9D8B030D-6E8A-4147-A177-3AD203B41FA5}">
+                      <a16:colId xmlns:a16="http://schemas.microsoft.com/office/drawing/2014/main" val="4002730172"/>
+                    </a:ext>
+                  </a:extLst>
+                </a:gridCol>
+              </a:tblGrid>
+              <a:tr h="622932">
+                <a:tc>
+                  <a:txBody>
+                    <a:bodyPr/>
+                    <a:lstStyle/>
+                    <a:p>
+                      <a:endParaRPr lang="en-US" dirty="0"/>
+                    </a:p>
+                  </a:txBody>
+                  <a:tcPr>
+                    <a:lnL w="38100" cap="flat" cmpd="sng" algn="ctr">
+                      <a:solidFill>
+                        <a:schemeClr val="tx1"/>
+                      </a:solidFill>
+                      <a:prstDash val="solid"/>
+                      <a:round/>
+                      <a:headEnd type="none" w="med" len="med"/>
+                      <a:tailEnd type="none" w="med" len="med"/>
+                    </a:lnL>
+                    <a:lnR w="38100" cap="flat" cmpd="sng" algn="ctr">
+                      <a:solidFill>
+                        <a:schemeClr val="tx1"/>
+                      </a:solidFill>
+                      <a:prstDash val="solid"/>
+                      <a:round/>
+                      <a:headEnd type="none" w="med" len="med"/>
+                      <a:tailEnd type="none" w="med" len="med"/>
+                    </a:lnR>
+                    <a:lnT w="38100" cap="flat" cmpd="sng" algn="ctr">
+                      <a:solidFill>
+                        <a:schemeClr val="tx1"/>
+                      </a:solidFill>
+                      <a:prstDash val="solid"/>
+                      <a:round/>
+                      <a:headEnd type="none" w="med" len="med"/>
+                      <a:tailEnd type="none" w="med" len="med"/>
+                    </a:lnT>
+                    <a:lnB w="38100" cap="flat" cmpd="sng" algn="ctr">
+                      <a:solidFill>
+                        <a:schemeClr val="tx1"/>
+                      </a:solidFill>
+                      <a:prstDash val="solid"/>
+                      <a:round/>
+                      <a:headEnd type="none" w="med" len="med"/>
+                      <a:tailEnd type="none" w="med" len="med"/>
+                    </a:lnB>
+                    <a:noFill/>
+                  </a:tcPr>
+                </a:tc>
+                <a:extLst>
+                  <a:ext uri="{0D108BD9-81ED-4DB2-BD59-A6C34878D82A}">
+                    <a16:rowId xmlns:a16="http://schemas.microsoft.com/office/drawing/2014/main" val="3775152605"/>
+                  </a:ext>
+                </a:extLst>
+              </a:tr>
+            </a:tbl>
+          </a:graphicData>
+        </a:graphic>
+      </p:graphicFrame>
+      <mc:AlternateContent xmlns:mc="http://schemas.openxmlformats.org/markup-compatibility/2006">
+        <mc:Choice xmlns:a14="http://schemas.microsoft.com/office/drawing/2010/main" Requires="a14">
+          <p:sp>
+            <p:nvSpPr>
+              <p:cNvPr id="59" name="TextBox 58">
+                <a:extLst>
+                  <a:ext uri="{FF2B5EF4-FFF2-40B4-BE49-F238E27FC236}">
+                    <a16:creationId xmlns:a16="http://schemas.microsoft.com/office/drawing/2014/main" id="{832CDC5A-C84E-DBCD-4181-C26AB153FE0F}"/>
+                  </a:ext>
+                </a:extLst>
+              </p:cNvPr>
+              <p:cNvSpPr txBox="1"/>
+              <p:nvPr/>
+            </p:nvSpPr>
+            <p:spPr>
+              <a:xfrm>
+                <a:off x="8924525" y="1759834"/>
+                <a:ext cx="482826" cy="512576"/>
+              </a:xfrm>
+              <a:prstGeom prst="rect">
+                <a:avLst/>
+              </a:prstGeom>
+              <a:noFill/>
+            </p:spPr>
+            <p:txBody>
+              <a:bodyPr wrap="square" rtlCol="0">
+                <a:spAutoFit/>
+              </a:bodyPr>
+              <a:lstStyle/>
+              <a:p>
+                <a:pPr/>
+                <a14:m>
+                  <m:oMathPara xmlns:m="http://schemas.openxmlformats.org/officeDocument/2006/math">
+                    <m:oMathParaPr>
+                      <m:jc m:val="centerGroup"/>
+                    </m:oMathParaPr>
+                    <m:oMath xmlns:m="http://schemas.openxmlformats.org/officeDocument/2006/math">
+                      <m:r>
+                        <a:rPr lang="en-US" sz="2797" b="0" i="1" dirty="0" smtClean="0">
+                          <a:solidFill>
+                            <a:schemeClr val="tx1"/>
+                          </a:solidFill>
+                          <a:latin typeface="Cambria Math" panose="02040503050406030204" pitchFamily="18" charset="0"/>
+                          <a:cs typeface="Times New Roman" panose="02020603050405020304" pitchFamily="18" charset="0"/>
+                        </a:rPr>
+                        <m:t>𝑧</m:t>
+                      </m:r>
+                    </m:oMath>
+                  </m:oMathPara>
+                </a14:m>
+                <a:endParaRPr lang="en-US" sz="2797" baseline="-25000" dirty="0">
+                  <a:solidFill>
+                    <a:schemeClr val="tx1"/>
+                  </a:solidFill>
+                  <a:latin typeface="Times New Roman" panose="02020603050405020304" pitchFamily="18" charset="0"/>
+                  <a:cs typeface="Times New Roman" panose="02020603050405020304" pitchFamily="18" charset="0"/>
+                </a:endParaRPr>
+              </a:p>
+            </p:txBody>
+          </p:sp>
+        </mc:Choice>
+        <mc:Fallback>
+          <p:sp>
+            <p:nvSpPr>
+              <p:cNvPr id="59" name="TextBox 58">
+                <a:extLst>
+                  <a:ext uri="{FF2B5EF4-FFF2-40B4-BE49-F238E27FC236}">
+                    <a16:creationId xmlns:a16="http://schemas.microsoft.com/office/drawing/2014/main" id="{832CDC5A-C84E-DBCD-4181-C26AB153FE0F}"/>
+                  </a:ext>
+                </a:extLst>
+              </p:cNvPr>
+              <p:cNvSpPr txBox="1">
+                <a:spLocks noRot="1" noChangeAspect="1" noMove="1" noResize="1" noEditPoints="1" noAdjustHandles="1" noChangeArrowheads="1" noChangeShapeType="1" noTextEdit="1"/>
+              </p:cNvSpPr>
+              <p:nvPr/>
+            </p:nvSpPr>
+            <p:spPr>
+              <a:xfrm>
+                <a:off x="8924525" y="1759834"/>
+                <a:ext cx="482826" cy="512576"/>
+              </a:xfrm>
+              <a:prstGeom prst="rect">
+                <a:avLst/>
+              </a:prstGeom>
+              <a:blipFill>
+                <a:blip r:embed="rId18"/>
+                <a:stretch>
+                  <a:fillRect/>
+                </a:stretch>
+              </a:blipFill>
+            </p:spPr>
+            <p:txBody>
+              <a:bodyPr/>
+              <a:lstStyle/>
+              <a:p>
+                <a:r>
+                  <a:rPr lang="en-US">
+                    <a:noFill/>
+                  </a:rPr>
+                  <a:t> </a:t>
+                </a:r>
+              </a:p>
+            </p:txBody>
+          </p:sp>
+        </mc:Fallback>
+      </mc:AlternateContent>
+      <p:cxnSp>
+        <p:nvCxnSpPr>
+          <p:cNvPr id="60" name="Straight Arrow Connector 59">
+            <a:extLst>
+              <a:ext uri="{FF2B5EF4-FFF2-40B4-BE49-F238E27FC236}">
+                <a16:creationId xmlns:a16="http://schemas.microsoft.com/office/drawing/2014/main" id="{C76F6A04-F176-7579-0BD2-99FCEB75E9D9}"/>
+              </a:ext>
+            </a:extLst>
+          </p:cNvPr>
+          <p:cNvCxnSpPr>
+            <a:cxnSpLocks/>
+          </p:cNvCxnSpPr>
+          <p:nvPr/>
+        </p:nvCxnSpPr>
+        <p:spPr>
+          <a:xfrm flipV="1">
+            <a:off x="8800533" y="2371175"/>
+            <a:ext cx="171420" cy="285786"/>
+          </a:xfrm>
+          <a:prstGeom prst="straightConnector1">
+            <a:avLst/>
+          </a:prstGeom>
+          <a:ln>
+            <a:solidFill>
+              <a:srgbClr val="FF0000"/>
+            </a:solidFill>
+            <a:tailEnd type="triangle"/>
+          </a:ln>
+        </p:spPr>
+        <p:style>
+          <a:lnRef idx="2">
+            <a:schemeClr val="dk1"/>
+          </a:lnRef>
+          <a:fillRef idx="0">
+            <a:schemeClr val="dk1"/>
+          </a:fillRef>
+          <a:effectRef idx="1">
+            <a:schemeClr val="dk1"/>
+          </a:effectRef>
+          <a:fontRef idx="minor">
+            <a:schemeClr val="tx1"/>
+          </a:fontRef>
+        </p:style>
+      </p:cxnSp>
+      <mc:AlternateContent xmlns:mc="http://schemas.openxmlformats.org/markup-compatibility/2006">
+        <mc:Choice xmlns:a14="http://schemas.microsoft.com/office/drawing/2010/main" Requires="a14">
+          <p:sp>
+            <p:nvSpPr>
+              <p:cNvPr id="61" name="Oval 60">
+                <a:extLst>
+                  <a:ext uri="{FF2B5EF4-FFF2-40B4-BE49-F238E27FC236}">
+                    <a16:creationId xmlns:a16="http://schemas.microsoft.com/office/drawing/2014/main" id="{40C5E43C-E255-1D79-E384-6E04F13BE371}"/>
+                  </a:ext>
+                </a:extLst>
+              </p:cNvPr>
+              <p:cNvSpPr/>
+              <p:nvPr/>
+            </p:nvSpPr>
+            <p:spPr>
+              <a:xfrm>
+                <a:off x="8899936" y="1061573"/>
+                <a:ext cx="470357" cy="459473"/>
+              </a:xfrm>
+              <a:prstGeom prst="ellipse">
+                <a:avLst/>
+              </a:prstGeom>
+            </p:spPr>
+            <p:style>
+              <a:lnRef idx="2">
+                <a:schemeClr val="dk1"/>
+              </a:lnRef>
+              <a:fillRef idx="1">
+                <a:schemeClr val="lt1"/>
+              </a:fillRef>
+              <a:effectRef idx="0">
+                <a:schemeClr val="dk1"/>
+              </a:effectRef>
+              <a:fontRef idx="minor">
+                <a:schemeClr val="dk1"/>
+              </a:fontRef>
+            </p:style>
+            <p:txBody>
+              <a:bodyPr rtlCol="0" anchor="ctr"/>
+              <a:lstStyle/>
+              <a:p>
+                <a:pPr algn="ctr"/>
+                <a14:m>
+                  <m:oMathPara xmlns:m="http://schemas.openxmlformats.org/officeDocument/2006/math">
+                    <m:oMathParaPr>
+                      <m:jc m:val="center"/>
+                    </m:oMathParaPr>
+                    <m:oMath xmlns:m="http://schemas.openxmlformats.org/officeDocument/2006/math">
+                      <m:r>
+                        <a:rPr lang="en-US" sz="3200" b="0" i="1" dirty="0" smtClean="0">
+                          <a:latin typeface="Cambria Math" panose="02040503050406030204" pitchFamily="18" charset="0"/>
+                        </a:rPr>
+                        <m:t> </m:t>
+                      </m:r>
+                      <m:r>
+                        <a:rPr lang="el-GR" sz="3200" i="1" dirty="0" smtClean="0">
+                          <a:latin typeface="Cambria Math" panose="02040503050406030204" pitchFamily="18" charset="0"/>
+                        </a:rPr>
+                        <m:t>𝜎</m:t>
+                      </m:r>
+                    </m:oMath>
+                  </m:oMathPara>
+                </a14:m>
+                <a:endParaRPr lang="en-US" dirty="0"/>
+              </a:p>
+            </p:txBody>
+          </p:sp>
+        </mc:Choice>
+        <mc:Fallback>
+          <p:sp>
+            <p:nvSpPr>
+              <p:cNvPr id="61" name="Oval 60">
+                <a:extLst>
+                  <a:ext uri="{FF2B5EF4-FFF2-40B4-BE49-F238E27FC236}">
+                    <a16:creationId xmlns:a16="http://schemas.microsoft.com/office/drawing/2014/main" id="{40C5E43C-E255-1D79-E384-6E04F13BE371}"/>
+                  </a:ext>
+                </a:extLst>
+              </p:cNvPr>
+              <p:cNvSpPr>
+                <a:spLocks noRot="1" noChangeAspect="1" noMove="1" noResize="1" noEditPoints="1" noAdjustHandles="1" noChangeArrowheads="1" noChangeShapeType="1" noTextEdit="1"/>
+              </p:cNvSpPr>
+              <p:nvPr/>
+            </p:nvSpPr>
+            <p:spPr>
+              <a:xfrm>
+                <a:off x="8899936" y="1061573"/>
+                <a:ext cx="470357" cy="459473"/>
+              </a:xfrm>
+              <a:prstGeom prst="ellipse">
+                <a:avLst/>
+              </a:prstGeom>
+              <a:blipFill>
+                <a:blip r:embed="rId19"/>
+                <a:stretch>
+                  <a:fillRect l="-35897" t="-10526" b="-39474"/>
+                </a:stretch>
+              </a:blipFill>
+            </p:spPr>
+            <p:txBody>
+              <a:bodyPr/>
+              <a:lstStyle/>
+              <a:p>
+                <a:r>
+                  <a:rPr lang="en-US">
+                    <a:noFill/>
+                  </a:rPr>
+                  <a:t> </a:t>
+                </a:r>
+              </a:p>
+            </p:txBody>
+          </p:sp>
+        </mc:Fallback>
+      </mc:AlternateContent>
+      <p:cxnSp>
+        <p:nvCxnSpPr>
+          <p:cNvPr id="62" name="Straight Arrow Connector 61">
+            <a:extLst>
+              <a:ext uri="{FF2B5EF4-FFF2-40B4-BE49-F238E27FC236}">
+                <a16:creationId xmlns:a16="http://schemas.microsoft.com/office/drawing/2014/main" id="{294B0C4D-763B-83A5-8CED-69F4BB35DCE5}"/>
+              </a:ext>
+            </a:extLst>
+          </p:cNvPr>
+          <p:cNvCxnSpPr>
+            <a:cxnSpLocks/>
+            <a:endCxn id="61" idx="4"/>
+          </p:cNvCxnSpPr>
+          <p:nvPr/>
+        </p:nvCxnSpPr>
+        <p:spPr>
+          <a:xfrm flipV="1">
+            <a:off x="9135115" y="1521046"/>
+            <a:ext cx="0" cy="207440"/>
+          </a:xfrm>
+          <a:prstGeom prst="straightConnector1">
+            <a:avLst/>
+          </a:prstGeom>
+          <a:ln>
+            <a:tailEnd type="triangle"/>
+          </a:ln>
+        </p:spPr>
+        <p:style>
+          <a:lnRef idx="2">
+            <a:schemeClr val="dk1"/>
+          </a:lnRef>
+          <a:fillRef idx="0">
+            <a:schemeClr val="dk1"/>
+          </a:fillRef>
+          <a:effectRef idx="1">
+            <a:schemeClr val="dk1"/>
+          </a:effectRef>
+          <a:fontRef idx="minor">
+            <a:schemeClr val="tx1"/>
+          </a:fontRef>
+        </p:style>
+      </p:cxnSp>
+      <p:cxnSp>
+        <p:nvCxnSpPr>
+          <p:cNvPr id="63" name="Straight Arrow Connector 62">
+            <a:extLst>
+              <a:ext uri="{FF2B5EF4-FFF2-40B4-BE49-F238E27FC236}">
+                <a16:creationId xmlns:a16="http://schemas.microsoft.com/office/drawing/2014/main" id="{CDD311AC-A938-9E70-00AA-00FCD6BBDDD1}"/>
+              </a:ext>
+            </a:extLst>
+          </p:cNvPr>
+          <p:cNvCxnSpPr>
+            <a:cxnSpLocks/>
+            <a:stCxn id="61" idx="0"/>
+          </p:cNvCxnSpPr>
+          <p:nvPr/>
+        </p:nvCxnSpPr>
+        <p:spPr>
+          <a:xfrm flipV="1">
+            <a:off x="9135115" y="885608"/>
+            <a:ext cx="0" cy="175965"/>
+          </a:xfrm>
+          <a:prstGeom prst="straightConnector1">
+            <a:avLst/>
+          </a:prstGeom>
+          <a:ln>
+            <a:tailEnd type="triangle"/>
+          </a:ln>
+        </p:spPr>
+        <p:style>
+          <a:lnRef idx="2">
+            <a:schemeClr val="dk1"/>
+          </a:lnRef>
+          <a:fillRef idx="0">
+            <a:schemeClr val="dk1"/>
+          </a:fillRef>
+          <a:effectRef idx="1">
+            <a:schemeClr val="dk1"/>
+          </a:effectRef>
+          <a:fontRef idx="minor">
+            <a:schemeClr val="tx1"/>
+          </a:fontRef>
+        </p:style>
+      </p:cxnSp>
+      <p:graphicFrame>
+        <p:nvGraphicFramePr>
+          <p:cNvPr id="64" name="Table 63">
+            <a:extLst>
+              <a:ext uri="{FF2B5EF4-FFF2-40B4-BE49-F238E27FC236}">
+                <a16:creationId xmlns:a16="http://schemas.microsoft.com/office/drawing/2014/main" id="{F26DA6CC-DA4C-45D5-B0D3-03CC89CFDB44}"/>
+              </a:ext>
+            </a:extLst>
+          </p:cNvPr>
+          <p:cNvGraphicFramePr>
+            <a:graphicFrameLocks noGrp="1"/>
+          </p:cNvGraphicFramePr>
+          <p:nvPr/>
+        </p:nvGraphicFramePr>
+        <p:xfrm>
+          <a:off x="8791898" y="281579"/>
+          <a:ext cx="686432" cy="622932"/>
+        </p:xfrm>
+        <a:graphic>
+          <a:graphicData uri="http://schemas.openxmlformats.org/drawingml/2006/table">
+            <a:tbl>
+              <a:tblPr firstRow="1" bandRow="1">
+                <a:tableStyleId>{5C22544A-7EE6-4342-B048-85BDC9FD1C3A}</a:tableStyleId>
+              </a:tblPr>
+              <a:tblGrid>
+                <a:gridCol w="686432">
+                  <a:extLst>
+                    <a:ext uri="{9D8B030D-6E8A-4147-A177-3AD203B41FA5}">
+                      <a16:colId xmlns:a16="http://schemas.microsoft.com/office/drawing/2014/main" val="4002730172"/>
+                    </a:ext>
+                  </a:extLst>
+                </a:gridCol>
+              </a:tblGrid>
+              <a:tr h="622932">
+                <a:tc>
+                  <a:txBody>
+                    <a:bodyPr/>
+                    <a:lstStyle/>
+                    <a:p>
+                      <a:endParaRPr lang="en-US" dirty="0"/>
+                    </a:p>
+                  </a:txBody>
+                  <a:tcPr>
+                    <a:lnL w="38100" cap="flat" cmpd="sng" algn="ctr">
+                      <a:solidFill>
+                        <a:schemeClr val="tx1"/>
+                      </a:solidFill>
+                      <a:prstDash val="solid"/>
+                      <a:round/>
+                      <a:headEnd type="none" w="med" len="med"/>
+                      <a:tailEnd type="none" w="med" len="med"/>
+                    </a:lnL>
+                    <a:lnR w="38100" cap="flat" cmpd="sng" algn="ctr">
+                      <a:solidFill>
+                        <a:schemeClr val="tx1"/>
+                      </a:solidFill>
+                      <a:prstDash val="solid"/>
+                      <a:round/>
+                      <a:headEnd type="none" w="med" len="med"/>
+                      <a:tailEnd type="none" w="med" len="med"/>
+                    </a:lnR>
+                    <a:lnT w="38100" cap="flat" cmpd="sng" algn="ctr">
+                      <a:solidFill>
+                        <a:schemeClr val="tx1"/>
+                      </a:solidFill>
+                      <a:prstDash val="solid"/>
+                      <a:round/>
+                      <a:headEnd type="none" w="med" len="med"/>
+                      <a:tailEnd type="none" w="med" len="med"/>
+                    </a:lnT>
+                    <a:lnB w="38100" cap="flat" cmpd="sng" algn="ctr">
+                      <a:solidFill>
+                        <a:schemeClr val="tx1"/>
+                      </a:solidFill>
+                      <a:prstDash val="solid"/>
+                      <a:round/>
+                      <a:headEnd type="none" w="med" len="med"/>
+                      <a:tailEnd type="none" w="med" len="med"/>
+                    </a:lnB>
+                    <a:noFill/>
+                  </a:tcPr>
+                </a:tc>
+                <a:extLst>
+                  <a:ext uri="{0D108BD9-81ED-4DB2-BD59-A6C34878D82A}">
+                    <a16:rowId xmlns:a16="http://schemas.microsoft.com/office/drawing/2014/main" val="3775152605"/>
+                  </a:ext>
+                </a:extLst>
+              </a:tr>
+            </a:tbl>
+          </a:graphicData>
+        </a:graphic>
+      </p:graphicFrame>
+      <mc:AlternateContent xmlns:mc="http://schemas.openxmlformats.org/markup-compatibility/2006">
+        <mc:Choice xmlns:a14="http://schemas.microsoft.com/office/drawing/2010/main" Requires="a14">
+          <p:sp>
+            <p:nvSpPr>
+              <p:cNvPr id="65" name="TextBox 64">
+                <a:extLst>
+                  <a:ext uri="{FF2B5EF4-FFF2-40B4-BE49-F238E27FC236}">
+                    <a16:creationId xmlns:a16="http://schemas.microsoft.com/office/drawing/2014/main" id="{AFAEDF4E-94DD-EEFA-35D2-11E837986A29}"/>
+                  </a:ext>
+                </a:extLst>
+              </p:cNvPr>
+              <p:cNvSpPr txBox="1"/>
+              <p:nvPr/>
+            </p:nvSpPr>
+            <p:spPr>
+              <a:xfrm>
+                <a:off x="8968936" y="297871"/>
+                <a:ext cx="388450" cy="512576"/>
+              </a:xfrm>
+              <a:prstGeom prst="rect">
+                <a:avLst/>
+              </a:prstGeom>
+              <a:noFill/>
+            </p:spPr>
+            <p:txBody>
+              <a:bodyPr wrap="square" rtlCol="0">
+                <a:spAutoFit/>
+              </a:bodyPr>
+              <a:lstStyle/>
+              <a:p>
+                <a:pPr/>
+                <a14:m>
+                  <m:oMathPara xmlns:m="http://schemas.openxmlformats.org/officeDocument/2006/math">
+                    <m:oMathParaPr>
+                      <m:jc m:val="left"/>
+                    </m:oMathParaPr>
+                    <m:oMath xmlns:m="http://schemas.openxmlformats.org/officeDocument/2006/math">
+                      <m:r>
+                        <a:rPr lang="en-US" sz="2797" b="0" i="1" dirty="0" smtClean="0">
+                          <a:latin typeface="Cambria Math" panose="02040503050406030204" pitchFamily="18" charset="0"/>
+                          <a:cs typeface="Times New Roman" panose="02020603050405020304" pitchFamily="18" charset="0"/>
+                        </a:rPr>
+                        <m:t>𝑝</m:t>
+                      </m:r>
+                    </m:oMath>
+                  </m:oMathPara>
+                </a14:m>
+                <a:endParaRPr lang="en-US" sz="2797" baseline="-25000" dirty="0">
+                  <a:latin typeface="Times New Roman" panose="02020603050405020304" pitchFamily="18" charset="0"/>
+                  <a:cs typeface="Times New Roman" panose="02020603050405020304" pitchFamily="18" charset="0"/>
+                </a:endParaRPr>
+              </a:p>
+            </p:txBody>
+          </p:sp>
+        </mc:Choice>
+        <mc:Fallback>
+          <p:sp>
+            <p:nvSpPr>
+              <p:cNvPr id="65" name="TextBox 64">
+                <a:extLst>
+                  <a:ext uri="{FF2B5EF4-FFF2-40B4-BE49-F238E27FC236}">
+                    <a16:creationId xmlns:a16="http://schemas.microsoft.com/office/drawing/2014/main" id="{AFAEDF4E-94DD-EEFA-35D2-11E837986A29}"/>
+                  </a:ext>
+                </a:extLst>
+              </p:cNvPr>
+              <p:cNvSpPr txBox="1">
+                <a:spLocks noRot="1" noChangeAspect="1" noMove="1" noResize="1" noEditPoints="1" noAdjustHandles="1" noChangeArrowheads="1" noChangeShapeType="1" noTextEdit="1"/>
+              </p:cNvSpPr>
+              <p:nvPr/>
+            </p:nvSpPr>
+            <p:spPr>
+              <a:xfrm>
+                <a:off x="8968936" y="297871"/>
+                <a:ext cx="388450" cy="512576"/>
+              </a:xfrm>
+              <a:prstGeom prst="rect">
+                <a:avLst/>
+              </a:prstGeom>
+              <a:blipFill>
+                <a:blip r:embed="rId20"/>
+                <a:stretch>
+                  <a:fillRect l="-9677" r="-6452" b="-14634"/>
+                </a:stretch>
+              </a:blipFill>
+            </p:spPr>
+            <p:txBody>
+              <a:bodyPr/>
+              <a:lstStyle/>
+              <a:p>
+                <a:r>
+                  <a:rPr lang="en-US">
+                    <a:noFill/>
+                  </a:rPr>
+                  <a:t> </a:t>
+                </a:r>
+              </a:p>
+            </p:txBody>
+          </p:sp>
+        </mc:Fallback>
+      </mc:AlternateContent>
+      <mc:AlternateContent xmlns:mc="http://schemas.openxmlformats.org/markup-compatibility/2006">
+        <mc:Choice xmlns:a14="http://schemas.microsoft.com/office/drawing/2010/main" Requires="a14">
+          <p:sp>
+            <p:nvSpPr>
+              <p:cNvPr id="66" name="TextBox 65">
+                <a:extLst>
+                  <a:ext uri="{FF2B5EF4-FFF2-40B4-BE49-F238E27FC236}">
+                    <a16:creationId xmlns:a16="http://schemas.microsoft.com/office/drawing/2014/main" id="{10F34CEA-D136-070B-4F25-BC24DC32E96E}"/>
                   </a:ext>
                 </a:extLst>
               </p:cNvPr>
@@ -11472,13 +10911,13 @@
             </p:txBody>
           </p:sp>
         </mc:Choice>
-        <mc:Fallback xmlns="">
+        <mc:Fallback>
           <p:sp>
             <p:nvSpPr>
-              <p:cNvPr id="38" name="TextBox 37">
+              <p:cNvPr id="66" name="TextBox 65">
                 <a:extLst>
                   <a:ext uri="{FF2B5EF4-FFF2-40B4-BE49-F238E27FC236}">
-                    <a16:creationId xmlns:a16="http://schemas.microsoft.com/office/drawing/2014/main" id="{669BB1BE-76BA-458D-A166-9BAD462A7A69}"/>
+                    <a16:creationId xmlns:a16="http://schemas.microsoft.com/office/drawing/2014/main" id="{10F34CEA-D136-070B-4F25-BC24DC32E96E}"/>
                   </a:ext>
                 </a:extLst>
               </p:cNvPr>
@@ -11496,7 +10935,7 @@
                 <a:avLst/>
               </a:prstGeom>
               <a:blipFill>
-                <a:blip r:embed="rId12"/>
+                <a:blip r:embed="rId21"/>
                 <a:stretch>
                   <a:fillRect b="-12121"/>
                 </a:stretch>
@@ -11517,14 +10956,14 @@
           </p:sp>
         </mc:Fallback>
       </mc:AlternateContent>
-      <mc:AlternateContent xmlns:mc="http://schemas.openxmlformats.org/markup-compatibility/2006" xmlns:a14="http://schemas.microsoft.com/office/drawing/2010/main">
-        <mc:Choice Requires="a14">
+      <mc:AlternateContent xmlns:mc="http://schemas.openxmlformats.org/markup-compatibility/2006">
+        <mc:Choice xmlns:a14="http://schemas.microsoft.com/office/drawing/2010/main" Requires="a14">
           <p:sp>
             <p:nvSpPr>
-              <p:cNvPr id="35" name="TextBox 34">
+              <p:cNvPr id="67" name="TextBox 66">
                 <a:extLst>
                   <a:ext uri="{FF2B5EF4-FFF2-40B4-BE49-F238E27FC236}">
-                    <a16:creationId xmlns:a16="http://schemas.microsoft.com/office/drawing/2014/main" id="{C09CE022-8E36-1DF8-BD98-7C8EE3D01152}"/>
+                    <a16:creationId xmlns:a16="http://schemas.microsoft.com/office/drawing/2014/main" id="{D929EDBD-8DFA-131E-E374-3DD29BD65CFC}"/>
                   </a:ext>
                 </a:extLst>
               </p:cNvPr>
@@ -11605,13 +11044,13 @@
             </p:txBody>
           </p:sp>
         </mc:Choice>
-        <mc:Fallback xmlns="">
+        <mc:Fallback>
           <p:sp>
             <p:nvSpPr>
-              <p:cNvPr id="35" name="TextBox 34">
+              <p:cNvPr id="67" name="TextBox 66">
                 <a:extLst>
                   <a:ext uri="{FF2B5EF4-FFF2-40B4-BE49-F238E27FC236}">
-                    <a16:creationId xmlns:a16="http://schemas.microsoft.com/office/drawing/2014/main" id="{C09CE022-8E36-1DF8-BD98-7C8EE3D01152}"/>
+                    <a16:creationId xmlns:a16="http://schemas.microsoft.com/office/drawing/2014/main" id="{D929EDBD-8DFA-131E-E374-3DD29BD65CFC}"/>
                   </a:ext>
                 </a:extLst>
               </p:cNvPr>
@@ -11629,7 +11068,7 @@
                 <a:avLst/>
               </a:prstGeom>
               <a:blipFill>
-                <a:blip r:embed="rId13"/>
+                <a:blip r:embed="rId22"/>
                 <a:stretch>
                   <a:fillRect/>
                 </a:stretch>
@@ -11650,14 +11089,14 @@
           </p:sp>
         </mc:Fallback>
       </mc:AlternateContent>
-      <mc:AlternateContent xmlns:mc="http://schemas.openxmlformats.org/markup-compatibility/2006" xmlns:a14="http://schemas.microsoft.com/office/drawing/2010/main">
-        <mc:Choice Requires="a14">
+      <mc:AlternateContent xmlns:mc="http://schemas.openxmlformats.org/markup-compatibility/2006">
+        <mc:Choice xmlns:a14="http://schemas.microsoft.com/office/drawing/2010/main" Requires="a14">
           <p:sp>
             <p:nvSpPr>
-              <p:cNvPr id="36" name="TextBox 35">
+              <p:cNvPr id="68" name="TextBox 67">
                 <a:extLst>
                   <a:ext uri="{FF2B5EF4-FFF2-40B4-BE49-F238E27FC236}">
-                    <a16:creationId xmlns:a16="http://schemas.microsoft.com/office/drawing/2014/main" id="{51D87D50-CF42-236E-BE90-5E4DDD3E73CF}"/>
+                    <a16:creationId xmlns:a16="http://schemas.microsoft.com/office/drawing/2014/main" id="{D724E64C-DFBB-C5BA-25FB-EACA80A84FC0}"/>
                   </a:ext>
                 </a:extLst>
               </p:cNvPr>
@@ -11666,7 +11105,7 @@
             </p:nvSpPr>
             <p:spPr>
               <a:xfrm>
-                <a:off x="9238054" y="4738021"/>
+                <a:off x="9227483" y="5006867"/>
                 <a:ext cx="482826" cy="381515"/>
               </a:xfrm>
               <a:prstGeom prst="rect">
@@ -11738,13 +11177,13 @@
             </p:txBody>
           </p:sp>
         </mc:Choice>
-        <mc:Fallback xmlns="">
+        <mc:Fallback>
           <p:sp>
             <p:nvSpPr>
-              <p:cNvPr id="36" name="TextBox 35">
+              <p:cNvPr id="68" name="TextBox 67">
                 <a:extLst>
                   <a:ext uri="{FF2B5EF4-FFF2-40B4-BE49-F238E27FC236}">
-                    <a16:creationId xmlns:a16="http://schemas.microsoft.com/office/drawing/2014/main" id="{51D87D50-CF42-236E-BE90-5E4DDD3E73CF}"/>
+                    <a16:creationId xmlns:a16="http://schemas.microsoft.com/office/drawing/2014/main" id="{D724E64C-DFBB-C5BA-25FB-EACA80A84FC0}"/>
                   </a:ext>
                 </a:extLst>
               </p:cNvPr>
@@ -11755,14 +11194,14 @@
             </p:nvSpPr>
             <p:spPr>
               <a:xfrm>
-                <a:off x="9238054" y="4738021"/>
+                <a:off x="9227483" y="5006867"/>
                 <a:ext cx="482826" cy="381515"/>
               </a:xfrm>
               <a:prstGeom prst="rect">
                 <a:avLst/>
               </a:prstGeom>
               <a:blipFill>
-                <a:blip r:embed="rId14"/>
+                <a:blip r:embed="rId23"/>
                 <a:stretch>
                   <a:fillRect r="-2564"/>
                 </a:stretch>
@@ -11783,14 +11222,14 @@
           </p:sp>
         </mc:Fallback>
       </mc:AlternateContent>
-      <mc:AlternateContent xmlns:mc="http://schemas.openxmlformats.org/markup-compatibility/2006" xmlns:a14="http://schemas.microsoft.com/office/drawing/2010/main">
-        <mc:Choice Requires="a14">
+      <mc:AlternateContent xmlns:mc="http://schemas.openxmlformats.org/markup-compatibility/2006">
+        <mc:Choice xmlns:a14="http://schemas.microsoft.com/office/drawing/2010/main" Requires="a14">
           <p:sp>
             <p:nvSpPr>
-              <p:cNvPr id="39" name="TextBox 38">
+              <p:cNvPr id="69" name="TextBox 68">
                 <a:extLst>
                   <a:ext uri="{FF2B5EF4-FFF2-40B4-BE49-F238E27FC236}">
-                    <a16:creationId xmlns:a16="http://schemas.microsoft.com/office/drawing/2014/main" id="{3EA002A6-FB45-7527-F82B-62E250428F13}"/>
+                    <a16:creationId xmlns:a16="http://schemas.microsoft.com/office/drawing/2014/main" id="{3D558276-F1C8-AF73-E7BA-AF89A4CB2C6F}"/>
                   </a:ext>
                 </a:extLst>
               </p:cNvPr>
@@ -11871,13 +11310,13 @@
             </p:txBody>
           </p:sp>
         </mc:Choice>
-        <mc:Fallback xmlns="">
+        <mc:Fallback>
           <p:sp>
             <p:nvSpPr>
-              <p:cNvPr id="39" name="TextBox 38">
+              <p:cNvPr id="69" name="TextBox 68">
                 <a:extLst>
                   <a:ext uri="{FF2B5EF4-FFF2-40B4-BE49-F238E27FC236}">
-                    <a16:creationId xmlns:a16="http://schemas.microsoft.com/office/drawing/2014/main" id="{3EA002A6-FB45-7527-F82B-62E250428F13}"/>
+                    <a16:creationId xmlns:a16="http://schemas.microsoft.com/office/drawing/2014/main" id="{3D558276-F1C8-AF73-E7BA-AF89A4CB2C6F}"/>
                   </a:ext>
                 </a:extLst>
               </p:cNvPr>
@@ -11895,7 +11334,7 @@
                 <a:avLst/>
               </a:prstGeom>
               <a:blipFill>
-                <a:blip r:embed="rId15"/>
+                <a:blip r:embed="rId24"/>
                 <a:stretch>
                   <a:fillRect b="-16667"/>
                 </a:stretch>
@@ -11916,14 +11355,14 @@
           </p:sp>
         </mc:Fallback>
       </mc:AlternateContent>
-      <mc:AlternateContent xmlns:mc="http://schemas.openxmlformats.org/markup-compatibility/2006" xmlns:a14="http://schemas.microsoft.com/office/drawing/2010/main">
-        <mc:Choice Requires="a14">
+      <mc:AlternateContent xmlns:mc="http://schemas.openxmlformats.org/markup-compatibility/2006">
+        <mc:Choice xmlns:a14="http://schemas.microsoft.com/office/drawing/2010/main" Requires="a14">
           <p:sp>
             <p:nvSpPr>
-              <p:cNvPr id="40" name="TextBox 39">
+              <p:cNvPr id="70" name="TextBox 69">
                 <a:extLst>
                   <a:ext uri="{FF2B5EF4-FFF2-40B4-BE49-F238E27FC236}">
-                    <a16:creationId xmlns:a16="http://schemas.microsoft.com/office/drawing/2014/main" id="{114749E2-9B0F-59CD-528D-47CFB3F7AC72}"/>
+                    <a16:creationId xmlns:a16="http://schemas.microsoft.com/office/drawing/2014/main" id="{B7BB04E1-92B7-BB90-2F16-541D89B26833}"/>
                   </a:ext>
                 </a:extLst>
               </p:cNvPr>
@@ -12004,13 +11443,13 @@
             </p:txBody>
           </p:sp>
         </mc:Choice>
-        <mc:Fallback xmlns="">
+        <mc:Fallback>
           <p:sp>
             <p:nvSpPr>
-              <p:cNvPr id="40" name="TextBox 39">
+              <p:cNvPr id="70" name="TextBox 69">
                 <a:extLst>
                   <a:ext uri="{FF2B5EF4-FFF2-40B4-BE49-F238E27FC236}">
-                    <a16:creationId xmlns:a16="http://schemas.microsoft.com/office/drawing/2014/main" id="{114749E2-9B0F-59CD-528D-47CFB3F7AC72}"/>
+                    <a16:creationId xmlns:a16="http://schemas.microsoft.com/office/drawing/2014/main" id="{B7BB04E1-92B7-BB90-2F16-541D89B26833}"/>
                   </a:ext>
                 </a:extLst>
               </p:cNvPr>
@@ -12028,7 +11467,7 @@
                 <a:avLst/>
               </a:prstGeom>
               <a:blipFill>
-                <a:blip r:embed="rId16"/>
+                <a:blip r:embed="rId25"/>
                 <a:stretch>
                   <a:fillRect b="-16667"/>
                 </a:stretch>
@@ -12051,23 +11490,22 @@
       </mc:AlternateContent>
       <p:cxnSp>
         <p:nvCxnSpPr>
-          <p:cNvPr id="41" name="Straight Arrow Connector 40">
+          <p:cNvPr id="71" name="Straight Arrow Connector 70">
             <a:extLst>
               <a:ext uri="{FF2B5EF4-FFF2-40B4-BE49-F238E27FC236}">
-                <a16:creationId xmlns:a16="http://schemas.microsoft.com/office/drawing/2014/main" id="{1671F1AE-34E9-1524-65FF-E0D2A04762C7}"/>
+                <a16:creationId xmlns:a16="http://schemas.microsoft.com/office/drawing/2014/main" id="{A149F5D1-F264-2EA1-F108-942F797A73CC}"/>
               </a:ext>
             </a:extLst>
           </p:cNvPr>
           <p:cNvCxnSpPr>
             <a:cxnSpLocks/>
-            <a:endCxn id="36" idx="0"/>
           </p:cNvCxnSpPr>
           <p:nvPr/>
         </p:nvCxnSpPr>
         <p:spPr>
           <a:xfrm flipV="1">
-            <a:off x="9284501" y="4738021"/>
-            <a:ext cx="194966" cy="629298"/>
+            <a:off x="8731207" y="4748086"/>
+            <a:ext cx="825084" cy="629876"/>
           </a:xfrm>
           <a:prstGeom prst="straightConnector1">
             <a:avLst/>
@@ -12096,23 +11534,22 @@
       </p:cxnSp>
       <p:cxnSp>
         <p:nvCxnSpPr>
-          <p:cNvPr id="42" name="Straight Arrow Connector 41">
+          <p:cNvPr id="72" name="Straight Arrow Connector 71">
             <a:extLst>
               <a:ext uri="{FF2B5EF4-FFF2-40B4-BE49-F238E27FC236}">
-                <a16:creationId xmlns:a16="http://schemas.microsoft.com/office/drawing/2014/main" id="{2C8CE906-25DD-6476-1880-C022C1F10C75}"/>
+                <a16:creationId xmlns:a16="http://schemas.microsoft.com/office/drawing/2014/main" id="{E76B29BB-7DB2-2BD3-7C6C-FB249E2970E3}"/>
               </a:ext>
             </a:extLst>
           </p:cNvPr>
           <p:cNvCxnSpPr>
             <a:cxnSpLocks/>
-            <a:endCxn id="44" idx="0"/>
           </p:cNvCxnSpPr>
           <p:nvPr/>
         </p:nvCxnSpPr>
         <p:spPr>
-          <a:xfrm flipH="1" flipV="1">
-            <a:off x="8822221" y="4758812"/>
-            <a:ext cx="232505" cy="558638"/>
+          <a:xfrm flipV="1">
+            <a:off x="8521753" y="4748086"/>
+            <a:ext cx="0" cy="597084"/>
           </a:xfrm>
           <a:prstGeom prst="straightConnector1">
             <a:avLst/>
@@ -12139,14 +11576,14 @@
           </a:fontRef>
         </p:style>
       </p:cxnSp>
-      <mc:AlternateContent xmlns:mc="http://schemas.openxmlformats.org/markup-compatibility/2006" xmlns:a14="http://schemas.microsoft.com/office/drawing/2010/main">
-        <mc:Choice Requires="a14">
+      <mc:AlternateContent xmlns:mc="http://schemas.openxmlformats.org/markup-compatibility/2006">
+        <mc:Choice xmlns:a14="http://schemas.microsoft.com/office/drawing/2010/main" Requires="a14">
           <p:sp>
             <p:nvSpPr>
-              <p:cNvPr id="43" name="TextBox 42">
+              <p:cNvPr id="73" name="TextBox 72">
                 <a:extLst>
                   <a:ext uri="{FF2B5EF4-FFF2-40B4-BE49-F238E27FC236}">
-                    <a16:creationId xmlns:a16="http://schemas.microsoft.com/office/drawing/2014/main" id="{2AAA0FCA-DC93-98EE-70D3-1828F82AB8FD}"/>
+                    <a16:creationId xmlns:a16="http://schemas.microsoft.com/office/drawing/2014/main" id="{E683140D-A40F-F56F-A62E-A109150FA867}"/>
                   </a:ext>
                 </a:extLst>
               </p:cNvPr>
@@ -12155,7 +11592,7 @@
             </p:nvSpPr>
             <p:spPr>
               <a:xfrm>
-                <a:off x="9054726" y="5019279"/>
+                <a:off x="8704806" y="5019890"/>
                 <a:ext cx="482826" cy="381515"/>
               </a:xfrm>
               <a:prstGeom prst="rect">
@@ -12227,13 +11664,13 @@
             </p:txBody>
           </p:sp>
         </mc:Choice>
-        <mc:Fallback xmlns="">
+        <mc:Fallback>
           <p:sp>
             <p:nvSpPr>
-              <p:cNvPr id="43" name="TextBox 42">
+              <p:cNvPr id="73" name="TextBox 72">
                 <a:extLst>
                   <a:ext uri="{FF2B5EF4-FFF2-40B4-BE49-F238E27FC236}">
-                    <a16:creationId xmlns:a16="http://schemas.microsoft.com/office/drawing/2014/main" id="{2AAA0FCA-DC93-98EE-70D3-1828F82AB8FD}"/>
+                    <a16:creationId xmlns:a16="http://schemas.microsoft.com/office/drawing/2014/main" id="{E683140D-A40F-F56F-A62E-A109150FA867}"/>
                   </a:ext>
                 </a:extLst>
               </p:cNvPr>
@@ -12244,14 +11681,14 @@
             </p:nvSpPr>
             <p:spPr>
               <a:xfrm>
-                <a:off x="9054726" y="5019279"/>
+                <a:off x="8704806" y="5019890"/>
                 <a:ext cx="482826" cy="381515"/>
               </a:xfrm>
               <a:prstGeom prst="rect">
                 <a:avLst/>
               </a:prstGeom>
               <a:blipFill>
-                <a:blip r:embed="rId17"/>
+                <a:blip r:embed="rId26"/>
                 <a:stretch>
                   <a:fillRect/>
                 </a:stretch>
@@ -12272,14 +11709,14 @@
           </p:sp>
         </mc:Fallback>
       </mc:AlternateContent>
-      <mc:AlternateContent xmlns:mc="http://schemas.openxmlformats.org/markup-compatibility/2006" xmlns:a14="http://schemas.microsoft.com/office/drawing/2010/main">
-        <mc:Choice Requires="a14">
+      <mc:AlternateContent xmlns:mc="http://schemas.openxmlformats.org/markup-compatibility/2006">
+        <mc:Choice xmlns:a14="http://schemas.microsoft.com/office/drawing/2010/main" Requires="a14">
           <p:sp>
             <p:nvSpPr>
-              <p:cNvPr id="44" name="TextBox 43">
+              <p:cNvPr id="74" name="TextBox 73">
                 <a:extLst>
                   <a:ext uri="{FF2B5EF4-FFF2-40B4-BE49-F238E27FC236}">
-                    <a16:creationId xmlns:a16="http://schemas.microsoft.com/office/drawing/2014/main" id="{35A35E48-7C5E-B8DE-21D5-351BDBE5812A}"/>
+                    <a16:creationId xmlns:a16="http://schemas.microsoft.com/office/drawing/2014/main" id="{7264D1BD-854F-0C2F-FA03-7FA1B89EB601}"/>
                   </a:ext>
                 </a:extLst>
               </p:cNvPr>
@@ -12288,7 +11725,7 @@
             </p:nvSpPr>
             <p:spPr>
               <a:xfrm>
-                <a:off x="8580808" y="4758812"/>
+                <a:off x="8066197" y="4880637"/>
                 <a:ext cx="482826" cy="381515"/>
               </a:xfrm>
               <a:prstGeom prst="rect">
@@ -12360,13 +11797,13 @@
             </p:txBody>
           </p:sp>
         </mc:Choice>
-        <mc:Fallback xmlns="">
+        <mc:Fallback>
           <p:sp>
             <p:nvSpPr>
-              <p:cNvPr id="44" name="TextBox 43">
+              <p:cNvPr id="74" name="TextBox 73">
                 <a:extLst>
                   <a:ext uri="{FF2B5EF4-FFF2-40B4-BE49-F238E27FC236}">
-                    <a16:creationId xmlns:a16="http://schemas.microsoft.com/office/drawing/2014/main" id="{35A35E48-7C5E-B8DE-21D5-351BDBE5812A}"/>
+                    <a16:creationId xmlns:a16="http://schemas.microsoft.com/office/drawing/2014/main" id="{7264D1BD-854F-0C2F-FA03-7FA1B89EB601}"/>
                   </a:ext>
                 </a:extLst>
               </p:cNvPr>
@@ -12377,16 +11814,16 @@
             </p:nvSpPr>
             <p:spPr>
               <a:xfrm>
-                <a:off x="8580808" y="4758812"/>
+                <a:off x="8066197" y="4880637"/>
                 <a:ext cx="482826" cy="381515"/>
               </a:xfrm>
               <a:prstGeom prst="rect">
                 <a:avLst/>
               </a:prstGeom>
               <a:blipFill>
-                <a:blip r:embed="rId18"/>
+                <a:blip r:embed="rId27"/>
                 <a:stretch>
-                  <a:fillRect/>
+                  <a:fillRect r="-2632"/>
                 </a:stretch>
               </a:blipFill>
             </p:spPr>
@@ -12407,10 +11844,10 @@
       </mc:AlternateContent>
       <p:sp>
         <p:nvSpPr>
-          <p:cNvPr id="46" name="TextBox 45">
+          <p:cNvPr id="75" name="TextBox 74">
             <a:extLst>
               <a:ext uri="{FF2B5EF4-FFF2-40B4-BE49-F238E27FC236}">
-                <a16:creationId xmlns:a16="http://schemas.microsoft.com/office/drawing/2014/main" id="{7B1C637F-9E98-9CE0-5F91-7C077F7FE94B}"/>
+                <a16:creationId xmlns:a16="http://schemas.microsoft.com/office/drawing/2014/main" id="{8DFE569F-4118-F79D-1A3D-0231D145909A}"/>
               </a:ext>
             </a:extLst>
           </p:cNvPr>
@@ -12419,7 +11856,7 @@
         </p:nvSpPr>
         <p:spPr>
           <a:xfrm rot="18054908">
-            <a:off x="8281732" y="6458298"/>
+            <a:off x="7946630" y="6455683"/>
             <a:ext cx="1204786" cy="307777"/>
           </a:xfrm>
           <a:prstGeom prst="rect">
